--- a/project_A/scene_graph.pptx
+++ b/project_A/scene_graph.pptx
@@ -7,6 +7,10 @@
   <p:sldIdLst>
     <p:sldId id="256" r:id="rId2"/>
     <p:sldId id="258" r:id="rId3"/>
+    <p:sldId id="260" r:id="rId4"/>
+    <p:sldId id="261" r:id="rId5"/>
+    <p:sldId id="262" r:id="rId6"/>
+    <p:sldId id="263" r:id="rId7"/>
   </p:sldIdLst>
   <p:sldSz cx="12192000" cy="6858000"/>
   <p:notesSz cx="6858000" cy="9144000"/>
@@ -105,6 +109,11 @@
       </a:defRPr>
     </a:lvl9pPr>
   </p:defaultTextStyle>
+  <p:extLst>
+    <p:ext uri="{EFAFB233-063F-42B5-8137-9DF3F51BA10A}">
+      <p15:sldGuideLst xmlns:p15="http://schemas.microsoft.com/office/powerpoint/2012/main"/>
+    </p:ext>
+  </p:extLst>
 </p:presentation>
 </file>
 
@@ -239,7 +248,7 @@
           <a:p>
             <a:fld id="{BDB51EDC-9319-D94D-94BE-5326558147E0}" type="datetimeFigureOut">
               <a:rPr lang="en-US" smtClean="0"/>
-              <a:t>1/27/24</a:t>
+              <a:t>3/9/24</a:t>
             </a:fld>
             <a:endParaRPr lang="en-US"/>
           </a:p>
@@ -409,7 +418,7 @@
           <a:p>
             <a:fld id="{BDB51EDC-9319-D94D-94BE-5326558147E0}" type="datetimeFigureOut">
               <a:rPr lang="en-US" smtClean="0"/>
-              <a:t>1/27/24</a:t>
+              <a:t>3/9/24</a:t>
             </a:fld>
             <a:endParaRPr lang="en-US"/>
           </a:p>
@@ -589,7 +598,7 @@
           <a:p>
             <a:fld id="{BDB51EDC-9319-D94D-94BE-5326558147E0}" type="datetimeFigureOut">
               <a:rPr lang="en-US" smtClean="0"/>
-              <a:t>1/27/24</a:t>
+              <a:t>3/9/24</a:t>
             </a:fld>
             <a:endParaRPr lang="en-US"/>
           </a:p>
@@ -759,7 +768,7 @@
           <a:p>
             <a:fld id="{BDB51EDC-9319-D94D-94BE-5326558147E0}" type="datetimeFigureOut">
               <a:rPr lang="en-US" smtClean="0"/>
-              <a:t>1/27/24</a:t>
+              <a:t>3/9/24</a:t>
             </a:fld>
             <a:endParaRPr lang="en-US"/>
           </a:p>
@@ -1003,7 +1012,7 @@
           <a:p>
             <a:fld id="{BDB51EDC-9319-D94D-94BE-5326558147E0}" type="datetimeFigureOut">
               <a:rPr lang="en-US" smtClean="0"/>
-              <a:t>1/27/24</a:t>
+              <a:t>3/9/24</a:t>
             </a:fld>
             <a:endParaRPr lang="en-US"/>
           </a:p>
@@ -1235,7 +1244,7 @@
           <a:p>
             <a:fld id="{BDB51EDC-9319-D94D-94BE-5326558147E0}" type="datetimeFigureOut">
               <a:rPr lang="en-US" smtClean="0"/>
-              <a:t>1/27/24</a:t>
+              <a:t>3/9/24</a:t>
             </a:fld>
             <a:endParaRPr lang="en-US"/>
           </a:p>
@@ -1602,7 +1611,7 @@
           <a:p>
             <a:fld id="{BDB51EDC-9319-D94D-94BE-5326558147E0}" type="datetimeFigureOut">
               <a:rPr lang="en-US" smtClean="0"/>
-              <a:t>1/27/24</a:t>
+              <a:t>3/9/24</a:t>
             </a:fld>
             <a:endParaRPr lang="en-US"/>
           </a:p>
@@ -1720,7 +1729,7 @@
           <a:p>
             <a:fld id="{BDB51EDC-9319-D94D-94BE-5326558147E0}" type="datetimeFigureOut">
               <a:rPr lang="en-US" smtClean="0"/>
-              <a:t>1/27/24</a:t>
+              <a:t>3/9/24</a:t>
             </a:fld>
             <a:endParaRPr lang="en-US"/>
           </a:p>
@@ -1815,7 +1824,7 @@
           <a:p>
             <a:fld id="{BDB51EDC-9319-D94D-94BE-5326558147E0}" type="datetimeFigureOut">
               <a:rPr lang="en-US" smtClean="0"/>
-              <a:t>1/27/24</a:t>
+              <a:t>3/9/24</a:t>
             </a:fld>
             <a:endParaRPr lang="en-US"/>
           </a:p>
@@ -2092,7 +2101,7 @@
           <a:p>
             <a:fld id="{BDB51EDC-9319-D94D-94BE-5326558147E0}" type="datetimeFigureOut">
               <a:rPr lang="en-US" smtClean="0"/>
-              <a:t>1/27/24</a:t>
+              <a:t>3/9/24</a:t>
             </a:fld>
             <a:endParaRPr lang="en-US"/>
           </a:p>
@@ -2349,7 +2358,7 @@
           <a:p>
             <a:fld id="{BDB51EDC-9319-D94D-94BE-5326558147E0}" type="datetimeFigureOut">
               <a:rPr lang="en-US" smtClean="0"/>
-              <a:t>1/27/24</a:t>
+              <a:t>3/9/24</a:t>
             </a:fld>
             <a:endParaRPr lang="en-US"/>
           </a:p>
@@ -2562,7 +2571,7 @@
           <a:p>
             <a:fld id="{BDB51EDC-9319-D94D-94BE-5326558147E0}" type="datetimeFigureOut">
               <a:rPr lang="en-US" smtClean="0"/>
-              <a:t>1/27/24</a:t>
+              <a:t>3/9/24</a:t>
             </a:fld>
             <a:endParaRPr lang="en-US"/>
           </a:p>
@@ -8861,6 +8870,6424 @@
 </p:sld>
 </file>
 
+<file path=ppt/slides/slide3.xml><?xml version="1.0" encoding="utf-8"?>
+<p:sld xmlns:a="http://schemas.openxmlformats.org/drawingml/2006/main" xmlns:r="http://schemas.openxmlformats.org/officeDocument/2006/relationships" xmlns:p="http://schemas.openxmlformats.org/presentationml/2006/main">
+  <p:cSld>
+    <p:spTree>
+      <p:nvGrpSpPr>
+        <p:cNvPr id="1" name=""/>
+        <p:cNvGrpSpPr/>
+        <p:nvPr/>
+      </p:nvGrpSpPr>
+      <p:grpSpPr>
+        <a:xfrm>
+          <a:off x="0" y="0"/>
+          <a:ext cx="0" cy="0"/>
+          <a:chOff x="0" y="0"/>
+          <a:chExt cx="0" cy="0"/>
+        </a:xfrm>
+      </p:grpSpPr>
+      <p:sp>
+        <p:nvSpPr>
+          <p:cNvPr id="5" name="Oval 4">
+            <a:extLst>
+              <a:ext uri="{FF2B5EF4-FFF2-40B4-BE49-F238E27FC236}">
+                <a16:creationId xmlns:a16="http://schemas.microsoft.com/office/drawing/2014/main" id="{0BC7FE62-F776-1684-6362-1E788EB7A08F}"/>
+              </a:ext>
+            </a:extLst>
+          </p:cNvPr>
+          <p:cNvSpPr/>
+          <p:nvPr/>
+        </p:nvSpPr>
+        <p:spPr>
+          <a:xfrm>
+            <a:off x="5155360" y="414878"/>
+            <a:ext cx="1028700" cy="303144"/>
+          </a:xfrm>
+          <a:prstGeom prst="ellipse">
+            <a:avLst/>
+          </a:prstGeom>
+        </p:spPr>
+        <p:style>
+          <a:lnRef idx="2">
+            <a:schemeClr val="accent1">
+              <a:shade val="15000"/>
+            </a:schemeClr>
+          </a:lnRef>
+          <a:fillRef idx="1">
+            <a:schemeClr val="accent1"/>
+          </a:fillRef>
+          <a:effectRef idx="0">
+            <a:schemeClr val="accent1"/>
+          </a:effectRef>
+          <a:fontRef idx="minor">
+            <a:schemeClr val="lt1"/>
+          </a:fontRef>
+        </p:style>
+        <p:txBody>
+          <a:bodyPr rtlCol="0" anchor="ctr"/>
+          <a:lstStyle/>
+          <a:p>
+            <a:pPr algn="ctr"/>
+            <a:r>
+              <a:rPr lang="en-US" sz="1350" dirty="0"/>
+              <a:t>CVV</a:t>
+            </a:r>
+          </a:p>
+        </p:txBody>
+      </p:sp>
+      <p:sp>
+        <p:nvSpPr>
+          <p:cNvPr id="6" name="Rectangle 5">
+            <a:extLst>
+              <a:ext uri="{FF2B5EF4-FFF2-40B4-BE49-F238E27FC236}">
+                <a16:creationId xmlns:a16="http://schemas.microsoft.com/office/drawing/2014/main" id="{B73BC17E-BDA3-6CB6-E2E0-98A9C3F71059}"/>
+              </a:ext>
+            </a:extLst>
+          </p:cNvPr>
+          <p:cNvSpPr/>
+          <p:nvPr/>
+        </p:nvSpPr>
+        <p:spPr>
+          <a:xfrm>
+            <a:off x="5356629" y="854198"/>
+            <a:ext cx="626165" cy="303144"/>
+          </a:xfrm>
+          <a:prstGeom prst="rect">
+            <a:avLst/>
+          </a:prstGeom>
+        </p:spPr>
+        <p:style>
+          <a:lnRef idx="2">
+            <a:schemeClr val="accent4">
+              <a:shade val="15000"/>
+            </a:schemeClr>
+          </a:lnRef>
+          <a:fillRef idx="1">
+            <a:schemeClr val="accent4"/>
+          </a:fillRef>
+          <a:effectRef idx="0">
+            <a:schemeClr val="accent4"/>
+          </a:effectRef>
+          <a:fontRef idx="minor">
+            <a:schemeClr val="lt1"/>
+          </a:fontRef>
+        </p:style>
+        <p:txBody>
+          <a:bodyPr rtlCol="0" anchor="ctr"/>
+          <a:lstStyle/>
+          <a:p>
+            <a:pPr algn="ctr"/>
+            <a:r>
+              <a:rPr lang="en-US" sz="1350" dirty="0"/>
+              <a:t>TS</a:t>
+            </a:r>
+          </a:p>
+        </p:txBody>
+      </p:sp>
+      <p:sp>
+        <p:nvSpPr>
+          <p:cNvPr id="7" name="Oval 6">
+            <a:extLst>
+              <a:ext uri="{FF2B5EF4-FFF2-40B4-BE49-F238E27FC236}">
+                <a16:creationId xmlns:a16="http://schemas.microsoft.com/office/drawing/2014/main" id="{12445966-01F3-44A5-44B7-F478DB515DE9}"/>
+              </a:ext>
+            </a:extLst>
+          </p:cNvPr>
+          <p:cNvSpPr/>
+          <p:nvPr/>
+        </p:nvSpPr>
+        <p:spPr>
+          <a:xfrm>
+            <a:off x="5211268" y="1301193"/>
+            <a:ext cx="916885" cy="303144"/>
+          </a:xfrm>
+          <a:prstGeom prst="ellipse">
+            <a:avLst/>
+          </a:prstGeom>
+        </p:spPr>
+        <p:style>
+          <a:lnRef idx="2">
+            <a:schemeClr val="accent1">
+              <a:shade val="15000"/>
+            </a:schemeClr>
+          </a:lnRef>
+          <a:fillRef idx="1">
+            <a:schemeClr val="accent1"/>
+          </a:fillRef>
+          <a:effectRef idx="0">
+            <a:schemeClr val="accent1"/>
+          </a:effectRef>
+          <a:fontRef idx="minor">
+            <a:schemeClr val="lt1"/>
+          </a:fontRef>
+        </p:style>
+        <p:txBody>
+          <a:bodyPr rtlCol="0" anchor="ctr"/>
+          <a:lstStyle/>
+          <a:p>
+            <a:pPr algn="ctr"/>
+            <a:r>
+              <a:rPr lang="en-US" sz="1350" dirty="0"/>
+              <a:t>Base</a:t>
+            </a:r>
+          </a:p>
+        </p:txBody>
+      </p:sp>
+      <p:sp>
+        <p:nvSpPr>
+          <p:cNvPr id="8" name="Rectangle 7">
+            <a:extLst>
+              <a:ext uri="{FF2B5EF4-FFF2-40B4-BE49-F238E27FC236}">
+                <a16:creationId xmlns:a16="http://schemas.microsoft.com/office/drawing/2014/main" id="{F1F2FF56-AB13-4D83-1A8D-0F089DC0F8EC}"/>
+              </a:ext>
+            </a:extLst>
+          </p:cNvPr>
+          <p:cNvSpPr/>
+          <p:nvPr/>
+        </p:nvSpPr>
+        <p:spPr>
+          <a:xfrm>
+            <a:off x="5339233" y="1781867"/>
+            <a:ext cx="660953" cy="204995"/>
+          </a:xfrm>
+          <a:prstGeom prst="rect">
+            <a:avLst/>
+          </a:prstGeom>
+        </p:spPr>
+        <p:style>
+          <a:lnRef idx="2">
+            <a:schemeClr val="accent4">
+              <a:shade val="15000"/>
+            </a:schemeClr>
+          </a:lnRef>
+          <a:fillRef idx="1">
+            <a:schemeClr val="accent4"/>
+          </a:fillRef>
+          <a:effectRef idx="0">
+            <a:schemeClr val="accent4"/>
+          </a:effectRef>
+          <a:fontRef idx="minor">
+            <a:schemeClr val="lt1"/>
+          </a:fontRef>
+        </p:style>
+        <p:txBody>
+          <a:bodyPr rtlCol="0" anchor="ctr"/>
+          <a:lstStyle/>
+          <a:p>
+            <a:pPr algn="ctr"/>
+            <a:r>
+              <a:rPr lang="en-US" sz="1350" dirty="0"/>
+              <a:t>SRT</a:t>
+            </a:r>
+          </a:p>
+        </p:txBody>
+      </p:sp>
+      <p:sp>
+        <p:nvSpPr>
+          <p:cNvPr id="9" name="Triangle 8">
+            <a:extLst>
+              <a:ext uri="{FF2B5EF4-FFF2-40B4-BE49-F238E27FC236}">
+                <a16:creationId xmlns:a16="http://schemas.microsoft.com/office/drawing/2014/main" id="{023FC880-A858-3629-335F-5FC5CBD56C3B}"/>
+              </a:ext>
+            </a:extLst>
+          </p:cNvPr>
+          <p:cNvSpPr/>
+          <p:nvPr/>
+        </p:nvSpPr>
+        <p:spPr>
+          <a:xfrm>
+            <a:off x="5054178" y="2405637"/>
+            <a:ext cx="1555344" cy="426140"/>
+          </a:xfrm>
+          <a:prstGeom prst="triangle">
+            <a:avLst/>
+          </a:prstGeom>
+        </p:spPr>
+        <p:style>
+          <a:lnRef idx="2">
+            <a:schemeClr val="dk1">
+              <a:shade val="15000"/>
+            </a:schemeClr>
+          </a:lnRef>
+          <a:fillRef idx="1">
+            <a:schemeClr val="dk1"/>
+          </a:fillRef>
+          <a:effectRef idx="0">
+            <a:schemeClr val="dk1"/>
+          </a:effectRef>
+          <a:fontRef idx="minor">
+            <a:schemeClr val="lt1"/>
+          </a:fontRef>
+        </p:style>
+        <p:txBody>
+          <a:bodyPr rtlCol="0" anchor="ctr"/>
+          <a:lstStyle/>
+          <a:p>
+            <a:pPr algn="ctr"/>
+            <a:r>
+              <a:rPr lang="en-US" altLang="zh-CN" sz="1350" dirty="0"/>
+              <a:t>sphere</a:t>
+            </a:r>
+            <a:endParaRPr lang="en-US" sz="1350" dirty="0"/>
+          </a:p>
+        </p:txBody>
+      </p:sp>
+      <p:sp>
+        <p:nvSpPr>
+          <p:cNvPr id="26" name="TextBox 25">
+            <a:extLst>
+              <a:ext uri="{FF2B5EF4-FFF2-40B4-BE49-F238E27FC236}">
+                <a16:creationId xmlns:a16="http://schemas.microsoft.com/office/drawing/2014/main" id="{BF7D95B3-986E-93DC-A4CE-D7C3861B08A4}"/>
+              </a:ext>
+            </a:extLst>
+          </p:cNvPr>
+          <p:cNvSpPr txBox="1"/>
+          <p:nvPr/>
+        </p:nvSpPr>
+        <p:spPr>
+          <a:xfrm>
+            <a:off x="9121871" y="6557918"/>
+            <a:ext cx="986280" cy="300082"/>
+          </a:xfrm>
+          <a:prstGeom prst="rect">
+            <a:avLst/>
+          </a:prstGeom>
+          <a:noFill/>
+        </p:spPr>
+        <p:txBody>
+          <a:bodyPr wrap="square" rtlCol="0">
+            <a:spAutoFit/>
+          </a:bodyPr>
+          <a:lstStyle/>
+          <a:p>
+            <a:r>
+              <a:rPr lang="en-US" sz="1350" dirty="0"/>
+              <a:t>Left finger</a:t>
+            </a:r>
+          </a:p>
+        </p:txBody>
+      </p:sp>
+      <p:cxnSp>
+        <p:nvCxnSpPr>
+          <p:cNvPr id="53" name="Straight Arrow Connector 52">
+            <a:extLst>
+              <a:ext uri="{FF2B5EF4-FFF2-40B4-BE49-F238E27FC236}">
+                <a16:creationId xmlns:a16="http://schemas.microsoft.com/office/drawing/2014/main" id="{6ABAB0DC-60A4-D33C-DA23-98456657597A}"/>
+              </a:ext>
+            </a:extLst>
+          </p:cNvPr>
+          <p:cNvCxnSpPr>
+            <a:stCxn id="5" idx="4"/>
+            <a:endCxn id="6" idx="0"/>
+          </p:cNvCxnSpPr>
+          <p:nvPr/>
+        </p:nvCxnSpPr>
+        <p:spPr>
+          <a:xfrm>
+            <a:off x="5669710" y="718022"/>
+            <a:ext cx="0" cy="136176"/>
+          </a:xfrm>
+          <a:prstGeom prst="straightConnector1">
+            <a:avLst/>
+          </a:prstGeom>
+          <a:ln>
+            <a:tailEnd type="triangle"/>
+          </a:ln>
+        </p:spPr>
+        <p:style>
+          <a:lnRef idx="1">
+            <a:schemeClr val="accent1"/>
+          </a:lnRef>
+          <a:fillRef idx="0">
+            <a:schemeClr val="accent1"/>
+          </a:fillRef>
+          <a:effectRef idx="0">
+            <a:schemeClr val="accent1"/>
+          </a:effectRef>
+          <a:fontRef idx="minor">
+            <a:schemeClr val="tx1"/>
+          </a:fontRef>
+        </p:style>
+      </p:cxnSp>
+      <p:cxnSp>
+        <p:nvCxnSpPr>
+          <p:cNvPr id="54" name="Straight Arrow Connector 53">
+            <a:extLst>
+              <a:ext uri="{FF2B5EF4-FFF2-40B4-BE49-F238E27FC236}">
+                <a16:creationId xmlns:a16="http://schemas.microsoft.com/office/drawing/2014/main" id="{732E159F-AC4B-CA06-31D9-C02D157BF544}"/>
+              </a:ext>
+            </a:extLst>
+          </p:cNvPr>
+          <p:cNvCxnSpPr>
+            <a:cxnSpLocks/>
+            <a:stCxn id="6" idx="2"/>
+            <a:endCxn id="7" idx="0"/>
+          </p:cNvCxnSpPr>
+          <p:nvPr/>
+        </p:nvCxnSpPr>
+        <p:spPr>
+          <a:xfrm flipH="1">
+            <a:off x="5669711" y="1157344"/>
+            <a:ext cx="1" cy="143851"/>
+          </a:xfrm>
+          <a:prstGeom prst="straightConnector1">
+            <a:avLst/>
+          </a:prstGeom>
+          <a:ln>
+            <a:tailEnd type="triangle"/>
+          </a:ln>
+        </p:spPr>
+        <p:style>
+          <a:lnRef idx="1">
+            <a:schemeClr val="accent1"/>
+          </a:lnRef>
+          <a:fillRef idx="0">
+            <a:schemeClr val="accent1"/>
+          </a:fillRef>
+          <a:effectRef idx="0">
+            <a:schemeClr val="accent1"/>
+          </a:effectRef>
+          <a:fontRef idx="minor">
+            <a:schemeClr val="tx1"/>
+          </a:fontRef>
+        </p:style>
+      </p:cxnSp>
+      <p:cxnSp>
+        <p:nvCxnSpPr>
+          <p:cNvPr id="57" name="Straight Arrow Connector 56">
+            <a:extLst>
+              <a:ext uri="{FF2B5EF4-FFF2-40B4-BE49-F238E27FC236}">
+                <a16:creationId xmlns:a16="http://schemas.microsoft.com/office/drawing/2014/main" id="{BF21FB43-7D77-4303-873B-4ACEA6CE8C1B}"/>
+              </a:ext>
+            </a:extLst>
+          </p:cNvPr>
+          <p:cNvCxnSpPr>
+            <a:cxnSpLocks/>
+            <a:stCxn id="7" idx="4"/>
+            <a:endCxn id="8" idx="0"/>
+          </p:cNvCxnSpPr>
+          <p:nvPr/>
+        </p:nvCxnSpPr>
+        <p:spPr>
+          <a:xfrm flipH="1">
+            <a:off x="5669710" y="1604337"/>
+            <a:ext cx="1" cy="177530"/>
+          </a:xfrm>
+          <a:prstGeom prst="straightConnector1">
+            <a:avLst/>
+          </a:prstGeom>
+          <a:ln>
+            <a:tailEnd type="triangle"/>
+          </a:ln>
+        </p:spPr>
+        <p:style>
+          <a:lnRef idx="1">
+            <a:schemeClr val="accent1"/>
+          </a:lnRef>
+          <a:fillRef idx="0">
+            <a:schemeClr val="accent1"/>
+          </a:fillRef>
+          <a:effectRef idx="0">
+            <a:schemeClr val="accent1"/>
+          </a:effectRef>
+          <a:fontRef idx="minor">
+            <a:schemeClr val="tx1"/>
+          </a:fontRef>
+        </p:style>
+      </p:cxnSp>
+      <p:cxnSp>
+        <p:nvCxnSpPr>
+          <p:cNvPr id="75" name="Straight Arrow Connector 74">
+            <a:extLst>
+              <a:ext uri="{FF2B5EF4-FFF2-40B4-BE49-F238E27FC236}">
+                <a16:creationId xmlns:a16="http://schemas.microsoft.com/office/drawing/2014/main" id="{A4F1B286-DA53-11C3-7203-F26213296512}"/>
+              </a:ext>
+            </a:extLst>
+          </p:cNvPr>
+          <p:cNvCxnSpPr>
+            <a:cxnSpLocks/>
+            <a:stCxn id="8" idx="2"/>
+            <a:endCxn id="9" idx="0"/>
+          </p:cNvCxnSpPr>
+          <p:nvPr/>
+        </p:nvCxnSpPr>
+        <p:spPr>
+          <a:xfrm>
+            <a:off x="5669710" y="1986862"/>
+            <a:ext cx="162140" cy="418775"/>
+          </a:xfrm>
+          <a:prstGeom prst="straightConnector1">
+            <a:avLst/>
+          </a:prstGeom>
+          <a:ln>
+            <a:tailEnd type="triangle"/>
+          </a:ln>
+        </p:spPr>
+        <p:style>
+          <a:lnRef idx="1">
+            <a:schemeClr val="accent1"/>
+          </a:lnRef>
+          <a:fillRef idx="0">
+            <a:schemeClr val="accent1"/>
+          </a:fillRef>
+          <a:effectRef idx="0">
+            <a:schemeClr val="accent1"/>
+          </a:effectRef>
+          <a:fontRef idx="minor">
+            <a:schemeClr val="tx1"/>
+          </a:fontRef>
+        </p:style>
+      </p:cxnSp>
+      <p:sp>
+        <p:nvSpPr>
+          <p:cNvPr id="176" name="TextBox 175">
+            <a:extLst>
+              <a:ext uri="{FF2B5EF4-FFF2-40B4-BE49-F238E27FC236}">
+                <a16:creationId xmlns:a16="http://schemas.microsoft.com/office/drawing/2014/main" id="{323F9C01-ECED-7B68-CFBA-953B00C02183}"/>
+              </a:ext>
+            </a:extLst>
+          </p:cNvPr>
+          <p:cNvSpPr txBox="1"/>
+          <p:nvPr/>
+        </p:nvSpPr>
+        <p:spPr>
+          <a:xfrm>
+            <a:off x="3877654" y="647979"/>
+            <a:ext cx="964623" cy="715581"/>
+          </a:xfrm>
+          <a:prstGeom prst="rect">
+            <a:avLst/>
+          </a:prstGeom>
+          <a:noFill/>
+        </p:spPr>
+        <p:txBody>
+          <a:bodyPr wrap="none" rtlCol="0">
+            <a:spAutoFit/>
+          </a:bodyPr>
+          <a:lstStyle/>
+          <a:p>
+            <a:r>
+              <a:rPr lang="en-US" sz="1350" dirty="0"/>
+              <a:t>T: translate</a:t>
+            </a:r>
+          </a:p>
+          <a:p>
+            <a:r>
+              <a:rPr lang="en-US" sz="1350" dirty="0"/>
+              <a:t>R: rotate</a:t>
+            </a:r>
+          </a:p>
+          <a:p>
+            <a:r>
+              <a:rPr lang="en-US" sz="1350" dirty="0"/>
+              <a:t>S: Scale</a:t>
+            </a:r>
+          </a:p>
+        </p:txBody>
+      </p:sp>
+    </p:spTree>
+    <p:extLst>
+      <p:ext uri="{BB962C8B-B14F-4D97-AF65-F5344CB8AC3E}">
+        <p14:creationId xmlns:p14="http://schemas.microsoft.com/office/powerpoint/2010/main" val="1981952131"/>
+      </p:ext>
+    </p:extLst>
+  </p:cSld>
+  <p:clrMapOvr>
+    <a:masterClrMapping/>
+  </p:clrMapOvr>
+</p:sld>
+</file>
+
+<file path=ppt/slides/slide4.xml><?xml version="1.0" encoding="utf-8"?>
+<p:sld xmlns:a="http://schemas.openxmlformats.org/drawingml/2006/main" xmlns:r="http://schemas.openxmlformats.org/officeDocument/2006/relationships" xmlns:p="http://schemas.openxmlformats.org/presentationml/2006/main">
+  <p:cSld>
+    <p:spTree>
+      <p:nvGrpSpPr>
+        <p:cNvPr id="1" name=""/>
+        <p:cNvGrpSpPr/>
+        <p:nvPr/>
+      </p:nvGrpSpPr>
+      <p:grpSpPr>
+        <a:xfrm>
+          <a:off x="0" y="0"/>
+          <a:ext cx="0" cy="0"/>
+          <a:chOff x="0" y="0"/>
+          <a:chExt cx="0" cy="0"/>
+        </a:xfrm>
+      </p:grpSpPr>
+      <p:sp>
+        <p:nvSpPr>
+          <p:cNvPr id="5" name="Oval 4">
+            <a:extLst>
+              <a:ext uri="{FF2B5EF4-FFF2-40B4-BE49-F238E27FC236}">
+                <a16:creationId xmlns:a16="http://schemas.microsoft.com/office/drawing/2014/main" id="{0BC7FE62-F776-1684-6362-1E788EB7A08F}"/>
+              </a:ext>
+            </a:extLst>
+          </p:cNvPr>
+          <p:cNvSpPr/>
+          <p:nvPr/>
+        </p:nvSpPr>
+        <p:spPr>
+          <a:xfrm>
+            <a:off x="5155360" y="414878"/>
+            <a:ext cx="1028700" cy="303144"/>
+          </a:xfrm>
+          <a:prstGeom prst="ellipse">
+            <a:avLst/>
+          </a:prstGeom>
+        </p:spPr>
+        <p:style>
+          <a:lnRef idx="2">
+            <a:schemeClr val="accent1">
+              <a:shade val="15000"/>
+            </a:schemeClr>
+          </a:lnRef>
+          <a:fillRef idx="1">
+            <a:schemeClr val="accent1"/>
+          </a:fillRef>
+          <a:effectRef idx="0">
+            <a:schemeClr val="accent1"/>
+          </a:effectRef>
+          <a:fontRef idx="minor">
+            <a:schemeClr val="lt1"/>
+          </a:fontRef>
+        </p:style>
+        <p:txBody>
+          <a:bodyPr rtlCol="0" anchor="ctr"/>
+          <a:lstStyle/>
+          <a:p>
+            <a:pPr algn="ctr"/>
+            <a:r>
+              <a:rPr lang="en-US" sz="1350" dirty="0"/>
+              <a:t>CVV</a:t>
+            </a:r>
+          </a:p>
+        </p:txBody>
+      </p:sp>
+      <p:sp>
+        <p:nvSpPr>
+          <p:cNvPr id="6" name="Rectangle 5">
+            <a:extLst>
+              <a:ext uri="{FF2B5EF4-FFF2-40B4-BE49-F238E27FC236}">
+                <a16:creationId xmlns:a16="http://schemas.microsoft.com/office/drawing/2014/main" id="{B73BC17E-BDA3-6CB6-E2E0-98A9C3F71059}"/>
+              </a:ext>
+            </a:extLst>
+          </p:cNvPr>
+          <p:cNvSpPr/>
+          <p:nvPr/>
+        </p:nvSpPr>
+        <p:spPr>
+          <a:xfrm>
+            <a:off x="5356629" y="854198"/>
+            <a:ext cx="626165" cy="303144"/>
+          </a:xfrm>
+          <a:prstGeom prst="rect">
+            <a:avLst/>
+          </a:prstGeom>
+        </p:spPr>
+        <p:style>
+          <a:lnRef idx="2">
+            <a:schemeClr val="accent4">
+              <a:shade val="15000"/>
+            </a:schemeClr>
+          </a:lnRef>
+          <a:fillRef idx="1">
+            <a:schemeClr val="accent4"/>
+          </a:fillRef>
+          <a:effectRef idx="0">
+            <a:schemeClr val="accent4"/>
+          </a:effectRef>
+          <a:fontRef idx="minor">
+            <a:schemeClr val="lt1"/>
+          </a:fontRef>
+        </p:style>
+        <p:txBody>
+          <a:bodyPr rtlCol="0" anchor="ctr"/>
+          <a:lstStyle/>
+          <a:p>
+            <a:pPr algn="ctr"/>
+            <a:r>
+              <a:rPr lang="en-US" sz="1350" dirty="0"/>
+              <a:t>TS</a:t>
+            </a:r>
+          </a:p>
+        </p:txBody>
+      </p:sp>
+      <p:sp>
+        <p:nvSpPr>
+          <p:cNvPr id="7" name="Oval 6">
+            <a:extLst>
+              <a:ext uri="{FF2B5EF4-FFF2-40B4-BE49-F238E27FC236}">
+                <a16:creationId xmlns:a16="http://schemas.microsoft.com/office/drawing/2014/main" id="{12445966-01F3-44A5-44B7-F478DB515DE9}"/>
+              </a:ext>
+            </a:extLst>
+          </p:cNvPr>
+          <p:cNvSpPr/>
+          <p:nvPr/>
+        </p:nvSpPr>
+        <p:spPr>
+          <a:xfrm>
+            <a:off x="5211268" y="1301193"/>
+            <a:ext cx="916885" cy="303144"/>
+          </a:xfrm>
+          <a:prstGeom prst="ellipse">
+            <a:avLst/>
+          </a:prstGeom>
+        </p:spPr>
+        <p:style>
+          <a:lnRef idx="2">
+            <a:schemeClr val="accent1">
+              <a:shade val="15000"/>
+            </a:schemeClr>
+          </a:lnRef>
+          <a:fillRef idx="1">
+            <a:schemeClr val="accent1"/>
+          </a:fillRef>
+          <a:effectRef idx="0">
+            <a:schemeClr val="accent1"/>
+          </a:effectRef>
+          <a:fontRef idx="minor">
+            <a:schemeClr val="lt1"/>
+          </a:fontRef>
+        </p:style>
+        <p:txBody>
+          <a:bodyPr rtlCol="0" anchor="ctr"/>
+          <a:lstStyle/>
+          <a:p>
+            <a:pPr algn="ctr"/>
+            <a:r>
+              <a:rPr lang="en-US" sz="1350" dirty="0"/>
+              <a:t>Base</a:t>
+            </a:r>
+          </a:p>
+        </p:txBody>
+      </p:sp>
+      <p:sp>
+        <p:nvSpPr>
+          <p:cNvPr id="8" name="Rectangle 7">
+            <a:extLst>
+              <a:ext uri="{FF2B5EF4-FFF2-40B4-BE49-F238E27FC236}">
+                <a16:creationId xmlns:a16="http://schemas.microsoft.com/office/drawing/2014/main" id="{F1F2FF56-AB13-4D83-1A8D-0F089DC0F8EC}"/>
+              </a:ext>
+            </a:extLst>
+          </p:cNvPr>
+          <p:cNvSpPr/>
+          <p:nvPr/>
+        </p:nvSpPr>
+        <p:spPr>
+          <a:xfrm>
+            <a:off x="5339233" y="1781867"/>
+            <a:ext cx="660953" cy="204995"/>
+          </a:xfrm>
+          <a:prstGeom prst="rect">
+            <a:avLst/>
+          </a:prstGeom>
+        </p:spPr>
+        <p:style>
+          <a:lnRef idx="2">
+            <a:schemeClr val="accent4">
+              <a:shade val="15000"/>
+            </a:schemeClr>
+          </a:lnRef>
+          <a:fillRef idx="1">
+            <a:schemeClr val="accent4"/>
+          </a:fillRef>
+          <a:effectRef idx="0">
+            <a:schemeClr val="accent4"/>
+          </a:effectRef>
+          <a:fontRef idx="minor">
+            <a:schemeClr val="lt1"/>
+          </a:fontRef>
+        </p:style>
+        <p:txBody>
+          <a:bodyPr rtlCol="0" anchor="ctr"/>
+          <a:lstStyle/>
+          <a:p>
+            <a:pPr algn="ctr"/>
+            <a:r>
+              <a:rPr lang="en-US" sz="1350" dirty="0"/>
+              <a:t>SRT</a:t>
+            </a:r>
+          </a:p>
+        </p:txBody>
+      </p:sp>
+      <p:sp>
+        <p:nvSpPr>
+          <p:cNvPr id="9" name="Triangle 8">
+            <a:extLst>
+              <a:ext uri="{FF2B5EF4-FFF2-40B4-BE49-F238E27FC236}">
+                <a16:creationId xmlns:a16="http://schemas.microsoft.com/office/drawing/2014/main" id="{023FC880-A858-3629-335F-5FC5CBD56C3B}"/>
+              </a:ext>
+            </a:extLst>
+          </p:cNvPr>
+          <p:cNvSpPr/>
+          <p:nvPr/>
+        </p:nvSpPr>
+        <p:spPr>
+          <a:xfrm>
+            <a:off x="3422375" y="2309622"/>
+            <a:ext cx="1231061" cy="426140"/>
+          </a:xfrm>
+          <a:prstGeom prst="triangle">
+            <a:avLst/>
+          </a:prstGeom>
+        </p:spPr>
+        <p:style>
+          <a:lnRef idx="2">
+            <a:schemeClr val="dk1">
+              <a:shade val="15000"/>
+            </a:schemeClr>
+          </a:lnRef>
+          <a:fillRef idx="1">
+            <a:schemeClr val="dk1"/>
+          </a:fillRef>
+          <a:effectRef idx="0">
+            <a:schemeClr val="dk1"/>
+          </a:effectRef>
+          <a:fontRef idx="minor">
+            <a:schemeClr val="lt1"/>
+          </a:fontRef>
+        </p:style>
+        <p:txBody>
+          <a:bodyPr rtlCol="0" anchor="ctr"/>
+          <a:lstStyle/>
+          <a:p>
+            <a:pPr algn="ctr"/>
+            <a:r>
+              <a:rPr lang="en-US" sz="1350" dirty="0"/>
+              <a:t>Cube</a:t>
+            </a:r>
+          </a:p>
+        </p:txBody>
+      </p:sp>
+      <p:sp>
+        <p:nvSpPr>
+          <p:cNvPr id="14" name="Rectangle 13">
+            <a:extLst>
+              <a:ext uri="{FF2B5EF4-FFF2-40B4-BE49-F238E27FC236}">
+                <a16:creationId xmlns:a16="http://schemas.microsoft.com/office/drawing/2014/main" id="{D1372677-0823-591B-EC67-71D5D9792A41}"/>
+              </a:ext>
+            </a:extLst>
+          </p:cNvPr>
+          <p:cNvSpPr/>
+          <p:nvPr/>
+        </p:nvSpPr>
+        <p:spPr>
+          <a:xfrm>
+            <a:off x="5802796" y="2185164"/>
+            <a:ext cx="626165" cy="303144"/>
+          </a:xfrm>
+          <a:prstGeom prst="rect">
+            <a:avLst/>
+          </a:prstGeom>
+        </p:spPr>
+        <p:style>
+          <a:lnRef idx="2">
+            <a:schemeClr val="accent4">
+              <a:shade val="15000"/>
+            </a:schemeClr>
+          </a:lnRef>
+          <a:fillRef idx="1">
+            <a:schemeClr val="accent4"/>
+          </a:fillRef>
+          <a:effectRef idx="0">
+            <a:schemeClr val="accent4"/>
+          </a:effectRef>
+          <a:fontRef idx="minor">
+            <a:schemeClr val="lt1"/>
+          </a:fontRef>
+        </p:style>
+        <p:txBody>
+          <a:bodyPr rtlCol="0" anchor="ctr"/>
+          <a:lstStyle/>
+          <a:p>
+            <a:pPr algn="ctr"/>
+            <a:r>
+              <a:rPr lang="en-US" sz="1350" dirty="0"/>
+              <a:t>TSR</a:t>
+            </a:r>
+          </a:p>
+        </p:txBody>
+      </p:sp>
+      <p:sp>
+        <p:nvSpPr>
+          <p:cNvPr id="16" name="Triangle 15">
+            <a:extLst>
+              <a:ext uri="{FF2B5EF4-FFF2-40B4-BE49-F238E27FC236}">
+                <a16:creationId xmlns:a16="http://schemas.microsoft.com/office/drawing/2014/main" id="{E95D6EED-FDBD-217C-B132-2C5AD005B4F3}"/>
+              </a:ext>
+            </a:extLst>
+          </p:cNvPr>
+          <p:cNvSpPr/>
+          <p:nvPr/>
+        </p:nvSpPr>
+        <p:spPr>
+          <a:xfrm>
+            <a:off x="4508222" y="3042630"/>
+            <a:ext cx="1161487" cy="426140"/>
+          </a:xfrm>
+          <a:prstGeom prst="triangle">
+            <a:avLst/>
+          </a:prstGeom>
+        </p:spPr>
+        <p:style>
+          <a:lnRef idx="2">
+            <a:schemeClr val="dk1">
+              <a:shade val="15000"/>
+            </a:schemeClr>
+          </a:lnRef>
+          <a:fillRef idx="1">
+            <a:schemeClr val="dk1"/>
+          </a:fillRef>
+          <a:effectRef idx="0">
+            <a:schemeClr val="dk1"/>
+          </a:effectRef>
+          <a:fontRef idx="minor">
+            <a:schemeClr val="lt1"/>
+          </a:fontRef>
+        </p:style>
+        <p:txBody>
+          <a:bodyPr rtlCol="0" anchor="ctr"/>
+          <a:lstStyle/>
+          <a:p>
+            <a:pPr algn="ctr"/>
+            <a:r>
+              <a:rPr lang="en-US" sz="1350" dirty="0"/>
+              <a:t>Cube</a:t>
+            </a:r>
+          </a:p>
+        </p:txBody>
+      </p:sp>
+      <p:sp>
+        <p:nvSpPr>
+          <p:cNvPr id="18" name="TextBox 17">
+            <a:extLst>
+              <a:ext uri="{FF2B5EF4-FFF2-40B4-BE49-F238E27FC236}">
+                <a16:creationId xmlns:a16="http://schemas.microsoft.com/office/drawing/2014/main" id="{18BD6F44-5758-33B0-D90D-17941703ABB8}"/>
+              </a:ext>
+            </a:extLst>
+          </p:cNvPr>
+          <p:cNvSpPr txBox="1"/>
+          <p:nvPr/>
+        </p:nvSpPr>
+        <p:spPr>
+          <a:xfrm>
+            <a:off x="3554737" y="2787292"/>
+            <a:ext cx="1098698" cy="300082"/>
+          </a:xfrm>
+          <a:prstGeom prst="rect">
+            <a:avLst/>
+          </a:prstGeom>
+          <a:noFill/>
+        </p:spPr>
+        <p:txBody>
+          <a:bodyPr wrap="square" rtlCol="0">
+            <a:spAutoFit/>
+          </a:bodyPr>
+          <a:lstStyle/>
+          <a:p>
+            <a:r>
+              <a:rPr lang="en-US" sz="1350" dirty="0"/>
+              <a:t>foundation</a:t>
+            </a:r>
+          </a:p>
+        </p:txBody>
+      </p:sp>
+      <p:sp>
+        <p:nvSpPr>
+          <p:cNvPr id="19" name="TextBox 18">
+            <a:extLst>
+              <a:ext uri="{FF2B5EF4-FFF2-40B4-BE49-F238E27FC236}">
+                <a16:creationId xmlns:a16="http://schemas.microsoft.com/office/drawing/2014/main" id="{55B9D093-50BF-F459-508F-B4D19EDD27BC}"/>
+              </a:ext>
+            </a:extLst>
+          </p:cNvPr>
+          <p:cNvSpPr txBox="1"/>
+          <p:nvPr/>
+        </p:nvSpPr>
+        <p:spPr>
+          <a:xfrm>
+            <a:off x="4602532" y="3425471"/>
+            <a:ext cx="1513346" cy="300082"/>
+          </a:xfrm>
+          <a:prstGeom prst="rect">
+            <a:avLst/>
+          </a:prstGeom>
+          <a:noFill/>
+        </p:spPr>
+        <p:txBody>
+          <a:bodyPr wrap="square" rtlCol="0">
+            <a:spAutoFit/>
+          </a:bodyPr>
+          <a:lstStyle/>
+          <a:p>
+            <a:r>
+              <a:rPr lang="en-US" sz="1350" dirty="0"/>
+              <a:t>Upper arm</a:t>
+            </a:r>
+          </a:p>
+        </p:txBody>
+      </p:sp>
+      <p:sp>
+        <p:nvSpPr>
+          <p:cNvPr id="21" name="Rectangle 20">
+            <a:extLst>
+              <a:ext uri="{FF2B5EF4-FFF2-40B4-BE49-F238E27FC236}">
+                <a16:creationId xmlns:a16="http://schemas.microsoft.com/office/drawing/2014/main" id="{1E398205-40A5-E3DA-6B40-2E8D5E830022}"/>
+              </a:ext>
+            </a:extLst>
+          </p:cNvPr>
+          <p:cNvSpPr/>
+          <p:nvPr/>
+        </p:nvSpPr>
+        <p:spPr>
+          <a:xfrm>
+            <a:off x="6462504" y="3163982"/>
+            <a:ext cx="626165" cy="303144"/>
+          </a:xfrm>
+          <a:prstGeom prst="rect">
+            <a:avLst/>
+          </a:prstGeom>
+        </p:spPr>
+        <p:style>
+          <a:lnRef idx="2">
+            <a:schemeClr val="accent4">
+              <a:shade val="15000"/>
+            </a:schemeClr>
+          </a:lnRef>
+          <a:fillRef idx="1">
+            <a:schemeClr val="accent4"/>
+          </a:fillRef>
+          <a:effectRef idx="0">
+            <a:schemeClr val="accent4"/>
+          </a:effectRef>
+          <a:fontRef idx="minor">
+            <a:schemeClr val="lt1"/>
+          </a:fontRef>
+        </p:style>
+        <p:txBody>
+          <a:bodyPr rtlCol="0" anchor="ctr"/>
+          <a:lstStyle/>
+          <a:p>
+            <a:pPr algn="ctr"/>
+            <a:r>
+              <a:rPr lang="en-US" sz="1350" dirty="0"/>
+              <a:t>TSR</a:t>
+            </a:r>
+          </a:p>
+        </p:txBody>
+      </p:sp>
+      <p:sp>
+        <p:nvSpPr>
+          <p:cNvPr id="23" name="Triangle 22">
+            <a:extLst>
+              <a:ext uri="{FF2B5EF4-FFF2-40B4-BE49-F238E27FC236}">
+                <a16:creationId xmlns:a16="http://schemas.microsoft.com/office/drawing/2014/main" id="{4A3CEEE8-D022-5022-5F97-F3B82EF623DE}"/>
+              </a:ext>
+            </a:extLst>
+          </p:cNvPr>
+          <p:cNvSpPr/>
+          <p:nvPr/>
+        </p:nvSpPr>
+        <p:spPr>
+          <a:xfrm>
+            <a:off x="6292466" y="4212923"/>
+            <a:ext cx="1243418" cy="426140"/>
+          </a:xfrm>
+          <a:prstGeom prst="triangle">
+            <a:avLst/>
+          </a:prstGeom>
+        </p:spPr>
+        <p:style>
+          <a:lnRef idx="2">
+            <a:schemeClr val="dk1">
+              <a:shade val="15000"/>
+            </a:schemeClr>
+          </a:lnRef>
+          <a:fillRef idx="1">
+            <a:schemeClr val="dk1"/>
+          </a:fillRef>
+          <a:effectRef idx="0">
+            <a:schemeClr val="dk1"/>
+          </a:effectRef>
+          <a:fontRef idx="minor">
+            <a:schemeClr val="lt1"/>
+          </a:fontRef>
+        </p:style>
+        <p:txBody>
+          <a:bodyPr rtlCol="0" anchor="ctr"/>
+          <a:lstStyle/>
+          <a:p>
+            <a:pPr algn="ctr"/>
+            <a:r>
+              <a:rPr lang="en-US" sz="1350" dirty="0"/>
+              <a:t>Cube</a:t>
+            </a:r>
+          </a:p>
+        </p:txBody>
+      </p:sp>
+      <p:sp>
+        <p:nvSpPr>
+          <p:cNvPr id="24" name="TextBox 23">
+            <a:extLst>
+              <a:ext uri="{FF2B5EF4-FFF2-40B4-BE49-F238E27FC236}">
+                <a16:creationId xmlns:a16="http://schemas.microsoft.com/office/drawing/2014/main" id="{7F8AE538-ACAD-C264-AE56-662E470BE0DA}"/>
+              </a:ext>
+            </a:extLst>
+          </p:cNvPr>
+          <p:cNvSpPr txBox="1"/>
+          <p:nvPr/>
+        </p:nvSpPr>
+        <p:spPr>
+          <a:xfrm>
+            <a:off x="6462504" y="4639062"/>
+            <a:ext cx="1423697" cy="300082"/>
+          </a:xfrm>
+          <a:prstGeom prst="rect">
+            <a:avLst/>
+          </a:prstGeom>
+          <a:noFill/>
+        </p:spPr>
+        <p:txBody>
+          <a:bodyPr wrap="square" rtlCol="0">
+            <a:spAutoFit/>
+          </a:bodyPr>
+          <a:lstStyle/>
+          <a:p>
+            <a:r>
+              <a:rPr lang="en-US" sz="1350" dirty="0"/>
+              <a:t>Lower arm</a:t>
+            </a:r>
+          </a:p>
+        </p:txBody>
+      </p:sp>
+      <p:cxnSp>
+        <p:nvCxnSpPr>
+          <p:cNvPr id="53" name="Straight Arrow Connector 52">
+            <a:extLst>
+              <a:ext uri="{FF2B5EF4-FFF2-40B4-BE49-F238E27FC236}">
+                <a16:creationId xmlns:a16="http://schemas.microsoft.com/office/drawing/2014/main" id="{6ABAB0DC-60A4-D33C-DA23-98456657597A}"/>
+              </a:ext>
+            </a:extLst>
+          </p:cNvPr>
+          <p:cNvCxnSpPr>
+            <a:stCxn id="5" idx="4"/>
+            <a:endCxn id="6" idx="0"/>
+          </p:cNvCxnSpPr>
+          <p:nvPr/>
+        </p:nvCxnSpPr>
+        <p:spPr>
+          <a:xfrm>
+            <a:off x="5669710" y="718022"/>
+            <a:ext cx="0" cy="136176"/>
+          </a:xfrm>
+          <a:prstGeom prst="straightConnector1">
+            <a:avLst/>
+          </a:prstGeom>
+          <a:ln>
+            <a:tailEnd type="triangle"/>
+          </a:ln>
+        </p:spPr>
+        <p:style>
+          <a:lnRef idx="1">
+            <a:schemeClr val="accent1"/>
+          </a:lnRef>
+          <a:fillRef idx="0">
+            <a:schemeClr val="accent1"/>
+          </a:fillRef>
+          <a:effectRef idx="0">
+            <a:schemeClr val="accent1"/>
+          </a:effectRef>
+          <a:fontRef idx="minor">
+            <a:schemeClr val="tx1"/>
+          </a:fontRef>
+        </p:style>
+      </p:cxnSp>
+      <p:cxnSp>
+        <p:nvCxnSpPr>
+          <p:cNvPr id="54" name="Straight Arrow Connector 53">
+            <a:extLst>
+              <a:ext uri="{FF2B5EF4-FFF2-40B4-BE49-F238E27FC236}">
+                <a16:creationId xmlns:a16="http://schemas.microsoft.com/office/drawing/2014/main" id="{732E159F-AC4B-CA06-31D9-C02D157BF544}"/>
+              </a:ext>
+            </a:extLst>
+          </p:cNvPr>
+          <p:cNvCxnSpPr>
+            <a:cxnSpLocks/>
+            <a:stCxn id="6" idx="2"/>
+            <a:endCxn id="7" idx="0"/>
+          </p:cNvCxnSpPr>
+          <p:nvPr/>
+        </p:nvCxnSpPr>
+        <p:spPr>
+          <a:xfrm flipH="1">
+            <a:off x="5669711" y="1157344"/>
+            <a:ext cx="1" cy="143851"/>
+          </a:xfrm>
+          <a:prstGeom prst="straightConnector1">
+            <a:avLst/>
+          </a:prstGeom>
+          <a:ln>
+            <a:tailEnd type="triangle"/>
+          </a:ln>
+        </p:spPr>
+        <p:style>
+          <a:lnRef idx="1">
+            <a:schemeClr val="accent1"/>
+          </a:lnRef>
+          <a:fillRef idx="0">
+            <a:schemeClr val="accent1"/>
+          </a:fillRef>
+          <a:effectRef idx="0">
+            <a:schemeClr val="accent1"/>
+          </a:effectRef>
+          <a:fontRef idx="minor">
+            <a:schemeClr val="tx1"/>
+          </a:fontRef>
+        </p:style>
+      </p:cxnSp>
+      <p:cxnSp>
+        <p:nvCxnSpPr>
+          <p:cNvPr id="57" name="Straight Arrow Connector 56">
+            <a:extLst>
+              <a:ext uri="{FF2B5EF4-FFF2-40B4-BE49-F238E27FC236}">
+                <a16:creationId xmlns:a16="http://schemas.microsoft.com/office/drawing/2014/main" id="{BF21FB43-7D77-4303-873B-4ACEA6CE8C1B}"/>
+              </a:ext>
+            </a:extLst>
+          </p:cNvPr>
+          <p:cNvCxnSpPr>
+            <a:cxnSpLocks/>
+            <a:stCxn id="7" idx="4"/>
+            <a:endCxn id="8" idx="0"/>
+          </p:cNvCxnSpPr>
+          <p:nvPr/>
+        </p:nvCxnSpPr>
+        <p:spPr>
+          <a:xfrm flipH="1">
+            <a:off x="5669710" y="1604337"/>
+            <a:ext cx="1" cy="177530"/>
+          </a:xfrm>
+          <a:prstGeom prst="straightConnector1">
+            <a:avLst/>
+          </a:prstGeom>
+          <a:ln>
+            <a:tailEnd type="triangle"/>
+          </a:ln>
+        </p:spPr>
+        <p:style>
+          <a:lnRef idx="1">
+            <a:schemeClr val="accent1"/>
+          </a:lnRef>
+          <a:fillRef idx="0">
+            <a:schemeClr val="accent1"/>
+          </a:fillRef>
+          <a:effectRef idx="0">
+            <a:schemeClr val="accent1"/>
+          </a:effectRef>
+          <a:fontRef idx="minor">
+            <a:schemeClr val="tx1"/>
+          </a:fontRef>
+        </p:style>
+      </p:cxnSp>
+      <p:cxnSp>
+        <p:nvCxnSpPr>
+          <p:cNvPr id="60" name="Straight Arrow Connector 59">
+            <a:extLst>
+              <a:ext uri="{FF2B5EF4-FFF2-40B4-BE49-F238E27FC236}">
+                <a16:creationId xmlns:a16="http://schemas.microsoft.com/office/drawing/2014/main" id="{DD2BC278-7067-A5A2-55E8-DA5C2F70F212}"/>
+              </a:ext>
+            </a:extLst>
+          </p:cNvPr>
+          <p:cNvCxnSpPr>
+            <a:cxnSpLocks/>
+            <a:stCxn id="8" idx="2"/>
+            <a:endCxn id="14" idx="0"/>
+          </p:cNvCxnSpPr>
+          <p:nvPr/>
+        </p:nvCxnSpPr>
+        <p:spPr>
+          <a:xfrm>
+            <a:off x="5669710" y="1986862"/>
+            <a:ext cx="446169" cy="198303"/>
+          </a:xfrm>
+          <a:prstGeom prst="straightConnector1">
+            <a:avLst/>
+          </a:prstGeom>
+          <a:ln>
+            <a:tailEnd type="triangle"/>
+          </a:ln>
+        </p:spPr>
+        <p:style>
+          <a:lnRef idx="1">
+            <a:schemeClr val="accent1"/>
+          </a:lnRef>
+          <a:fillRef idx="0">
+            <a:schemeClr val="accent1"/>
+          </a:fillRef>
+          <a:effectRef idx="0">
+            <a:schemeClr val="accent1"/>
+          </a:effectRef>
+          <a:fontRef idx="minor">
+            <a:schemeClr val="tx1"/>
+          </a:fontRef>
+        </p:style>
+      </p:cxnSp>
+      <p:cxnSp>
+        <p:nvCxnSpPr>
+          <p:cNvPr id="75" name="Straight Arrow Connector 74">
+            <a:extLst>
+              <a:ext uri="{FF2B5EF4-FFF2-40B4-BE49-F238E27FC236}">
+                <a16:creationId xmlns:a16="http://schemas.microsoft.com/office/drawing/2014/main" id="{A4F1B286-DA53-11C3-7203-F26213296512}"/>
+              </a:ext>
+            </a:extLst>
+          </p:cNvPr>
+          <p:cNvCxnSpPr>
+            <a:cxnSpLocks/>
+            <a:stCxn id="8" idx="2"/>
+            <a:endCxn id="9" idx="0"/>
+          </p:cNvCxnSpPr>
+          <p:nvPr/>
+        </p:nvCxnSpPr>
+        <p:spPr>
+          <a:xfrm flipH="1">
+            <a:off x="4037905" y="1986862"/>
+            <a:ext cx="1631804" cy="322761"/>
+          </a:xfrm>
+          <a:prstGeom prst="straightConnector1">
+            <a:avLst/>
+          </a:prstGeom>
+          <a:ln>
+            <a:tailEnd type="triangle"/>
+          </a:ln>
+        </p:spPr>
+        <p:style>
+          <a:lnRef idx="1">
+            <a:schemeClr val="accent1"/>
+          </a:lnRef>
+          <a:fillRef idx="0">
+            <a:schemeClr val="accent1"/>
+          </a:fillRef>
+          <a:effectRef idx="0">
+            <a:schemeClr val="accent1"/>
+          </a:effectRef>
+          <a:fontRef idx="minor">
+            <a:schemeClr val="tx1"/>
+          </a:fontRef>
+        </p:style>
+      </p:cxnSp>
+      <p:cxnSp>
+        <p:nvCxnSpPr>
+          <p:cNvPr id="85" name="Straight Arrow Connector 84">
+            <a:extLst>
+              <a:ext uri="{FF2B5EF4-FFF2-40B4-BE49-F238E27FC236}">
+                <a16:creationId xmlns:a16="http://schemas.microsoft.com/office/drawing/2014/main" id="{9C801EE0-EF03-B814-4C97-0995D95CCA2B}"/>
+              </a:ext>
+            </a:extLst>
+          </p:cNvPr>
+          <p:cNvCxnSpPr>
+            <a:cxnSpLocks/>
+            <a:stCxn id="133" idx="4"/>
+            <a:endCxn id="21" idx="0"/>
+          </p:cNvCxnSpPr>
+          <p:nvPr/>
+        </p:nvCxnSpPr>
+        <p:spPr>
+          <a:xfrm>
+            <a:off x="6347112" y="2989756"/>
+            <a:ext cx="428474" cy="174227"/>
+          </a:xfrm>
+          <a:prstGeom prst="straightConnector1">
+            <a:avLst/>
+          </a:prstGeom>
+          <a:ln>
+            <a:tailEnd type="triangle"/>
+          </a:ln>
+        </p:spPr>
+        <p:style>
+          <a:lnRef idx="1">
+            <a:schemeClr val="accent1"/>
+          </a:lnRef>
+          <a:fillRef idx="0">
+            <a:schemeClr val="accent1"/>
+          </a:fillRef>
+          <a:effectRef idx="0">
+            <a:schemeClr val="accent1"/>
+          </a:effectRef>
+          <a:fontRef idx="minor">
+            <a:schemeClr val="tx1"/>
+          </a:fontRef>
+        </p:style>
+      </p:cxnSp>
+      <p:cxnSp>
+        <p:nvCxnSpPr>
+          <p:cNvPr id="88" name="Straight Arrow Connector 87">
+            <a:extLst>
+              <a:ext uri="{FF2B5EF4-FFF2-40B4-BE49-F238E27FC236}">
+                <a16:creationId xmlns:a16="http://schemas.microsoft.com/office/drawing/2014/main" id="{06C4EB8B-5CF2-C68B-D8EC-7BAA05BC8F11}"/>
+              </a:ext>
+            </a:extLst>
+          </p:cNvPr>
+          <p:cNvCxnSpPr>
+            <a:cxnSpLocks/>
+            <a:stCxn id="14" idx="2"/>
+            <a:endCxn id="133" idx="0"/>
+          </p:cNvCxnSpPr>
+          <p:nvPr/>
+        </p:nvCxnSpPr>
+        <p:spPr>
+          <a:xfrm>
+            <a:off x="6115878" y="2488309"/>
+            <a:ext cx="231234" cy="198303"/>
+          </a:xfrm>
+          <a:prstGeom prst="straightConnector1">
+            <a:avLst/>
+          </a:prstGeom>
+          <a:ln>
+            <a:tailEnd type="triangle"/>
+          </a:ln>
+        </p:spPr>
+        <p:style>
+          <a:lnRef idx="1">
+            <a:schemeClr val="accent1"/>
+          </a:lnRef>
+          <a:fillRef idx="0">
+            <a:schemeClr val="accent1"/>
+          </a:fillRef>
+          <a:effectRef idx="0">
+            <a:schemeClr val="accent1"/>
+          </a:effectRef>
+          <a:fontRef idx="minor">
+            <a:schemeClr val="tx1"/>
+          </a:fontRef>
+        </p:style>
+      </p:cxnSp>
+      <p:cxnSp>
+        <p:nvCxnSpPr>
+          <p:cNvPr id="91" name="Straight Arrow Connector 90">
+            <a:extLst>
+              <a:ext uri="{FF2B5EF4-FFF2-40B4-BE49-F238E27FC236}">
+                <a16:creationId xmlns:a16="http://schemas.microsoft.com/office/drawing/2014/main" id="{468538BA-3422-B9DA-5EAA-DBB3AAE68BA7}"/>
+              </a:ext>
+            </a:extLst>
+          </p:cNvPr>
+          <p:cNvCxnSpPr>
+            <a:cxnSpLocks/>
+            <a:stCxn id="21" idx="2"/>
+            <a:endCxn id="149" idx="0"/>
+          </p:cNvCxnSpPr>
+          <p:nvPr/>
+        </p:nvCxnSpPr>
+        <p:spPr>
+          <a:xfrm>
+            <a:off x="6775586" y="3467126"/>
+            <a:ext cx="103614" cy="209512"/>
+          </a:xfrm>
+          <a:prstGeom prst="straightConnector1">
+            <a:avLst/>
+          </a:prstGeom>
+          <a:ln>
+            <a:tailEnd type="triangle"/>
+          </a:ln>
+        </p:spPr>
+        <p:style>
+          <a:lnRef idx="1">
+            <a:schemeClr val="accent1"/>
+          </a:lnRef>
+          <a:fillRef idx="0">
+            <a:schemeClr val="accent1"/>
+          </a:fillRef>
+          <a:effectRef idx="0">
+            <a:schemeClr val="accent1"/>
+          </a:effectRef>
+          <a:fontRef idx="minor">
+            <a:schemeClr val="tx1"/>
+          </a:fontRef>
+        </p:style>
+      </p:cxnSp>
+      <p:sp>
+        <p:nvSpPr>
+          <p:cNvPr id="176" name="TextBox 175">
+            <a:extLst>
+              <a:ext uri="{FF2B5EF4-FFF2-40B4-BE49-F238E27FC236}">
+                <a16:creationId xmlns:a16="http://schemas.microsoft.com/office/drawing/2014/main" id="{323F9C01-ECED-7B68-CFBA-953B00C02183}"/>
+              </a:ext>
+            </a:extLst>
+          </p:cNvPr>
+          <p:cNvSpPr txBox="1"/>
+          <p:nvPr/>
+        </p:nvSpPr>
+        <p:spPr>
+          <a:xfrm>
+            <a:off x="3688812" y="636861"/>
+            <a:ext cx="964623" cy="715581"/>
+          </a:xfrm>
+          <a:prstGeom prst="rect">
+            <a:avLst/>
+          </a:prstGeom>
+          <a:noFill/>
+        </p:spPr>
+        <p:txBody>
+          <a:bodyPr wrap="none" rtlCol="0">
+            <a:spAutoFit/>
+          </a:bodyPr>
+          <a:lstStyle/>
+          <a:p>
+            <a:r>
+              <a:rPr lang="en-US" sz="1350" dirty="0"/>
+              <a:t>T: translate</a:t>
+            </a:r>
+          </a:p>
+          <a:p>
+            <a:r>
+              <a:rPr lang="en-US" sz="1350" dirty="0"/>
+              <a:t>R: rotate</a:t>
+            </a:r>
+          </a:p>
+          <a:p>
+            <a:r>
+              <a:rPr lang="en-US" sz="1350" dirty="0"/>
+              <a:t>S: Scale</a:t>
+            </a:r>
+          </a:p>
+        </p:txBody>
+      </p:sp>
+      <p:sp>
+        <p:nvSpPr>
+          <p:cNvPr id="133" name="Oval 132">
+            <a:extLst>
+              <a:ext uri="{FF2B5EF4-FFF2-40B4-BE49-F238E27FC236}">
+                <a16:creationId xmlns:a16="http://schemas.microsoft.com/office/drawing/2014/main" id="{BCE28AD8-1E04-F2CD-BDCF-5C2445FB27F5}"/>
+              </a:ext>
+            </a:extLst>
+          </p:cNvPr>
+          <p:cNvSpPr/>
+          <p:nvPr/>
+        </p:nvSpPr>
+        <p:spPr>
+          <a:xfrm>
+            <a:off x="5680371" y="2686611"/>
+            <a:ext cx="1333482" cy="303144"/>
+          </a:xfrm>
+          <a:prstGeom prst="ellipse">
+            <a:avLst/>
+          </a:prstGeom>
+        </p:spPr>
+        <p:style>
+          <a:lnRef idx="2">
+            <a:schemeClr val="accent1">
+              <a:shade val="15000"/>
+            </a:schemeClr>
+          </a:lnRef>
+          <a:fillRef idx="1">
+            <a:schemeClr val="accent1"/>
+          </a:fillRef>
+          <a:effectRef idx="0">
+            <a:schemeClr val="accent1"/>
+          </a:effectRef>
+          <a:fontRef idx="minor">
+            <a:schemeClr val="lt1"/>
+          </a:fontRef>
+        </p:style>
+        <p:txBody>
+          <a:bodyPr rtlCol="0" anchor="ctr"/>
+          <a:lstStyle/>
+          <a:p>
+            <a:pPr algn="ctr"/>
+            <a:r>
+              <a:rPr lang="en-US" sz="1350" dirty="0"/>
+              <a:t>Shoulder</a:t>
+            </a:r>
+          </a:p>
+        </p:txBody>
+      </p:sp>
+      <p:cxnSp>
+        <p:nvCxnSpPr>
+          <p:cNvPr id="137" name="Straight Arrow Connector 136">
+            <a:extLst>
+              <a:ext uri="{FF2B5EF4-FFF2-40B4-BE49-F238E27FC236}">
+                <a16:creationId xmlns:a16="http://schemas.microsoft.com/office/drawing/2014/main" id="{F5E23A6C-1854-771D-F9D4-999046FB6185}"/>
+              </a:ext>
+            </a:extLst>
+          </p:cNvPr>
+          <p:cNvCxnSpPr>
+            <a:cxnSpLocks/>
+            <a:stCxn id="133" idx="4"/>
+            <a:endCxn id="16" idx="0"/>
+          </p:cNvCxnSpPr>
+          <p:nvPr/>
+        </p:nvCxnSpPr>
+        <p:spPr>
+          <a:xfrm flipH="1">
+            <a:off x="5088966" y="2989756"/>
+            <a:ext cx="1258147" cy="52875"/>
+          </a:xfrm>
+          <a:prstGeom prst="straightConnector1">
+            <a:avLst/>
+          </a:prstGeom>
+          <a:ln>
+            <a:tailEnd type="triangle"/>
+          </a:ln>
+        </p:spPr>
+        <p:style>
+          <a:lnRef idx="1">
+            <a:schemeClr val="accent1"/>
+          </a:lnRef>
+          <a:fillRef idx="0">
+            <a:schemeClr val="accent1"/>
+          </a:fillRef>
+          <a:effectRef idx="0">
+            <a:schemeClr val="accent1"/>
+          </a:effectRef>
+          <a:fontRef idx="minor">
+            <a:schemeClr val="tx1"/>
+          </a:fontRef>
+        </p:style>
+      </p:cxnSp>
+      <p:sp>
+        <p:nvSpPr>
+          <p:cNvPr id="149" name="Oval 148">
+            <a:extLst>
+              <a:ext uri="{FF2B5EF4-FFF2-40B4-BE49-F238E27FC236}">
+                <a16:creationId xmlns:a16="http://schemas.microsoft.com/office/drawing/2014/main" id="{B93B6D48-8508-9C36-490B-69AA97697DD2}"/>
+              </a:ext>
+            </a:extLst>
+          </p:cNvPr>
+          <p:cNvSpPr/>
+          <p:nvPr/>
+        </p:nvSpPr>
+        <p:spPr>
+          <a:xfrm>
+            <a:off x="6212459" y="3676638"/>
+            <a:ext cx="1333482" cy="303144"/>
+          </a:xfrm>
+          <a:prstGeom prst="ellipse">
+            <a:avLst/>
+          </a:prstGeom>
+        </p:spPr>
+        <p:style>
+          <a:lnRef idx="2">
+            <a:schemeClr val="accent1">
+              <a:shade val="15000"/>
+            </a:schemeClr>
+          </a:lnRef>
+          <a:fillRef idx="1">
+            <a:schemeClr val="accent1"/>
+          </a:fillRef>
+          <a:effectRef idx="0">
+            <a:schemeClr val="accent1"/>
+          </a:effectRef>
+          <a:fontRef idx="minor">
+            <a:schemeClr val="lt1"/>
+          </a:fontRef>
+        </p:style>
+        <p:txBody>
+          <a:bodyPr rtlCol="0" anchor="ctr"/>
+          <a:lstStyle/>
+          <a:p>
+            <a:pPr algn="ctr"/>
+            <a:r>
+              <a:rPr lang="en-US" sz="1350" dirty="0"/>
+              <a:t>Elbow</a:t>
+            </a:r>
+          </a:p>
+        </p:txBody>
+      </p:sp>
+      <p:cxnSp>
+        <p:nvCxnSpPr>
+          <p:cNvPr id="151" name="Straight Arrow Connector 150">
+            <a:extLst>
+              <a:ext uri="{FF2B5EF4-FFF2-40B4-BE49-F238E27FC236}">
+                <a16:creationId xmlns:a16="http://schemas.microsoft.com/office/drawing/2014/main" id="{E6AC9133-D8ED-03D7-681A-6E8B37375E20}"/>
+              </a:ext>
+            </a:extLst>
+          </p:cNvPr>
+          <p:cNvCxnSpPr>
+            <a:cxnSpLocks/>
+            <a:stCxn id="149" idx="4"/>
+            <a:endCxn id="23" idx="0"/>
+          </p:cNvCxnSpPr>
+          <p:nvPr/>
+        </p:nvCxnSpPr>
+        <p:spPr>
+          <a:xfrm>
+            <a:off x="6879201" y="3979783"/>
+            <a:ext cx="34975" cy="233141"/>
+          </a:xfrm>
+          <a:prstGeom prst="straightConnector1">
+            <a:avLst/>
+          </a:prstGeom>
+          <a:ln>
+            <a:tailEnd type="triangle"/>
+          </a:ln>
+        </p:spPr>
+        <p:style>
+          <a:lnRef idx="1">
+            <a:schemeClr val="accent1"/>
+          </a:lnRef>
+          <a:fillRef idx="0">
+            <a:schemeClr val="accent1"/>
+          </a:fillRef>
+          <a:effectRef idx="0">
+            <a:schemeClr val="accent1"/>
+          </a:effectRef>
+          <a:fontRef idx="minor">
+            <a:schemeClr val="tx1"/>
+          </a:fontRef>
+        </p:style>
+      </p:cxnSp>
+    </p:spTree>
+    <p:extLst>
+      <p:ext uri="{BB962C8B-B14F-4D97-AF65-F5344CB8AC3E}">
+        <p14:creationId xmlns:p14="http://schemas.microsoft.com/office/powerpoint/2010/main" val="809883675"/>
+      </p:ext>
+    </p:extLst>
+  </p:cSld>
+  <p:clrMapOvr>
+    <a:masterClrMapping/>
+  </p:clrMapOvr>
+</p:sld>
+</file>
+
+<file path=ppt/slides/slide5.xml><?xml version="1.0" encoding="utf-8"?>
+<p:sld xmlns:a="http://schemas.openxmlformats.org/drawingml/2006/main" xmlns:r="http://schemas.openxmlformats.org/officeDocument/2006/relationships" xmlns:p="http://schemas.openxmlformats.org/presentationml/2006/main">
+  <p:cSld>
+    <p:spTree>
+      <p:nvGrpSpPr>
+        <p:cNvPr id="1" name=""/>
+        <p:cNvGrpSpPr/>
+        <p:nvPr/>
+      </p:nvGrpSpPr>
+      <p:grpSpPr>
+        <a:xfrm>
+          <a:off x="0" y="0"/>
+          <a:ext cx="0" cy="0"/>
+          <a:chOff x="0" y="0"/>
+          <a:chExt cx="0" cy="0"/>
+        </a:xfrm>
+      </p:grpSpPr>
+      <p:sp>
+        <p:nvSpPr>
+          <p:cNvPr id="5" name="Oval 4">
+            <a:extLst>
+              <a:ext uri="{FF2B5EF4-FFF2-40B4-BE49-F238E27FC236}">
+                <a16:creationId xmlns:a16="http://schemas.microsoft.com/office/drawing/2014/main" id="{0BC7FE62-F776-1684-6362-1E788EB7A08F}"/>
+              </a:ext>
+            </a:extLst>
+          </p:cNvPr>
+          <p:cNvSpPr/>
+          <p:nvPr/>
+        </p:nvSpPr>
+        <p:spPr>
+          <a:xfrm>
+            <a:off x="5155360" y="414878"/>
+            <a:ext cx="1028700" cy="303144"/>
+          </a:xfrm>
+          <a:prstGeom prst="ellipse">
+            <a:avLst/>
+          </a:prstGeom>
+        </p:spPr>
+        <p:style>
+          <a:lnRef idx="2">
+            <a:schemeClr val="accent1">
+              <a:shade val="15000"/>
+            </a:schemeClr>
+          </a:lnRef>
+          <a:fillRef idx="1">
+            <a:schemeClr val="accent1"/>
+          </a:fillRef>
+          <a:effectRef idx="0">
+            <a:schemeClr val="accent1"/>
+          </a:effectRef>
+          <a:fontRef idx="minor">
+            <a:schemeClr val="lt1"/>
+          </a:fontRef>
+        </p:style>
+        <p:txBody>
+          <a:bodyPr rtlCol="0" anchor="ctr"/>
+          <a:lstStyle/>
+          <a:p>
+            <a:pPr algn="ctr"/>
+            <a:r>
+              <a:rPr lang="en-US" sz="1350" dirty="0"/>
+              <a:t>CVV</a:t>
+            </a:r>
+          </a:p>
+        </p:txBody>
+      </p:sp>
+      <p:sp>
+        <p:nvSpPr>
+          <p:cNvPr id="6" name="Rectangle 5">
+            <a:extLst>
+              <a:ext uri="{FF2B5EF4-FFF2-40B4-BE49-F238E27FC236}">
+                <a16:creationId xmlns:a16="http://schemas.microsoft.com/office/drawing/2014/main" id="{B73BC17E-BDA3-6CB6-E2E0-98A9C3F71059}"/>
+              </a:ext>
+            </a:extLst>
+          </p:cNvPr>
+          <p:cNvSpPr/>
+          <p:nvPr/>
+        </p:nvSpPr>
+        <p:spPr>
+          <a:xfrm>
+            <a:off x="5356629" y="854198"/>
+            <a:ext cx="626165" cy="303144"/>
+          </a:xfrm>
+          <a:prstGeom prst="rect">
+            <a:avLst/>
+          </a:prstGeom>
+        </p:spPr>
+        <p:style>
+          <a:lnRef idx="2">
+            <a:schemeClr val="accent4">
+              <a:shade val="15000"/>
+            </a:schemeClr>
+          </a:lnRef>
+          <a:fillRef idx="1">
+            <a:schemeClr val="accent4"/>
+          </a:fillRef>
+          <a:effectRef idx="0">
+            <a:schemeClr val="accent4"/>
+          </a:effectRef>
+          <a:fontRef idx="minor">
+            <a:schemeClr val="lt1"/>
+          </a:fontRef>
+        </p:style>
+        <p:txBody>
+          <a:bodyPr rtlCol="0" anchor="ctr"/>
+          <a:lstStyle/>
+          <a:p>
+            <a:pPr algn="ctr"/>
+            <a:r>
+              <a:rPr lang="en-US" sz="1350" dirty="0"/>
+              <a:t>TS</a:t>
+            </a:r>
+          </a:p>
+        </p:txBody>
+      </p:sp>
+      <p:sp>
+        <p:nvSpPr>
+          <p:cNvPr id="7" name="Oval 6">
+            <a:extLst>
+              <a:ext uri="{FF2B5EF4-FFF2-40B4-BE49-F238E27FC236}">
+                <a16:creationId xmlns:a16="http://schemas.microsoft.com/office/drawing/2014/main" id="{12445966-01F3-44A5-44B7-F478DB515DE9}"/>
+              </a:ext>
+            </a:extLst>
+          </p:cNvPr>
+          <p:cNvSpPr/>
+          <p:nvPr/>
+        </p:nvSpPr>
+        <p:spPr>
+          <a:xfrm>
+            <a:off x="5211268" y="1301193"/>
+            <a:ext cx="916885" cy="303144"/>
+          </a:xfrm>
+          <a:prstGeom prst="ellipse">
+            <a:avLst/>
+          </a:prstGeom>
+        </p:spPr>
+        <p:style>
+          <a:lnRef idx="2">
+            <a:schemeClr val="accent1">
+              <a:shade val="15000"/>
+            </a:schemeClr>
+          </a:lnRef>
+          <a:fillRef idx="1">
+            <a:schemeClr val="accent1"/>
+          </a:fillRef>
+          <a:effectRef idx="0">
+            <a:schemeClr val="accent1"/>
+          </a:effectRef>
+          <a:fontRef idx="minor">
+            <a:schemeClr val="lt1"/>
+          </a:fontRef>
+        </p:style>
+        <p:txBody>
+          <a:bodyPr rtlCol="0" anchor="ctr"/>
+          <a:lstStyle/>
+          <a:p>
+            <a:pPr algn="ctr"/>
+            <a:r>
+              <a:rPr lang="en-US" sz="1350" dirty="0"/>
+              <a:t>Base</a:t>
+            </a:r>
+          </a:p>
+        </p:txBody>
+      </p:sp>
+      <p:sp>
+        <p:nvSpPr>
+          <p:cNvPr id="8" name="Rectangle 7">
+            <a:extLst>
+              <a:ext uri="{FF2B5EF4-FFF2-40B4-BE49-F238E27FC236}">
+                <a16:creationId xmlns:a16="http://schemas.microsoft.com/office/drawing/2014/main" id="{F1F2FF56-AB13-4D83-1A8D-0F089DC0F8EC}"/>
+              </a:ext>
+            </a:extLst>
+          </p:cNvPr>
+          <p:cNvSpPr/>
+          <p:nvPr/>
+        </p:nvSpPr>
+        <p:spPr>
+          <a:xfrm>
+            <a:off x="5339233" y="1781867"/>
+            <a:ext cx="660953" cy="204995"/>
+          </a:xfrm>
+          <a:prstGeom prst="rect">
+            <a:avLst/>
+          </a:prstGeom>
+        </p:spPr>
+        <p:style>
+          <a:lnRef idx="2">
+            <a:schemeClr val="accent4">
+              <a:shade val="15000"/>
+            </a:schemeClr>
+          </a:lnRef>
+          <a:fillRef idx="1">
+            <a:schemeClr val="accent4"/>
+          </a:fillRef>
+          <a:effectRef idx="0">
+            <a:schemeClr val="accent4"/>
+          </a:effectRef>
+          <a:fontRef idx="minor">
+            <a:schemeClr val="lt1"/>
+          </a:fontRef>
+        </p:style>
+        <p:txBody>
+          <a:bodyPr rtlCol="0" anchor="ctr"/>
+          <a:lstStyle/>
+          <a:p>
+            <a:pPr algn="ctr"/>
+            <a:r>
+              <a:rPr lang="en-US" sz="1350" dirty="0"/>
+              <a:t>SRT</a:t>
+            </a:r>
+          </a:p>
+        </p:txBody>
+      </p:sp>
+      <p:sp>
+        <p:nvSpPr>
+          <p:cNvPr id="9" name="Triangle 8">
+            <a:extLst>
+              <a:ext uri="{FF2B5EF4-FFF2-40B4-BE49-F238E27FC236}">
+                <a16:creationId xmlns:a16="http://schemas.microsoft.com/office/drawing/2014/main" id="{023FC880-A858-3629-335F-5FC5CBD56C3B}"/>
+              </a:ext>
+            </a:extLst>
+          </p:cNvPr>
+          <p:cNvSpPr/>
+          <p:nvPr/>
+        </p:nvSpPr>
+        <p:spPr>
+          <a:xfrm>
+            <a:off x="4213212" y="2383829"/>
+            <a:ext cx="1231061" cy="426140"/>
+          </a:xfrm>
+          <a:prstGeom prst="triangle">
+            <a:avLst/>
+          </a:prstGeom>
+        </p:spPr>
+        <p:style>
+          <a:lnRef idx="2">
+            <a:schemeClr val="dk1">
+              <a:shade val="15000"/>
+            </a:schemeClr>
+          </a:lnRef>
+          <a:fillRef idx="1">
+            <a:schemeClr val="dk1"/>
+          </a:fillRef>
+          <a:effectRef idx="0">
+            <a:schemeClr val="dk1"/>
+          </a:effectRef>
+          <a:fontRef idx="minor">
+            <a:schemeClr val="lt1"/>
+          </a:fontRef>
+        </p:style>
+        <p:txBody>
+          <a:bodyPr rtlCol="0" anchor="ctr"/>
+          <a:lstStyle/>
+          <a:p>
+            <a:pPr algn="ctr"/>
+            <a:r>
+              <a:rPr lang="en-US" altLang="zh-CN" sz="1350" dirty="0"/>
+              <a:t>Cone</a:t>
+            </a:r>
+            <a:endParaRPr lang="en-US" sz="1350" dirty="0"/>
+          </a:p>
+        </p:txBody>
+      </p:sp>
+      <p:sp>
+        <p:nvSpPr>
+          <p:cNvPr id="26" name="TextBox 25">
+            <a:extLst>
+              <a:ext uri="{FF2B5EF4-FFF2-40B4-BE49-F238E27FC236}">
+                <a16:creationId xmlns:a16="http://schemas.microsoft.com/office/drawing/2014/main" id="{BF7D95B3-986E-93DC-A4CE-D7C3861B08A4}"/>
+              </a:ext>
+            </a:extLst>
+          </p:cNvPr>
+          <p:cNvSpPr txBox="1"/>
+          <p:nvPr/>
+        </p:nvSpPr>
+        <p:spPr>
+          <a:xfrm>
+            <a:off x="9121871" y="6557918"/>
+            <a:ext cx="986280" cy="300082"/>
+          </a:xfrm>
+          <a:prstGeom prst="rect">
+            <a:avLst/>
+          </a:prstGeom>
+          <a:noFill/>
+        </p:spPr>
+        <p:txBody>
+          <a:bodyPr wrap="square" rtlCol="0">
+            <a:spAutoFit/>
+          </a:bodyPr>
+          <a:lstStyle/>
+          <a:p>
+            <a:r>
+              <a:rPr lang="en-US" sz="1350" dirty="0"/>
+              <a:t>Left finger</a:t>
+            </a:r>
+          </a:p>
+        </p:txBody>
+      </p:sp>
+      <p:cxnSp>
+        <p:nvCxnSpPr>
+          <p:cNvPr id="53" name="Straight Arrow Connector 52">
+            <a:extLst>
+              <a:ext uri="{FF2B5EF4-FFF2-40B4-BE49-F238E27FC236}">
+                <a16:creationId xmlns:a16="http://schemas.microsoft.com/office/drawing/2014/main" id="{6ABAB0DC-60A4-D33C-DA23-98456657597A}"/>
+              </a:ext>
+            </a:extLst>
+          </p:cNvPr>
+          <p:cNvCxnSpPr>
+            <a:stCxn id="5" idx="4"/>
+            <a:endCxn id="6" idx="0"/>
+          </p:cNvCxnSpPr>
+          <p:nvPr/>
+        </p:nvCxnSpPr>
+        <p:spPr>
+          <a:xfrm>
+            <a:off x="5669710" y="718022"/>
+            <a:ext cx="0" cy="136176"/>
+          </a:xfrm>
+          <a:prstGeom prst="straightConnector1">
+            <a:avLst/>
+          </a:prstGeom>
+          <a:ln>
+            <a:tailEnd type="triangle"/>
+          </a:ln>
+        </p:spPr>
+        <p:style>
+          <a:lnRef idx="1">
+            <a:schemeClr val="accent1"/>
+          </a:lnRef>
+          <a:fillRef idx="0">
+            <a:schemeClr val="accent1"/>
+          </a:fillRef>
+          <a:effectRef idx="0">
+            <a:schemeClr val="accent1"/>
+          </a:effectRef>
+          <a:fontRef idx="minor">
+            <a:schemeClr val="tx1"/>
+          </a:fontRef>
+        </p:style>
+      </p:cxnSp>
+      <p:cxnSp>
+        <p:nvCxnSpPr>
+          <p:cNvPr id="54" name="Straight Arrow Connector 53">
+            <a:extLst>
+              <a:ext uri="{FF2B5EF4-FFF2-40B4-BE49-F238E27FC236}">
+                <a16:creationId xmlns:a16="http://schemas.microsoft.com/office/drawing/2014/main" id="{732E159F-AC4B-CA06-31D9-C02D157BF544}"/>
+              </a:ext>
+            </a:extLst>
+          </p:cNvPr>
+          <p:cNvCxnSpPr>
+            <a:cxnSpLocks/>
+            <a:stCxn id="6" idx="2"/>
+            <a:endCxn id="7" idx="0"/>
+          </p:cNvCxnSpPr>
+          <p:nvPr/>
+        </p:nvCxnSpPr>
+        <p:spPr>
+          <a:xfrm flipH="1">
+            <a:off x="5669711" y="1157344"/>
+            <a:ext cx="1" cy="143851"/>
+          </a:xfrm>
+          <a:prstGeom prst="straightConnector1">
+            <a:avLst/>
+          </a:prstGeom>
+          <a:ln>
+            <a:tailEnd type="triangle"/>
+          </a:ln>
+        </p:spPr>
+        <p:style>
+          <a:lnRef idx="1">
+            <a:schemeClr val="accent1"/>
+          </a:lnRef>
+          <a:fillRef idx="0">
+            <a:schemeClr val="accent1"/>
+          </a:fillRef>
+          <a:effectRef idx="0">
+            <a:schemeClr val="accent1"/>
+          </a:effectRef>
+          <a:fontRef idx="minor">
+            <a:schemeClr val="tx1"/>
+          </a:fontRef>
+        </p:style>
+      </p:cxnSp>
+      <p:cxnSp>
+        <p:nvCxnSpPr>
+          <p:cNvPr id="57" name="Straight Arrow Connector 56">
+            <a:extLst>
+              <a:ext uri="{FF2B5EF4-FFF2-40B4-BE49-F238E27FC236}">
+                <a16:creationId xmlns:a16="http://schemas.microsoft.com/office/drawing/2014/main" id="{BF21FB43-7D77-4303-873B-4ACEA6CE8C1B}"/>
+              </a:ext>
+            </a:extLst>
+          </p:cNvPr>
+          <p:cNvCxnSpPr>
+            <a:cxnSpLocks/>
+            <a:stCxn id="7" idx="4"/>
+            <a:endCxn id="8" idx="0"/>
+          </p:cNvCxnSpPr>
+          <p:nvPr/>
+        </p:nvCxnSpPr>
+        <p:spPr>
+          <a:xfrm flipH="1">
+            <a:off x="5669710" y="1604337"/>
+            <a:ext cx="1" cy="177530"/>
+          </a:xfrm>
+          <a:prstGeom prst="straightConnector1">
+            <a:avLst/>
+          </a:prstGeom>
+          <a:ln>
+            <a:tailEnd type="triangle"/>
+          </a:ln>
+        </p:spPr>
+        <p:style>
+          <a:lnRef idx="1">
+            <a:schemeClr val="accent1"/>
+          </a:lnRef>
+          <a:fillRef idx="0">
+            <a:schemeClr val="accent1"/>
+          </a:fillRef>
+          <a:effectRef idx="0">
+            <a:schemeClr val="accent1"/>
+          </a:effectRef>
+          <a:fontRef idx="minor">
+            <a:schemeClr val="tx1"/>
+          </a:fontRef>
+        </p:style>
+      </p:cxnSp>
+      <p:cxnSp>
+        <p:nvCxnSpPr>
+          <p:cNvPr id="75" name="Straight Arrow Connector 74">
+            <a:extLst>
+              <a:ext uri="{FF2B5EF4-FFF2-40B4-BE49-F238E27FC236}">
+                <a16:creationId xmlns:a16="http://schemas.microsoft.com/office/drawing/2014/main" id="{A4F1B286-DA53-11C3-7203-F26213296512}"/>
+              </a:ext>
+            </a:extLst>
+          </p:cNvPr>
+          <p:cNvCxnSpPr>
+            <a:cxnSpLocks/>
+            <a:stCxn id="8" idx="2"/>
+            <a:endCxn id="9" idx="0"/>
+          </p:cNvCxnSpPr>
+          <p:nvPr/>
+        </p:nvCxnSpPr>
+        <p:spPr>
+          <a:xfrm flipH="1">
+            <a:off x="4828743" y="1986862"/>
+            <a:ext cx="840967" cy="396967"/>
+          </a:xfrm>
+          <a:prstGeom prst="straightConnector1">
+            <a:avLst/>
+          </a:prstGeom>
+          <a:ln>
+            <a:tailEnd type="triangle"/>
+          </a:ln>
+        </p:spPr>
+        <p:style>
+          <a:lnRef idx="1">
+            <a:schemeClr val="accent1"/>
+          </a:lnRef>
+          <a:fillRef idx="0">
+            <a:schemeClr val="accent1"/>
+          </a:fillRef>
+          <a:effectRef idx="0">
+            <a:schemeClr val="accent1"/>
+          </a:effectRef>
+          <a:fontRef idx="minor">
+            <a:schemeClr val="tx1"/>
+          </a:fontRef>
+        </p:style>
+      </p:cxnSp>
+      <p:sp>
+        <p:nvSpPr>
+          <p:cNvPr id="176" name="TextBox 175">
+            <a:extLst>
+              <a:ext uri="{FF2B5EF4-FFF2-40B4-BE49-F238E27FC236}">
+                <a16:creationId xmlns:a16="http://schemas.microsoft.com/office/drawing/2014/main" id="{323F9C01-ECED-7B68-CFBA-953B00C02183}"/>
+              </a:ext>
+            </a:extLst>
+          </p:cNvPr>
+          <p:cNvSpPr txBox="1"/>
+          <p:nvPr/>
+        </p:nvSpPr>
+        <p:spPr>
+          <a:xfrm>
+            <a:off x="3877654" y="647979"/>
+            <a:ext cx="964623" cy="715581"/>
+          </a:xfrm>
+          <a:prstGeom prst="rect">
+            <a:avLst/>
+          </a:prstGeom>
+          <a:noFill/>
+        </p:spPr>
+        <p:txBody>
+          <a:bodyPr wrap="none" rtlCol="0">
+            <a:spAutoFit/>
+          </a:bodyPr>
+          <a:lstStyle/>
+          <a:p>
+            <a:r>
+              <a:rPr lang="en-US" sz="1350" dirty="0"/>
+              <a:t>T: translate</a:t>
+            </a:r>
+          </a:p>
+          <a:p>
+            <a:r>
+              <a:rPr lang="en-US" sz="1350" dirty="0"/>
+              <a:t>R: rotate</a:t>
+            </a:r>
+          </a:p>
+          <a:p>
+            <a:r>
+              <a:rPr lang="en-US" sz="1350" dirty="0"/>
+              <a:t>S: Scale</a:t>
+            </a:r>
+          </a:p>
+        </p:txBody>
+      </p:sp>
+      <p:sp>
+        <p:nvSpPr>
+          <p:cNvPr id="4" name="Oval 3">
+            <a:extLst>
+              <a:ext uri="{FF2B5EF4-FFF2-40B4-BE49-F238E27FC236}">
+                <a16:creationId xmlns:a16="http://schemas.microsoft.com/office/drawing/2014/main" id="{DBC2B099-F092-CC12-6BA3-2D224B9C9EA6}"/>
+              </a:ext>
+            </a:extLst>
+          </p:cNvPr>
+          <p:cNvSpPr/>
+          <p:nvPr/>
+        </p:nvSpPr>
+        <p:spPr>
+          <a:xfrm>
+            <a:off x="6000186" y="2841352"/>
+            <a:ext cx="1086943" cy="426140"/>
+          </a:xfrm>
+          <a:prstGeom prst="ellipse">
+            <a:avLst/>
+          </a:prstGeom>
+        </p:spPr>
+        <p:style>
+          <a:lnRef idx="2">
+            <a:schemeClr val="accent1">
+              <a:shade val="15000"/>
+            </a:schemeClr>
+          </a:lnRef>
+          <a:fillRef idx="1">
+            <a:schemeClr val="accent1"/>
+          </a:fillRef>
+          <a:effectRef idx="0">
+            <a:schemeClr val="accent1"/>
+          </a:effectRef>
+          <a:fontRef idx="minor">
+            <a:schemeClr val="lt1"/>
+          </a:fontRef>
+        </p:style>
+        <p:txBody>
+          <a:bodyPr rtlCol="0" anchor="ctr"/>
+          <a:lstStyle/>
+          <a:p>
+            <a:pPr algn="ctr"/>
+            <a:r>
+              <a:rPr lang="en-US" altLang="zh-CN" sz="1350" dirty="0"/>
+              <a:t>Upper</a:t>
+            </a:r>
+            <a:r>
+              <a:rPr lang="zh-CN" altLang="en-US" sz="1350" dirty="0"/>
+              <a:t> </a:t>
+            </a:r>
+            <a:r>
+              <a:rPr lang="en-US" altLang="zh-CN" sz="1350" dirty="0"/>
+              <a:t>Base</a:t>
+            </a:r>
+            <a:endParaRPr lang="en-US" sz="1350" dirty="0"/>
+          </a:p>
+        </p:txBody>
+      </p:sp>
+      <p:sp>
+        <p:nvSpPr>
+          <p:cNvPr id="10" name="Rectangle 9">
+            <a:extLst>
+              <a:ext uri="{FF2B5EF4-FFF2-40B4-BE49-F238E27FC236}">
+                <a16:creationId xmlns:a16="http://schemas.microsoft.com/office/drawing/2014/main" id="{6BD332B6-1A8C-287A-45B5-7DF0154E90FB}"/>
+              </a:ext>
+            </a:extLst>
+          </p:cNvPr>
+          <p:cNvSpPr/>
+          <p:nvPr/>
+        </p:nvSpPr>
+        <p:spPr>
+          <a:xfrm>
+            <a:off x="6213180" y="3558390"/>
+            <a:ext cx="660953" cy="204995"/>
+          </a:xfrm>
+          <a:prstGeom prst="rect">
+            <a:avLst/>
+          </a:prstGeom>
+        </p:spPr>
+        <p:style>
+          <a:lnRef idx="2">
+            <a:schemeClr val="accent4">
+              <a:shade val="15000"/>
+            </a:schemeClr>
+          </a:lnRef>
+          <a:fillRef idx="1">
+            <a:schemeClr val="accent4"/>
+          </a:fillRef>
+          <a:effectRef idx="0">
+            <a:schemeClr val="accent4"/>
+          </a:effectRef>
+          <a:fontRef idx="minor">
+            <a:schemeClr val="lt1"/>
+          </a:fontRef>
+        </p:style>
+        <p:txBody>
+          <a:bodyPr rtlCol="0" anchor="ctr"/>
+          <a:lstStyle/>
+          <a:p>
+            <a:pPr algn="ctr"/>
+            <a:r>
+              <a:rPr lang="en-US" sz="1350" dirty="0"/>
+              <a:t>SRT</a:t>
+            </a:r>
+          </a:p>
+        </p:txBody>
+      </p:sp>
+      <p:sp>
+        <p:nvSpPr>
+          <p:cNvPr id="12" name="Rectangle 11">
+            <a:extLst>
+              <a:ext uri="{FF2B5EF4-FFF2-40B4-BE49-F238E27FC236}">
+                <a16:creationId xmlns:a16="http://schemas.microsoft.com/office/drawing/2014/main" id="{5780EF1E-D608-FF6F-9006-4CBA338CB0CD}"/>
+              </a:ext>
+            </a:extLst>
+          </p:cNvPr>
+          <p:cNvSpPr/>
+          <p:nvPr/>
+        </p:nvSpPr>
+        <p:spPr>
+          <a:xfrm>
+            <a:off x="6209209" y="2293755"/>
+            <a:ext cx="626165" cy="303144"/>
+          </a:xfrm>
+          <a:prstGeom prst="rect">
+            <a:avLst/>
+          </a:prstGeom>
+        </p:spPr>
+        <p:style>
+          <a:lnRef idx="2">
+            <a:schemeClr val="accent4">
+              <a:shade val="15000"/>
+            </a:schemeClr>
+          </a:lnRef>
+          <a:fillRef idx="1">
+            <a:schemeClr val="accent4"/>
+          </a:fillRef>
+          <a:effectRef idx="0">
+            <a:schemeClr val="accent4"/>
+          </a:effectRef>
+          <a:fontRef idx="minor">
+            <a:schemeClr val="lt1"/>
+          </a:fontRef>
+        </p:style>
+        <p:txBody>
+          <a:bodyPr rtlCol="0" anchor="ctr"/>
+          <a:lstStyle/>
+          <a:p>
+            <a:pPr algn="ctr"/>
+            <a:r>
+              <a:rPr lang="en-US" sz="1350" dirty="0"/>
+              <a:t>TSR</a:t>
+            </a:r>
+          </a:p>
+        </p:txBody>
+      </p:sp>
+      <p:sp>
+        <p:nvSpPr>
+          <p:cNvPr id="13" name="Triangle 12">
+            <a:extLst>
+              <a:ext uri="{FF2B5EF4-FFF2-40B4-BE49-F238E27FC236}">
+                <a16:creationId xmlns:a16="http://schemas.microsoft.com/office/drawing/2014/main" id="{39ABDE6E-E7A7-DA56-DA7A-8A3A3914DF3C}"/>
+              </a:ext>
+            </a:extLst>
+          </p:cNvPr>
+          <p:cNvSpPr/>
+          <p:nvPr/>
+        </p:nvSpPr>
+        <p:spPr>
+          <a:xfrm>
+            <a:off x="5917444" y="4117385"/>
+            <a:ext cx="1231061" cy="426140"/>
+          </a:xfrm>
+          <a:prstGeom prst="triangle">
+            <a:avLst/>
+          </a:prstGeom>
+        </p:spPr>
+        <p:style>
+          <a:lnRef idx="2">
+            <a:schemeClr val="dk1">
+              <a:shade val="15000"/>
+            </a:schemeClr>
+          </a:lnRef>
+          <a:fillRef idx="1">
+            <a:schemeClr val="dk1"/>
+          </a:fillRef>
+          <a:effectRef idx="0">
+            <a:schemeClr val="dk1"/>
+          </a:effectRef>
+          <a:fontRef idx="minor">
+            <a:schemeClr val="lt1"/>
+          </a:fontRef>
+        </p:style>
+        <p:txBody>
+          <a:bodyPr rtlCol="0" anchor="ctr"/>
+          <a:lstStyle/>
+          <a:p>
+            <a:pPr algn="ctr"/>
+            <a:r>
+              <a:rPr lang="en-US" altLang="zh-CN" sz="1350" dirty="0"/>
+              <a:t>Cone</a:t>
+            </a:r>
+            <a:endParaRPr lang="en-US" sz="1350" dirty="0"/>
+          </a:p>
+        </p:txBody>
+      </p:sp>
+      <p:cxnSp>
+        <p:nvCxnSpPr>
+          <p:cNvPr id="14" name="Straight Arrow Connector 13">
+            <a:extLst>
+              <a:ext uri="{FF2B5EF4-FFF2-40B4-BE49-F238E27FC236}">
+                <a16:creationId xmlns:a16="http://schemas.microsoft.com/office/drawing/2014/main" id="{676C71B3-8567-AAEC-2C63-9E044DD9561B}"/>
+              </a:ext>
+            </a:extLst>
+          </p:cNvPr>
+          <p:cNvCxnSpPr>
+            <a:cxnSpLocks/>
+            <a:stCxn id="8" idx="2"/>
+            <a:endCxn id="12" idx="0"/>
+          </p:cNvCxnSpPr>
+          <p:nvPr/>
+        </p:nvCxnSpPr>
+        <p:spPr>
+          <a:xfrm>
+            <a:off x="5669710" y="1986862"/>
+            <a:ext cx="852582" cy="306893"/>
+          </a:xfrm>
+          <a:prstGeom prst="straightConnector1">
+            <a:avLst/>
+          </a:prstGeom>
+          <a:ln>
+            <a:tailEnd type="triangle"/>
+          </a:ln>
+        </p:spPr>
+        <p:style>
+          <a:lnRef idx="1">
+            <a:schemeClr val="accent1"/>
+          </a:lnRef>
+          <a:fillRef idx="0">
+            <a:schemeClr val="accent1"/>
+          </a:fillRef>
+          <a:effectRef idx="0">
+            <a:schemeClr val="accent1"/>
+          </a:effectRef>
+          <a:fontRef idx="minor">
+            <a:schemeClr val="tx1"/>
+          </a:fontRef>
+        </p:style>
+      </p:cxnSp>
+      <p:cxnSp>
+        <p:nvCxnSpPr>
+          <p:cNvPr id="17" name="Straight Arrow Connector 16">
+            <a:extLst>
+              <a:ext uri="{FF2B5EF4-FFF2-40B4-BE49-F238E27FC236}">
+                <a16:creationId xmlns:a16="http://schemas.microsoft.com/office/drawing/2014/main" id="{12B3B148-2CFB-08A6-0959-CDE656875395}"/>
+              </a:ext>
+            </a:extLst>
+          </p:cNvPr>
+          <p:cNvCxnSpPr>
+            <a:cxnSpLocks/>
+            <a:stCxn id="12" idx="2"/>
+            <a:endCxn id="4" idx="0"/>
+          </p:cNvCxnSpPr>
+          <p:nvPr/>
+        </p:nvCxnSpPr>
+        <p:spPr>
+          <a:xfrm>
+            <a:off x="6522292" y="2596899"/>
+            <a:ext cx="21366" cy="244453"/>
+          </a:xfrm>
+          <a:prstGeom prst="straightConnector1">
+            <a:avLst/>
+          </a:prstGeom>
+          <a:ln>
+            <a:tailEnd type="triangle"/>
+          </a:ln>
+        </p:spPr>
+        <p:style>
+          <a:lnRef idx="1">
+            <a:schemeClr val="accent1"/>
+          </a:lnRef>
+          <a:fillRef idx="0">
+            <a:schemeClr val="accent1"/>
+          </a:fillRef>
+          <a:effectRef idx="0">
+            <a:schemeClr val="accent1"/>
+          </a:effectRef>
+          <a:fontRef idx="minor">
+            <a:schemeClr val="tx1"/>
+          </a:fontRef>
+        </p:style>
+      </p:cxnSp>
+      <p:cxnSp>
+        <p:nvCxnSpPr>
+          <p:cNvPr id="20" name="Straight Arrow Connector 19">
+            <a:extLst>
+              <a:ext uri="{FF2B5EF4-FFF2-40B4-BE49-F238E27FC236}">
+                <a16:creationId xmlns:a16="http://schemas.microsoft.com/office/drawing/2014/main" id="{CDF64989-B3AC-1DAE-C9E5-3564CBA0255F}"/>
+              </a:ext>
+            </a:extLst>
+          </p:cNvPr>
+          <p:cNvCxnSpPr>
+            <a:cxnSpLocks/>
+            <a:stCxn id="4" idx="4"/>
+            <a:endCxn id="10" idx="0"/>
+          </p:cNvCxnSpPr>
+          <p:nvPr/>
+        </p:nvCxnSpPr>
+        <p:spPr>
+          <a:xfrm flipH="1">
+            <a:off x="6543657" y="3267492"/>
+            <a:ext cx="1" cy="290898"/>
+          </a:xfrm>
+          <a:prstGeom prst="straightConnector1">
+            <a:avLst/>
+          </a:prstGeom>
+          <a:ln>
+            <a:tailEnd type="triangle"/>
+          </a:ln>
+        </p:spPr>
+        <p:style>
+          <a:lnRef idx="1">
+            <a:schemeClr val="accent1"/>
+          </a:lnRef>
+          <a:fillRef idx="0">
+            <a:schemeClr val="accent1"/>
+          </a:fillRef>
+          <a:effectRef idx="0">
+            <a:schemeClr val="accent1"/>
+          </a:effectRef>
+          <a:fontRef idx="minor">
+            <a:schemeClr val="tx1"/>
+          </a:fontRef>
+        </p:style>
+      </p:cxnSp>
+      <p:cxnSp>
+        <p:nvCxnSpPr>
+          <p:cNvPr id="23" name="Straight Arrow Connector 22">
+            <a:extLst>
+              <a:ext uri="{FF2B5EF4-FFF2-40B4-BE49-F238E27FC236}">
+                <a16:creationId xmlns:a16="http://schemas.microsoft.com/office/drawing/2014/main" id="{F84AA0FC-C83B-F162-7BEA-EB62AC44A798}"/>
+              </a:ext>
+            </a:extLst>
+          </p:cNvPr>
+          <p:cNvCxnSpPr>
+            <a:cxnSpLocks/>
+            <a:stCxn id="10" idx="2"/>
+            <a:endCxn id="13" idx="0"/>
+          </p:cNvCxnSpPr>
+          <p:nvPr/>
+        </p:nvCxnSpPr>
+        <p:spPr>
+          <a:xfrm flipH="1">
+            <a:off x="6532975" y="3763385"/>
+            <a:ext cx="10682" cy="354000"/>
+          </a:xfrm>
+          <a:prstGeom prst="straightConnector1">
+            <a:avLst/>
+          </a:prstGeom>
+          <a:ln>
+            <a:tailEnd type="triangle"/>
+          </a:ln>
+        </p:spPr>
+        <p:style>
+          <a:lnRef idx="1">
+            <a:schemeClr val="accent1"/>
+          </a:lnRef>
+          <a:fillRef idx="0">
+            <a:schemeClr val="accent1"/>
+          </a:fillRef>
+          <a:effectRef idx="0">
+            <a:schemeClr val="accent1"/>
+          </a:effectRef>
+          <a:fontRef idx="minor">
+            <a:schemeClr val="tx1"/>
+          </a:fontRef>
+        </p:style>
+      </p:cxnSp>
+      <p:sp>
+        <p:nvSpPr>
+          <p:cNvPr id="38" name="TextBox 37">
+            <a:extLst>
+              <a:ext uri="{FF2B5EF4-FFF2-40B4-BE49-F238E27FC236}">
+                <a16:creationId xmlns:a16="http://schemas.microsoft.com/office/drawing/2014/main" id="{3EF1CCDE-17CD-8AFF-5EB8-83CE2ACF1F97}"/>
+              </a:ext>
+            </a:extLst>
+          </p:cNvPr>
+          <p:cNvSpPr txBox="1"/>
+          <p:nvPr/>
+        </p:nvSpPr>
+        <p:spPr>
+          <a:xfrm>
+            <a:off x="4131788" y="2791503"/>
+            <a:ext cx="1393908" cy="369332"/>
+          </a:xfrm>
+          <a:prstGeom prst="rect">
+            <a:avLst/>
+          </a:prstGeom>
+          <a:noFill/>
+        </p:spPr>
+        <p:txBody>
+          <a:bodyPr wrap="none" rtlCol="0">
+            <a:spAutoFit/>
+          </a:bodyPr>
+          <a:lstStyle/>
+          <a:p>
+            <a:r>
+              <a:rPr lang="en-US" altLang="zh-CN" dirty="0"/>
+              <a:t>Bottom</a:t>
+            </a:r>
+            <a:r>
+              <a:rPr lang="zh-CN" altLang="en-US" dirty="0"/>
+              <a:t> </a:t>
+            </a:r>
+            <a:r>
+              <a:rPr lang="en-US" altLang="zh-CN" dirty="0"/>
+              <a:t>cone</a:t>
+            </a:r>
+            <a:endParaRPr lang="en-US" dirty="0"/>
+          </a:p>
+        </p:txBody>
+      </p:sp>
+      <p:sp>
+        <p:nvSpPr>
+          <p:cNvPr id="39" name="TextBox 38">
+            <a:extLst>
+              <a:ext uri="{FF2B5EF4-FFF2-40B4-BE49-F238E27FC236}">
+                <a16:creationId xmlns:a16="http://schemas.microsoft.com/office/drawing/2014/main" id="{44C815F5-F5C1-8CD8-A4AC-667A448D1580}"/>
+              </a:ext>
+            </a:extLst>
+          </p:cNvPr>
+          <p:cNvSpPr txBox="1"/>
+          <p:nvPr/>
+        </p:nvSpPr>
+        <p:spPr>
+          <a:xfrm>
+            <a:off x="5917444" y="4580815"/>
+            <a:ext cx="1279196" cy="369332"/>
+          </a:xfrm>
+          <a:prstGeom prst="rect">
+            <a:avLst/>
+          </a:prstGeom>
+          <a:noFill/>
+        </p:spPr>
+        <p:txBody>
+          <a:bodyPr wrap="none" rtlCol="0">
+            <a:spAutoFit/>
+          </a:bodyPr>
+          <a:lstStyle/>
+          <a:p>
+            <a:r>
+              <a:rPr lang="en-US" altLang="zh-CN" dirty="0"/>
+              <a:t>Upper</a:t>
+            </a:r>
+            <a:r>
+              <a:rPr lang="zh-CN" altLang="en-US" dirty="0"/>
+              <a:t> </a:t>
+            </a:r>
+            <a:r>
+              <a:rPr lang="en-US" altLang="zh-CN" dirty="0"/>
+              <a:t>cone</a:t>
+            </a:r>
+            <a:endParaRPr lang="en-US" dirty="0"/>
+          </a:p>
+        </p:txBody>
+      </p:sp>
+    </p:spTree>
+    <p:extLst>
+      <p:ext uri="{BB962C8B-B14F-4D97-AF65-F5344CB8AC3E}">
+        <p14:creationId xmlns:p14="http://schemas.microsoft.com/office/powerpoint/2010/main" val="4057147695"/>
+      </p:ext>
+    </p:extLst>
+  </p:cSld>
+  <p:clrMapOvr>
+    <a:masterClrMapping/>
+  </p:clrMapOvr>
+</p:sld>
+</file>
+
+<file path=ppt/slides/slide6.xml><?xml version="1.0" encoding="utf-8"?>
+<p:sld xmlns:a="http://schemas.openxmlformats.org/drawingml/2006/main" xmlns:r="http://schemas.openxmlformats.org/officeDocument/2006/relationships" xmlns:p="http://schemas.openxmlformats.org/presentationml/2006/main">
+  <p:cSld>
+    <p:spTree>
+      <p:nvGrpSpPr>
+        <p:cNvPr id="1" name=""/>
+        <p:cNvGrpSpPr/>
+        <p:nvPr/>
+      </p:nvGrpSpPr>
+      <p:grpSpPr>
+        <a:xfrm>
+          <a:off x="0" y="0"/>
+          <a:ext cx="0" cy="0"/>
+          <a:chOff x="0" y="0"/>
+          <a:chExt cx="0" cy="0"/>
+        </a:xfrm>
+      </p:grpSpPr>
+      <p:sp>
+        <p:nvSpPr>
+          <p:cNvPr id="5" name="Oval 4">
+            <a:extLst>
+              <a:ext uri="{FF2B5EF4-FFF2-40B4-BE49-F238E27FC236}">
+                <a16:creationId xmlns:a16="http://schemas.microsoft.com/office/drawing/2014/main" id="{0BC7FE62-F776-1684-6362-1E788EB7A08F}"/>
+              </a:ext>
+            </a:extLst>
+          </p:cNvPr>
+          <p:cNvSpPr/>
+          <p:nvPr/>
+        </p:nvSpPr>
+        <p:spPr>
+          <a:xfrm>
+            <a:off x="5302098" y="93644"/>
+            <a:ext cx="1028700" cy="303144"/>
+          </a:xfrm>
+          <a:prstGeom prst="ellipse">
+            <a:avLst/>
+          </a:prstGeom>
+        </p:spPr>
+        <p:style>
+          <a:lnRef idx="2">
+            <a:schemeClr val="accent1">
+              <a:shade val="15000"/>
+            </a:schemeClr>
+          </a:lnRef>
+          <a:fillRef idx="1">
+            <a:schemeClr val="accent1"/>
+          </a:fillRef>
+          <a:effectRef idx="0">
+            <a:schemeClr val="accent1"/>
+          </a:effectRef>
+          <a:fontRef idx="minor">
+            <a:schemeClr val="lt1"/>
+          </a:fontRef>
+        </p:style>
+        <p:txBody>
+          <a:bodyPr rtlCol="0" anchor="ctr"/>
+          <a:lstStyle/>
+          <a:p>
+            <a:pPr algn="ctr"/>
+            <a:r>
+              <a:rPr lang="en-US" sz="1350" dirty="0"/>
+              <a:t>CVV</a:t>
+            </a:r>
+          </a:p>
+        </p:txBody>
+      </p:sp>
+      <p:sp>
+        <p:nvSpPr>
+          <p:cNvPr id="6" name="Rectangle 5">
+            <a:extLst>
+              <a:ext uri="{FF2B5EF4-FFF2-40B4-BE49-F238E27FC236}">
+                <a16:creationId xmlns:a16="http://schemas.microsoft.com/office/drawing/2014/main" id="{B73BC17E-BDA3-6CB6-E2E0-98A9C3F71059}"/>
+              </a:ext>
+            </a:extLst>
+          </p:cNvPr>
+          <p:cNvSpPr/>
+          <p:nvPr/>
+        </p:nvSpPr>
+        <p:spPr>
+          <a:xfrm>
+            <a:off x="5548095" y="573337"/>
+            <a:ext cx="626165" cy="303144"/>
+          </a:xfrm>
+          <a:prstGeom prst="rect">
+            <a:avLst/>
+          </a:prstGeom>
+        </p:spPr>
+        <p:style>
+          <a:lnRef idx="2">
+            <a:schemeClr val="accent4">
+              <a:shade val="15000"/>
+            </a:schemeClr>
+          </a:lnRef>
+          <a:fillRef idx="1">
+            <a:schemeClr val="accent4"/>
+          </a:fillRef>
+          <a:effectRef idx="0">
+            <a:schemeClr val="accent4"/>
+          </a:effectRef>
+          <a:fontRef idx="minor">
+            <a:schemeClr val="lt1"/>
+          </a:fontRef>
+        </p:style>
+        <p:txBody>
+          <a:bodyPr rtlCol="0" anchor="ctr"/>
+          <a:lstStyle/>
+          <a:p>
+            <a:pPr algn="ctr"/>
+            <a:r>
+              <a:rPr lang="en-US" sz="1350" dirty="0"/>
+              <a:t>TS</a:t>
+            </a:r>
+          </a:p>
+        </p:txBody>
+      </p:sp>
+      <p:sp>
+        <p:nvSpPr>
+          <p:cNvPr id="7" name="Oval 6">
+            <a:extLst>
+              <a:ext uri="{FF2B5EF4-FFF2-40B4-BE49-F238E27FC236}">
+                <a16:creationId xmlns:a16="http://schemas.microsoft.com/office/drawing/2014/main" id="{12445966-01F3-44A5-44B7-F478DB515DE9}"/>
+              </a:ext>
+            </a:extLst>
+          </p:cNvPr>
+          <p:cNvSpPr/>
+          <p:nvPr/>
+        </p:nvSpPr>
+        <p:spPr>
+          <a:xfrm>
+            <a:off x="5404922" y="1054378"/>
+            <a:ext cx="916885" cy="303144"/>
+          </a:xfrm>
+          <a:prstGeom prst="ellipse">
+            <a:avLst/>
+          </a:prstGeom>
+        </p:spPr>
+        <p:style>
+          <a:lnRef idx="2">
+            <a:schemeClr val="accent1">
+              <a:shade val="15000"/>
+            </a:schemeClr>
+          </a:lnRef>
+          <a:fillRef idx="1">
+            <a:schemeClr val="accent1"/>
+          </a:fillRef>
+          <a:effectRef idx="0">
+            <a:schemeClr val="accent1"/>
+          </a:effectRef>
+          <a:fontRef idx="minor">
+            <a:schemeClr val="lt1"/>
+          </a:fontRef>
+        </p:style>
+        <p:txBody>
+          <a:bodyPr rtlCol="0" anchor="ctr"/>
+          <a:lstStyle/>
+          <a:p>
+            <a:pPr algn="ctr"/>
+            <a:r>
+              <a:rPr lang="en-US" sz="1350" dirty="0"/>
+              <a:t>Heart</a:t>
+            </a:r>
+          </a:p>
+        </p:txBody>
+      </p:sp>
+      <p:sp>
+        <p:nvSpPr>
+          <p:cNvPr id="8" name="Rectangle 7">
+            <a:extLst>
+              <a:ext uri="{FF2B5EF4-FFF2-40B4-BE49-F238E27FC236}">
+                <a16:creationId xmlns:a16="http://schemas.microsoft.com/office/drawing/2014/main" id="{F1F2FF56-AB13-4D83-1A8D-0F089DC0F8EC}"/>
+              </a:ext>
+            </a:extLst>
+          </p:cNvPr>
+          <p:cNvSpPr/>
+          <p:nvPr/>
+        </p:nvSpPr>
+        <p:spPr>
+          <a:xfrm>
+            <a:off x="1886678" y="1640221"/>
+            <a:ext cx="660953" cy="204995"/>
+          </a:xfrm>
+          <a:prstGeom prst="rect">
+            <a:avLst/>
+          </a:prstGeom>
+        </p:spPr>
+        <p:style>
+          <a:lnRef idx="2">
+            <a:schemeClr val="accent4">
+              <a:shade val="15000"/>
+            </a:schemeClr>
+          </a:lnRef>
+          <a:fillRef idx="1">
+            <a:schemeClr val="accent4"/>
+          </a:fillRef>
+          <a:effectRef idx="0">
+            <a:schemeClr val="accent4"/>
+          </a:effectRef>
+          <a:fontRef idx="minor">
+            <a:schemeClr val="lt1"/>
+          </a:fontRef>
+        </p:style>
+        <p:txBody>
+          <a:bodyPr rtlCol="0" anchor="ctr"/>
+          <a:lstStyle/>
+          <a:p>
+            <a:pPr algn="ctr"/>
+            <a:r>
+              <a:rPr lang="en-US" sz="1350" dirty="0"/>
+              <a:t>SRT</a:t>
+            </a:r>
+          </a:p>
+        </p:txBody>
+      </p:sp>
+      <p:sp>
+        <p:nvSpPr>
+          <p:cNvPr id="9" name="Triangle 8">
+            <a:extLst>
+              <a:ext uri="{FF2B5EF4-FFF2-40B4-BE49-F238E27FC236}">
+                <a16:creationId xmlns:a16="http://schemas.microsoft.com/office/drawing/2014/main" id="{023FC880-A858-3629-335F-5FC5CBD56C3B}"/>
+              </a:ext>
+            </a:extLst>
+          </p:cNvPr>
+          <p:cNvSpPr/>
+          <p:nvPr/>
+        </p:nvSpPr>
+        <p:spPr>
+          <a:xfrm>
+            <a:off x="1524945" y="2040704"/>
+            <a:ext cx="1207436" cy="426140"/>
+          </a:xfrm>
+          <a:prstGeom prst="triangle">
+            <a:avLst/>
+          </a:prstGeom>
+        </p:spPr>
+        <p:style>
+          <a:lnRef idx="2">
+            <a:schemeClr val="dk1">
+              <a:shade val="15000"/>
+            </a:schemeClr>
+          </a:lnRef>
+          <a:fillRef idx="1">
+            <a:schemeClr val="dk1"/>
+          </a:fillRef>
+          <a:effectRef idx="0">
+            <a:schemeClr val="dk1"/>
+          </a:effectRef>
+          <a:fontRef idx="minor">
+            <a:schemeClr val="lt1"/>
+          </a:fontRef>
+        </p:style>
+        <p:txBody>
+          <a:bodyPr rtlCol="0" anchor="ctr"/>
+          <a:lstStyle/>
+          <a:p>
+            <a:pPr algn="ctr"/>
+            <a:r>
+              <a:rPr lang="en-US" sz="1350" dirty="0"/>
+              <a:t>Cube</a:t>
+            </a:r>
+          </a:p>
+        </p:txBody>
+      </p:sp>
+      <p:sp>
+        <p:nvSpPr>
+          <p:cNvPr id="10" name="Rectangle 9">
+            <a:extLst>
+              <a:ext uri="{FF2B5EF4-FFF2-40B4-BE49-F238E27FC236}">
+                <a16:creationId xmlns:a16="http://schemas.microsoft.com/office/drawing/2014/main" id="{C5312893-3EBA-DAF3-2550-AA92A946E5BE}"/>
+              </a:ext>
+            </a:extLst>
+          </p:cNvPr>
+          <p:cNvSpPr/>
+          <p:nvPr/>
+        </p:nvSpPr>
+        <p:spPr>
+          <a:xfrm>
+            <a:off x="2921680" y="1835403"/>
+            <a:ext cx="626165" cy="303144"/>
+          </a:xfrm>
+          <a:prstGeom prst="rect">
+            <a:avLst/>
+          </a:prstGeom>
+        </p:spPr>
+        <p:style>
+          <a:lnRef idx="2">
+            <a:schemeClr val="accent4">
+              <a:shade val="15000"/>
+            </a:schemeClr>
+          </a:lnRef>
+          <a:fillRef idx="1">
+            <a:schemeClr val="accent4"/>
+          </a:fillRef>
+          <a:effectRef idx="0">
+            <a:schemeClr val="accent4"/>
+          </a:effectRef>
+          <a:fontRef idx="minor">
+            <a:schemeClr val="lt1"/>
+          </a:fontRef>
+        </p:style>
+        <p:txBody>
+          <a:bodyPr rtlCol="0" anchor="ctr"/>
+          <a:lstStyle/>
+          <a:p>
+            <a:pPr algn="ctr"/>
+            <a:r>
+              <a:rPr lang="en-US" sz="1350" dirty="0"/>
+              <a:t>T</a:t>
+            </a:r>
+          </a:p>
+        </p:txBody>
+      </p:sp>
+      <p:sp>
+        <p:nvSpPr>
+          <p:cNvPr id="11" name="Rectangle 10">
+            <a:extLst>
+              <a:ext uri="{FF2B5EF4-FFF2-40B4-BE49-F238E27FC236}">
+                <a16:creationId xmlns:a16="http://schemas.microsoft.com/office/drawing/2014/main" id="{05546497-1E9B-40F3-7B6C-71A61EC77C95}"/>
+              </a:ext>
+            </a:extLst>
+          </p:cNvPr>
+          <p:cNvSpPr/>
+          <p:nvPr/>
+        </p:nvSpPr>
+        <p:spPr>
+          <a:xfrm>
+            <a:off x="3711840" y="1835403"/>
+            <a:ext cx="626165" cy="303144"/>
+          </a:xfrm>
+          <a:prstGeom prst="rect">
+            <a:avLst/>
+          </a:prstGeom>
+        </p:spPr>
+        <p:style>
+          <a:lnRef idx="2">
+            <a:schemeClr val="accent4">
+              <a:shade val="15000"/>
+            </a:schemeClr>
+          </a:lnRef>
+          <a:fillRef idx="1">
+            <a:schemeClr val="accent4"/>
+          </a:fillRef>
+          <a:effectRef idx="0">
+            <a:schemeClr val="accent4"/>
+          </a:effectRef>
+          <a:fontRef idx="minor">
+            <a:schemeClr val="lt1"/>
+          </a:fontRef>
+        </p:style>
+        <p:txBody>
+          <a:bodyPr rtlCol="0" anchor="ctr"/>
+          <a:lstStyle/>
+          <a:p>
+            <a:pPr algn="ctr"/>
+            <a:r>
+              <a:rPr lang="en-US" sz="1350" dirty="0"/>
+              <a:t>T</a:t>
+            </a:r>
+          </a:p>
+        </p:txBody>
+      </p:sp>
+      <p:sp>
+        <p:nvSpPr>
+          <p:cNvPr id="12" name="Oval 11">
+            <a:extLst>
+              <a:ext uri="{FF2B5EF4-FFF2-40B4-BE49-F238E27FC236}">
+                <a16:creationId xmlns:a16="http://schemas.microsoft.com/office/drawing/2014/main" id="{E557168E-3F57-AB4C-3AEC-F878240D5B93}"/>
+              </a:ext>
+            </a:extLst>
+          </p:cNvPr>
+          <p:cNvSpPr/>
+          <p:nvPr/>
+        </p:nvSpPr>
+        <p:spPr>
+          <a:xfrm>
+            <a:off x="2720413" y="2396344"/>
+            <a:ext cx="916885" cy="303144"/>
+          </a:xfrm>
+          <a:prstGeom prst="ellipse">
+            <a:avLst/>
+          </a:prstGeom>
+        </p:spPr>
+        <p:style>
+          <a:lnRef idx="2">
+            <a:schemeClr val="accent1">
+              <a:shade val="15000"/>
+            </a:schemeClr>
+          </a:lnRef>
+          <a:fillRef idx="1">
+            <a:schemeClr val="accent1"/>
+          </a:fillRef>
+          <a:effectRef idx="0">
+            <a:schemeClr val="accent1"/>
+          </a:effectRef>
+          <a:fontRef idx="minor">
+            <a:schemeClr val="lt1"/>
+          </a:fontRef>
+        </p:style>
+        <p:txBody>
+          <a:bodyPr rtlCol="0" anchor="ctr"/>
+          <a:lstStyle/>
+          <a:p>
+            <a:pPr algn="ctr"/>
+            <a:r>
+              <a:rPr lang="en-US" sz="1350" dirty="0" err="1"/>
+              <a:t>ShoL</a:t>
+            </a:r>
+            <a:endParaRPr lang="en-US" sz="1350" dirty="0"/>
+          </a:p>
+        </p:txBody>
+      </p:sp>
+      <p:sp>
+        <p:nvSpPr>
+          <p:cNvPr id="13" name="Oval 12">
+            <a:extLst>
+              <a:ext uri="{FF2B5EF4-FFF2-40B4-BE49-F238E27FC236}">
+                <a16:creationId xmlns:a16="http://schemas.microsoft.com/office/drawing/2014/main" id="{797AF025-D91E-F686-D977-24A9CFA1E6F1}"/>
+              </a:ext>
+            </a:extLst>
+          </p:cNvPr>
+          <p:cNvSpPr/>
+          <p:nvPr/>
+        </p:nvSpPr>
+        <p:spPr>
+          <a:xfrm>
+            <a:off x="3975227" y="2343542"/>
+            <a:ext cx="916885" cy="303144"/>
+          </a:xfrm>
+          <a:prstGeom prst="ellipse">
+            <a:avLst/>
+          </a:prstGeom>
+        </p:spPr>
+        <p:style>
+          <a:lnRef idx="2">
+            <a:schemeClr val="accent1">
+              <a:shade val="15000"/>
+            </a:schemeClr>
+          </a:lnRef>
+          <a:fillRef idx="1">
+            <a:schemeClr val="accent1"/>
+          </a:fillRef>
+          <a:effectRef idx="0">
+            <a:schemeClr val="accent1"/>
+          </a:effectRef>
+          <a:fontRef idx="minor">
+            <a:schemeClr val="lt1"/>
+          </a:fontRef>
+        </p:style>
+        <p:txBody>
+          <a:bodyPr rtlCol="0" anchor="ctr"/>
+          <a:lstStyle/>
+          <a:p>
+            <a:pPr algn="ctr"/>
+            <a:r>
+              <a:rPr lang="en-US" sz="1350" dirty="0" err="1"/>
+              <a:t>ShoR</a:t>
+            </a:r>
+            <a:endParaRPr lang="en-US" sz="1350" dirty="0"/>
+          </a:p>
+        </p:txBody>
+      </p:sp>
+      <p:sp>
+        <p:nvSpPr>
+          <p:cNvPr id="14" name="Rectangle 13">
+            <a:extLst>
+              <a:ext uri="{FF2B5EF4-FFF2-40B4-BE49-F238E27FC236}">
+                <a16:creationId xmlns:a16="http://schemas.microsoft.com/office/drawing/2014/main" id="{D1372677-0823-591B-EC67-71D5D9792A41}"/>
+              </a:ext>
+            </a:extLst>
+          </p:cNvPr>
+          <p:cNvSpPr/>
+          <p:nvPr/>
+        </p:nvSpPr>
+        <p:spPr>
+          <a:xfrm>
+            <a:off x="1435791" y="2988398"/>
+            <a:ext cx="626165" cy="303144"/>
+          </a:xfrm>
+          <a:prstGeom prst="rect">
+            <a:avLst/>
+          </a:prstGeom>
+        </p:spPr>
+        <p:style>
+          <a:lnRef idx="2">
+            <a:schemeClr val="accent4">
+              <a:shade val="15000"/>
+            </a:schemeClr>
+          </a:lnRef>
+          <a:fillRef idx="1">
+            <a:schemeClr val="accent4"/>
+          </a:fillRef>
+          <a:effectRef idx="0">
+            <a:schemeClr val="accent4"/>
+          </a:effectRef>
+          <a:fontRef idx="minor">
+            <a:schemeClr val="lt1"/>
+          </a:fontRef>
+        </p:style>
+        <p:txBody>
+          <a:bodyPr rtlCol="0" anchor="ctr"/>
+          <a:lstStyle/>
+          <a:p>
+            <a:pPr algn="ctr"/>
+            <a:r>
+              <a:rPr lang="en-US" sz="1350" dirty="0"/>
+              <a:t>SR</a:t>
+            </a:r>
+          </a:p>
+        </p:txBody>
+      </p:sp>
+      <p:sp>
+        <p:nvSpPr>
+          <p:cNvPr id="15" name="Rectangle 14">
+            <a:extLst>
+              <a:ext uri="{FF2B5EF4-FFF2-40B4-BE49-F238E27FC236}">
+                <a16:creationId xmlns:a16="http://schemas.microsoft.com/office/drawing/2014/main" id="{4B5C966B-9639-F4F5-9559-DC54600B4646}"/>
+              </a:ext>
+            </a:extLst>
+          </p:cNvPr>
+          <p:cNvSpPr/>
+          <p:nvPr/>
+        </p:nvSpPr>
+        <p:spPr>
+          <a:xfrm>
+            <a:off x="3727353" y="2922785"/>
+            <a:ext cx="626165" cy="303144"/>
+          </a:xfrm>
+          <a:prstGeom prst="rect">
+            <a:avLst/>
+          </a:prstGeom>
+        </p:spPr>
+        <p:style>
+          <a:lnRef idx="2">
+            <a:schemeClr val="accent4">
+              <a:shade val="15000"/>
+            </a:schemeClr>
+          </a:lnRef>
+          <a:fillRef idx="1">
+            <a:schemeClr val="accent4"/>
+          </a:fillRef>
+          <a:effectRef idx="0">
+            <a:schemeClr val="accent4"/>
+          </a:effectRef>
+          <a:fontRef idx="minor">
+            <a:schemeClr val="lt1"/>
+          </a:fontRef>
+        </p:style>
+        <p:txBody>
+          <a:bodyPr rtlCol="0" anchor="ctr"/>
+          <a:lstStyle/>
+          <a:p>
+            <a:pPr algn="ctr"/>
+            <a:r>
+              <a:rPr lang="en-US" sz="1350" dirty="0"/>
+              <a:t>SR</a:t>
+            </a:r>
+          </a:p>
+        </p:txBody>
+      </p:sp>
+      <p:sp>
+        <p:nvSpPr>
+          <p:cNvPr id="16" name="Triangle 15">
+            <a:extLst>
+              <a:ext uri="{FF2B5EF4-FFF2-40B4-BE49-F238E27FC236}">
+                <a16:creationId xmlns:a16="http://schemas.microsoft.com/office/drawing/2014/main" id="{E95D6EED-FDBD-217C-B132-2C5AD005B4F3}"/>
+              </a:ext>
+            </a:extLst>
+          </p:cNvPr>
+          <p:cNvSpPr/>
+          <p:nvPr/>
+        </p:nvSpPr>
+        <p:spPr>
+          <a:xfrm>
+            <a:off x="914187" y="3340044"/>
+            <a:ext cx="1302968" cy="426140"/>
+          </a:xfrm>
+          <a:prstGeom prst="triangle">
+            <a:avLst/>
+          </a:prstGeom>
+        </p:spPr>
+        <p:style>
+          <a:lnRef idx="2">
+            <a:schemeClr val="dk1">
+              <a:shade val="15000"/>
+            </a:schemeClr>
+          </a:lnRef>
+          <a:fillRef idx="1">
+            <a:schemeClr val="dk1"/>
+          </a:fillRef>
+          <a:effectRef idx="0">
+            <a:schemeClr val="dk1"/>
+          </a:effectRef>
+          <a:fontRef idx="minor">
+            <a:schemeClr val="lt1"/>
+          </a:fontRef>
+        </p:style>
+        <p:txBody>
+          <a:bodyPr rtlCol="0" anchor="ctr"/>
+          <a:lstStyle/>
+          <a:p>
+            <a:pPr algn="ctr"/>
+            <a:r>
+              <a:rPr lang="en-US" sz="1350" dirty="0"/>
+              <a:t>Cube</a:t>
+            </a:r>
+          </a:p>
+        </p:txBody>
+      </p:sp>
+      <p:sp>
+        <p:nvSpPr>
+          <p:cNvPr id="17" name="Triangle 16">
+            <a:extLst>
+              <a:ext uri="{FF2B5EF4-FFF2-40B4-BE49-F238E27FC236}">
+                <a16:creationId xmlns:a16="http://schemas.microsoft.com/office/drawing/2014/main" id="{5ADB2C1E-2938-B768-7385-AD95429862DA}"/>
+              </a:ext>
+            </a:extLst>
+          </p:cNvPr>
+          <p:cNvSpPr/>
+          <p:nvPr/>
+        </p:nvSpPr>
+        <p:spPr>
+          <a:xfrm>
+            <a:off x="3512860" y="3488831"/>
+            <a:ext cx="1194363" cy="426140"/>
+          </a:xfrm>
+          <a:prstGeom prst="triangle">
+            <a:avLst/>
+          </a:prstGeom>
+        </p:spPr>
+        <p:style>
+          <a:lnRef idx="2">
+            <a:schemeClr val="dk1">
+              <a:shade val="15000"/>
+            </a:schemeClr>
+          </a:lnRef>
+          <a:fillRef idx="1">
+            <a:schemeClr val="dk1"/>
+          </a:fillRef>
+          <a:effectRef idx="0">
+            <a:schemeClr val="dk1"/>
+          </a:effectRef>
+          <a:fontRef idx="minor">
+            <a:schemeClr val="lt1"/>
+          </a:fontRef>
+        </p:style>
+        <p:txBody>
+          <a:bodyPr rtlCol="0" anchor="ctr"/>
+          <a:lstStyle/>
+          <a:p>
+            <a:pPr algn="ctr"/>
+            <a:r>
+              <a:rPr lang="en-US" sz="1350" dirty="0"/>
+              <a:t>Cube</a:t>
+            </a:r>
+          </a:p>
+        </p:txBody>
+      </p:sp>
+      <p:sp>
+        <p:nvSpPr>
+          <p:cNvPr id="18" name="TextBox 17">
+            <a:extLst>
+              <a:ext uri="{FF2B5EF4-FFF2-40B4-BE49-F238E27FC236}">
+                <a16:creationId xmlns:a16="http://schemas.microsoft.com/office/drawing/2014/main" id="{18BD6F44-5758-33B0-D90D-17941703ABB8}"/>
+              </a:ext>
+            </a:extLst>
+          </p:cNvPr>
+          <p:cNvSpPr txBox="1"/>
+          <p:nvPr/>
+        </p:nvSpPr>
+        <p:spPr>
+          <a:xfrm>
+            <a:off x="1842280" y="2384553"/>
+            <a:ext cx="771395" cy="300082"/>
+          </a:xfrm>
+          <a:prstGeom prst="rect">
+            <a:avLst/>
+          </a:prstGeom>
+          <a:noFill/>
+        </p:spPr>
+        <p:txBody>
+          <a:bodyPr wrap="square" rtlCol="0">
+            <a:spAutoFit/>
+          </a:bodyPr>
+          <a:lstStyle/>
+          <a:p>
+            <a:r>
+              <a:rPr lang="en-US" sz="1350" dirty="0"/>
+              <a:t>body</a:t>
+            </a:r>
+          </a:p>
+        </p:txBody>
+      </p:sp>
+      <p:sp>
+        <p:nvSpPr>
+          <p:cNvPr id="19" name="TextBox 18">
+            <a:extLst>
+              <a:ext uri="{FF2B5EF4-FFF2-40B4-BE49-F238E27FC236}">
+                <a16:creationId xmlns:a16="http://schemas.microsoft.com/office/drawing/2014/main" id="{55B9D093-50BF-F459-508F-B4D19EDD27BC}"/>
+              </a:ext>
+            </a:extLst>
+          </p:cNvPr>
+          <p:cNvSpPr txBox="1"/>
+          <p:nvPr/>
+        </p:nvSpPr>
+        <p:spPr>
+          <a:xfrm>
+            <a:off x="1114886" y="3887797"/>
+            <a:ext cx="1358461" cy="300082"/>
+          </a:xfrm>
+          <a:prstGeom prst="rect">
+            <a:avLst/>
+          </a:prstGeom>
+          <a:noFill/>
+        </p:spPr>
+        <p:txBody>
+          <a:bodyPr wrap="square" rtlCol="0">
+            <a:spAutoFit/>
+          </a:bodyPr>
+          <a:lstStyle/>
+          <a:p>
+            <a:r>
+              <a:rPr lang="en-US" sz="1350" dirty="0"/>
+              <a:t>Upper </a:t>
+            </a:r>
+            <a:r>
+              <a:rPr lang="en-US" sz="1350" dirty="0" err="1"/>
+              <a:t>armL</a:t>
+            </a:r>
+            <a:endParaRPr lang="en-US" sz="1350" dirty="0"/>
+          </a:p>
+        </p:txBody>
+      </p:sp>
+      <p:sp>
+        <p:nvSpPr>
+          <p:cNvPr id="20" name="TextBox 19">
+            <a:extLst>
+              <a:ext uri="{FF2B5EF4-FFF2-40B4-BE49-F238E27FC236}">
+                <a16:creationId xmlns:a16="http://schemas.microsoft.com/office/drawing/2014/main" id="{AE266DCA-58F9-C0E0-5565-1B168D09A6D7}"/>
+              </a:ext>
+            </a:extLst>
+          </p:cNvPr>
+          <p:cNvSpPr txBox="1"/>
+          <p:nvPr/>
+        </p:nvSpPr>
+        <p:spPr>
+          <a:xfrm>
+            <a:off x="3592067" y="3836359"/>
+            <a:ext cx="1421120" cy="300082"/>
+          </a:xfrm>
+          <a:prstGeom prst="rect">
+            <a:avLst/>
+          </a:prstGeom>
+          <a:noFill/>
+        </p:spPr>
+        <p:txBody>
+          <a:bodyPr wrap="square" rtlCol="0">
+            <a:spAutoFit/>
+          </a:bodyPr>
+          <a:lstStyle/>
+          <a:p>
+            <a:r>
+              <a:rPr lang="en-US" sz="1350" dirty="0"/>
+              <a:t>Upper </a:t>
+            </a:r>
+            <a:r>
+              <a:rPr lang="en-US" sz="1350" dirty="0" err="1"/>
+              <a:t>armR</a:t>
+            </a:r>
+            <a:endParaRPr lang="en-US" sz="1350" dirty="0"/>
+          </a:p>
+        </p:txBody>
+      </p:sp>
+      <p:sp>
+        <p:nvSpPr>
+          <p:cNvPr id="21" name="Rectangle 20">
+            <a:extLst>
+              <a:ext uri="{FF2B5EF4-FFF2-40B4-BE49-F238E27FC236}">
+                <a16:creationId xmlns:a16="http://schemas.microsoft.com/office/drawing/2014/main" id="{1E398205-40A5-E3DA-6B40-2E8D5E830022}"/>
+              </a:ext>
+            </a:extLst>
+          </p:cNvPr>
+          <p:cNvSpPr/>
+          <p:nvPr/>
+        </p:nvSpPr>
+        <p:spPr>
+          <a:xfrm>
+            <a:off x="2608597" y="4214949"/>
+            <a:ext cx="626165" cy="303144"/>
+          </a:xfrm>
+          <a:prstGeom prst="rect">
+            <a:avLst/>
+          </a:prstGeom>
+        </p:spPr>
+        <p:style>
+          <a:lnRef idx="2">
+            <a:schemeClr val="accent4">
+              <a:shade val="15000"/>
+            </a:schemeClr>
+          </a:lnRef>
+          <a:fillRef idx="1">
+            <a:schemeClr val="accent4"/>
+          </a:fillRef>
+          <a:effectRef idx="0">
+            <a:schemeClr val="accent4"/>
+          </a:effectRef>
+          <a:fontRef idx="minor">
+            <a:schemeClr val="lt1"/>
+          </a:fontRef>
+        </p:style>
+        <p:txBody>
+          <a:bodyPr rtlCol="0" anchor="ctr"/>
+          <a:lstStyle/>
+          <a:p>
+            <a:pPr algn="ctr"/>
+            <a:r>
+              <a:rPr lang="en-US" sz="1350" dirty="0"/>
+              <a:t>TSR</a:t>
+            </a:r>
+          </a:p>
+        </p:txBody>
+      </p:sp>
+      <p:sp>
+        <p:nvSpPr>
+          <p:cNvPr id="22" name="Rectangle 21">
+            <a:extLst>
+              <a:ext uri="{FF2B5EF4-FFF2-40B4-BE49-F238E27FC236}">
+                <a16:creationId xmlns:a16="http://schemas.microsoft.com/office/drawing/2014/main" id="{A23AA3D1-BB39-6DA7-EEAB-2544611FBE82}"/>
+              </a:ext>
+            </a:extLst>
+          </p:cNvPr>
+          <p:cNvSpPr/>
+          <p:nvPr/>
+        </p:nvSpPr>
+        <p:spPr>
+          <a:xfrm>
+            <a:off x="4778757" y="4147303"/>
+            <a:ext cx="626165" cy="303144"/>
+          </a:xfrm>
+          <a:prstGeom prst="rect">
+            <a:avLst/>
+          </a:prstGeom>
+        </p:spPr>
+        <p:style>
+          <a:lnRef idx="2">
+            <a:schemeClr val="accent4">
+              <a:shade val="15000"/>
+            </a:schemeClr>
+          </a:lnRef>
+          <a:fillRef idx="1">
+            <a:schemeClr val="accent4"/>
+          </a:fillRef>
+          <a:effectRef idx="0">
+            <a:schemeClr val="accent4"/>
+          </a:effectRef>
+          <a:fontRef idx="minor">
+            <a:schemeClr val="lt1"/>
+          </a:fontRef>
+        </p:style>
+        <p:txBody>
+          <a:bodyPr rtlCol="0" anchor="ctr"/>
+          <a:lstStyle/>
+          <a:p>
+            <a:pPr algn="ctr"/>
+            <a:r>
+              <a:rPr lang="en-US" sz="1350" dirty="0"/>
+              <a:t>TSR</a:t>
+            </a:r>
+          </a:p>
+        </p:txBody>
+      </p:sp>
+      <p:sp>
+        <p:nvSpPr>
+          <p:cNvPr id="23" name="Triangle 22">
+            <a:extLst>
+              <a:ext uri="{FF2B5EF4-FFF2-40B4-BE49-F238E27FC236}">
+                <a16:creationId xmlns:a16="http://schemas.microsoft.com/office/drawing/2014/main" id="{4A3CEEE8-D022-5022-5F97-F3B82EF623DE}"/>
+              </a:ext>
+            </a:extLst>
+          </p:cNvPr>
+          <p:cNvSpPr/>
+          <p:nvPr/>
+        </p:nvSpPr>
+        <p:spPr>
+          <a:xfrm>
+            <a:off x="2358293" y="4713581"/>
+            <a:ext cx="1333482" cy="426140"/>
+          </a:xfrm>
+          <a:prstGeom prst="triangle">
+            <a:avLst/>
+          </a:prstGeom>
+        </p:spPr>
+        <p:style>
+          <a:lnRef idx="2">
+            <a:schemeClr val="dk1">
+              <a:shade val="15000"/>
+            </a:schemeClr>
+          </a:lnRef>
+          <a:fillRef idx="1">
+            <a:schemeClr val="dk1"/>
+          </a:fillRef>
+          <a:effectRef idx="0">
+            <a:schemeClr val="dk1"/>
+          </a:effectRef>
+          <a:fontRef idx="minor">
+            <a:schemeClr val="lt1"/>
+          </a:fontRef>
+        </p:style>
+        <p:txBody>
+          <a:bodyPr rtlCol="0" anchor="ctr"/>
+          <a:lstStyle/>
+          <a:p>
+            <a:pPr algn="ctr"/>
+            <a:r>
+              <a:rPr lang="en-US" sz="1350" dirty="0"/>
+              <a:t>Cube</a:t>
+            </a:r>
+          </a:p>
+        </p:txBody>
+      </p:sp>
+      <p:sp>
+        <p:nvSpPr>
+          <p:cNvPr id="24" name="TextBox 23">
+            <a:extLst>
+              <a:ext uri="{FF2B5EF4-FFF2-40B4-BE49-F238E27FC236}">
+                <a16:creationId xmlns:a16="http://schemas.microsoft.com/office/drawing/2014/main" id="{7F8AE538-ACAD-C264-AE56-662E470BE0DA}"/>
+              </a:ext>
+            </a:extLst>
+          </p:cNvPr>
+          <p:cNvSpPr txBox="1"/>
+          <p:nvPr/>
+        </p:nvSpPr>
+        <p:spPr>
+          <a:xfrm>
+            <a:off x="2534315" y="5344948"/>
+            <a:ext cx="1242012" cy="300082"/>
+          </a:xfrm>
+          <a:prstGeom prst="rect">
+            <a:avLst/>
+          </a:prstGeom>
+          <a:noFill/>
+        </p:spPr>
+        <p:txBody>
+          <a:bodyPr wrap="square" rtlCol="0">
+            <a:spAutoFit/>
+          </a:bodyPr>
+          <a:lstStyle/>
+          <a:p>
+            <a:r>
+              <a:rPr lang="en-US" sz="1350" dirty="0"/>
+              <a:t>Lower </a:t>
+            </a:r>
+            <a:r>
+              <a:rPr lang="en-US" sz="1350" dirty="0" err="1"/>
+              <a:t>armL</a:t>
+            </a:r>
+            <a:endParaRPr lang="en-US" sz="1350" dirty="0"/>
+          </a:p>
+        </p:txBody>
+      </p:sp>
+      <p:sp>
+        <p:nvSpPr>
+          <p:cNvPr id="25" name="Triangle 24">
+            <a:extLst>
+              <a:ext uri="{FF2B5EF4-FFF2-40B4-BE49-F238E27FC236}">
+                <a16:creationId xmlns:a16="http://schemas.microsoft.com/office/drawing/2014/main" id="{BD1A930F-5894-6B37-ED5F-F75B51D1C12E}"/>
+              </a:ext>
+            </a:extLst>
+          </p:cNvPr>
+          <p:cNvSpPr/>
+          <p:nvPr/>
+        </p:nvSpPr>
+        <p:spPr>
+          <a:xfrm>
+            <a:off x="4476809" y="4745728"/>
+            <a:ext cx="1333482" cy="426140"/>
+          </a:xfrm>
+          <a:prstGeom prst="triangle">
+            <a:avLst/>
+          </a:prstGeom>
+        </p:spPr>
+        <p:style>
+          <a:lnRef idx="2">
+            <a:schemeClr val="dk1">
+              <a:shade val="15000"/>
+            </a:schemeClr>
+          </a:lnRef>
+          <a:fillRef idx="1">
+            <a:schemeClr val="dk1"/>
+          </a:fillRef>
+          <a:effectRef idx="0">
+            <a:schemeClr val="dk1"/>
+          </a:effectRef>
+          <a:fontRef idx="minor">
+            <a:schemeClr val="lt1"/>
+          </a:fontRef>
+        </p:style>
+        <p:txBody>
+          <a:bodyPr rtlCol="0" anchor="ctr"/>
+          <a:lstStyle/>
+          <a:p>
+            <a:pPr algn="ctr"/>
+            <a:r>
+              <a:rPr lang="en-US" sz="1350" dirty="0"/>
+              <a:t>Cube</a:t>
+            </a:r>
+          </a:p>
+        </p:txBody>
+      </p:sp>
+      <p:sp>
+        <p:nvSpPr>
+          <p:cNvPr id="26" name="TextBox 25">
+            <a:extLst>
+              <a:ext uri="{FF2B5EF4-FFF2-40B4-BE49-F238E27FC236}">
+                <a16:creationId xmlns:a16="http://schemas.microsoft.com/office/drawing/2014/main" id="{BF7D95B3-986E-93DC-A4CE-D7C3861B08A4}"/>
+              </a:ext>
+            </a:extLst>
+          </p:cNvPr>
+          <p:cNvSpPr txBox="1"/>
+          <p:nvPr/>
+        </p:nvSpPr>
+        <p:spPr>
+          <a:xfrm>
+            <a:off x="4516049" y="5418358"/>
+            <a:ext cx="1703851" cy="300082"/>
+          </a:xfrm>
+          <a:prstGeom prst="rect">
+            <a:avLst/>
+          </a:prstGeom>
+          <a:noFill/>
+        </p:spPr>
+        <p:txBody>
+          <a:bodyPr wrap="square" rtlCol="0">
+            <a:spAutoFit/>
+          </a:bodyPr>
+          <a:lstStyle/>
+          <a:p>
+            <a:r>
+              <a:rPr lang="en-US" sz="1350" dirty="0"/>
+              <a:t>Lower </a:t>
+            </a:r>
+            <a:r>
+              <a:rPr lang="en-US" sz="1350" dirty="0" err="1"/>
+              <a:t>armR</a:t>
+            </a:r>
+            <a:endParaRPr lang="en-US" sz="1350" dirty="0"/>
+          </a:p>
+        </p:txBody>
+      </p:sp>
+      <p:sp>
+        <p:nvSpPr>
+          <p:cNvPr id="33" name="Rectangle 32">
+            <a:extLst>
+              <a:ext uri="{FF2B5EF4-FFF2-40B4-BE49-F238E27FC236}">
+                <a16:creationId xmlns:a16="http://schemas.microsoft.com/office/drawing/2014/main" id="{4F8E8775-50D9-99F6-8594-F9E94E349CB8}"/>
+              </a:ext>
+            </a:extLst>
+          </p:cNvPr>
+          <p:cNvSpPr/>
+          <p:nvPr/>
+        </p:nvSpPr>
+        <p:spPr>
+          <a:xfrm>
+            <a:off x="5835594" y="1893839"/>
+            <a:ext cx="626165" cy="303144"/>
+          </a:xfrm>
+          <a:prstGeom prst="rect">
+            <a:avLst/>
+          </a:prstGeom>
+        </p:spPr>
+        <p:style>
+          <a:lnRef idx="2">
+            <a:schemeClr val="accent4">
+              <a:shade val="15000"/>
+            </a:schemeClr>
+          </a:lnRef>
+          <a:fillRef idx="1">
+            <a:schemeClr val="accent4"/>
+          </a:fillRef>
+          <a:effectRef idx="0">
+            <a:schemeClr val="accent4"/>
+          </a:effectRef>
+          <a:fontRef idx="minor">
+            <a:schemeClr val="lt1"/>
+          </a:fontRef>
+        </p:style>
+        <p:txBody>
+          <a:bodyPr rtlCol="0" anchor="ctr"/>
+          <a:lstStyle/>
+          <a:p>
+            <a:pPr algn="ctr"/>
+            <a:r>
+              <a:rPr lang="en-US" sz="1350" dirty="0"/>
+              <a:t>T</a:t>
+            </a:r>
+          </a:p>
+        </p:txBody>
+      </p:sp>
+      <p:sp>
+        <p:nvSpPr>
+          <p:cNvPr id="34" name="Rectangle 33">
+            <a:extLst>
+              <a:ext uri="{FF2B5EF4-FFF2-40B4-BE49-F238E27FC236}">
+                <a16:creationId xmlns:a16="http://schemas.microsoft.com/office/drawing/2014/main" id="{F6EF8808-508C-C749-918A-F1C3E7707091}"/>
+              </a:ext>
+            </a:extLst>
+          </p:cNvPr>
+          <p:cNvSpPr/>
+          <p:nvPr/>
+        </p:nvSpPr>
+        <p:spPr>
+          <a:xfrm>
+            <a:off x="9031126" y="1755598"/>
+            <a:ext cx="626165" cy="303144"/>
+          </a:xfrm>
+          <a:prstGeom prst="rect">
+            <a:avLst/>
+          </a:prstGeom>
+        </p:spPr>
+        <p:style>
+          <a:lnRef idx="2">
+            <a:schemeClr val="accent4">
+              <a:shade val="15000"/>
+            </a:schemeClr>
+          </a:lnRef>
+          <a:fillRef idx="1">
+            <a:schemeClr val="accent4"/>
+          </a:fillRef>
+          <a:effectRef idx="0">
+            <a:schemeClr val="accent4"/>
+          </a:effectRef>
+          <a:fontRef idx="minor">
+            <a:schemeClr val="lt1"/>
+          </a:fontRef>
+        </p:style>
+        <p:txBody>
+          <a:bodyPr rtlCol="0" anchor="ctr"/>
+          <a:lstStyle/>
+          <a:p>
+            <a:pPr algn="ctr"/>
+            <a:r>
+              <a:rPr lang="en-US" sz="1350" dirty="0"/>
+              <a:t>T</a:t>
+            </a:r>
+          </a:p>
+        </p:txBody>
+      </p:sp>
+      <p:sp>
+        <p:nvSpPr>
+          <p:cNvPr id="35" name="Oval 34">
+            <a:extLst>
+              <a:ext uri="{FF2B5EF4-FFF2-40B4-BE49-F238E27FC236}">
+                <a16:creationId xmlns:a16="http://schemas.microsoft.com/office/drawing/2014/main" id="{6690011B-137A-54BB-E95A-AEC70826D941}"/>
+              </a:ext>
+            </a:extLst>
+          </p:cNvPr>
+          <p:cNvSpPr/>
+          <p:nvPr/>
+        </p:nvSpPr>
+        <p:spPr>
+          <a:xfrm>
+            <a:off x="5946649" y="2360172"/>
+            <a:ext cx="1078766" cy="303144"/>
+          </a:xfrm>
+          <a:prstGeom prst="ellipse">
+            <a:avLst/>
+          </a:prstGeom>
+        </p:spPr>
+        <p:style>
+          <a:lnRef idx="2">
+            <a:schemeClr val="accent1">
+              <a:shade val="15000"/>
+            </a:schemeClr>
+          </a:lnRef>
+          <a:fillRef idx="1">
+            <a:schemeClr val="accent1"/>
+          </a:fillRef>
+          <a:effectRef idx="0">
+            <a:schemeClr val="accent1"/>
+          </a:effectRef>
+          <a:fontRef idx="minor">
+            <a:schemeClr val="lt1"/>
+          </a:fontRef>
+        </p:style>
+        <p:txBody>
+          <a:bodyPr rtlCol="0" anchor="ctr"/>
+          <a:lstStyle/>
+          <a:p>
+            <a:pPr algn="ctr"/>
+            <a:r>
+              <a:rPr lang="en-US" sz="1350" dirty="0" err="1"/>
+              <a:t>PelvisL</a:t>
+            </a:r>
+            <a:endParaRPr lang="en-US" sz="1350" dirty="0"/>
+          </a:p>
+        </p:txBody>
+      </p:sp>
+      <p:sp>
+        <p:nvSpPr>
+          <p:cNvPr id="36" name="Oval 35">
+            <a:extLst>
+              <a:ext uri="{FF2B5EF4-FFF2-40B4-BE49-F238E27FC236}">
+                <a16:creationId xmlns:a16="http://schemas.microsoft.com/office/drawing/2014/main" id="{AE5989FE-7088-77F4-88C7-5041AF4DD368}"/>
+              </a:ext>
+            </a:extLst>
+          </p:cNvPr>
+          <p:cNvSpPr/>
+          <p:nvPr/>
+        </p:nvSpPr>
+        <p:spPr>
+          <a:xfrm>
+            <a:off x="8711222" y="2361886"/>
+            <a:ext cx="1290996" cy="303144"/>
+          </a:xfrm>
+          <a:prstGeom prst="ellipse">
+            <a:avLst/>
+          </a:prstGeom>
+        </p:spPr>
+        <p:style>
+          <a:lnRef idx="2">
+            <a:schemeClr val="accent1">
+              <a:shade val="15000"/>
+            </a:schemeClr>
+          </a:lnRef>
+          <a:fillRef idx="1">
+            <a:schemeClr val="accent1"/>
+          </a:fillRef>
+          <a:effectRef idx="0">
+            <a:schemeClr val="accent1"/>
+          </a:effectRef>
+          <a:fontRef idx="minor">
+            <a:schemeClr val="lt1"/>
+          </a:fontRef>
+        </p:style>
+        <p:txBody>
+          <a:bodyPr rtlCol="0" anchor="ctr"/>
+          <a:lstStyle/>
+          <a:p>
+            <a:pPr algn="ctr"/>
+            <a:r>
+              <a:rPr lang="en-US" sz="1350" dirty="0" err="1"/>
+              <a:t>PelvisR</a:t>
+            </a:r>
+            <a:endParaRPr lang="en-US" sz="1350" dirty="0"/>
+          </a:p>
+        </p:txBody>
+      </p:sp>
+      <p:sp>
+        <p:nvSpPr>
+          <p:cNvPr id="37" name="Rectangle 36">
+            <a:extLst>
+              <a:ext uri="{FF2B5EF4-FFF2-40B4-BE49-F238E27FC236}">
+                <a16:creationId xmlns:a16="http://schemas.microsoft.com/office/drawing/2014/main" id="{E112399F-5F42-F658-C92C-25CE696E395E}"/>
+              </a:ext>
+            </a:extLst>
+          </p:cNvPr>
+          <p:cNvSpPr/>
+          <p:nvPr/>
+        </p:nvSpPr>
+        <p:spPr>
+          <a:xfrm>
+            <a:off x="9142330" y="2865966"/>
+            <a:ext cx="626165" cy="303144"/>
+          </a:xfrm>
+          <a:prstGeom prst="rect">
+            <a:avLst/>
+          </a:prstGeom>
+        </p:spPr>
+        <p:style>
+          <a:lnRef idx="2">
+            <a:schemeClr val="accent4">
+              <a:shade val="15000"/>
+            </a:schemeClr>
+          </a:lnRef>
+          <a:fillRef idx="1">
+            <a:schemeClr val="accent4"/>
+          </a:fillRef>
+          <a:effectRef idx="0">
+            <a:schemeClr val="accent4"/>
+          </a:effectRef>
+          <a:fontRef idx="minor">
+            <a:schemeClr val="lt1"/>
+          </a:fontRef>
+        </p:style>
+        <p:txBody>
+          <a:bodyPr rtlCol="0" anchor="ctr"/>
+          <a:lstStyle/>
+          <a:p>
+            <a:pPr algn="ctr"/>
+            <a:r>
+              <a:rPr lang="en-US" sz="1350" dirty="0"/>
+              <a:t>SR</a:t>
+            </a:r>
+          </a:p>
+        </p:txBody>
+      </p:sp>
+      <p:sp>
+        <p:nvSpPr>
+          <p:cNvPr id="38" name="Triangle 37">
+            <a:extLst>
+              <a:ext uri="{FF2B5EF4-FFF2-40B4-BE49-F238E27FC236}">
+                <a16:creationId xmlns:a16="http://schemas.microsoft.com/office/drawing/2014/main" id="{D4703732-F38C-0B67-5520-6CD35B6A80B8}"/>
+              </a:ext>
+            </a:extLst>
+          </p:cNvPr>
+          <p:cNvSpPr/>
+          <p:nvPr/>
+        </p:nvSpPr>
+        <p:spPr>
+          <a:xfrm>
+            <a:off x="8891088" y="3288767"/>
+            <a:ext cx="1290996" cy="426140"/>
+          </a:xfrm>
+          <a:prstGeom prst="triangle">
+            <a:avLst/>
+          </a:prstGeom>
+        </p:spPr>
+        <p:style>
+          <a:lnRef idx="2">
+            <a:schemeClr val="dk1">
+              <a:shade val="15000"/>
+            </a:schemeClr>
+          </a:lnRef>
+          <a:fillRef idx="1">
+            <a:schemeClr val="dk1"/>
+          </a:fillRef>
+          <a:effectRef idx="0">
+            <a:schemeClr val="dk1"/>
+          </a:effectRef>
+          <a:fontRef idx="minor">
+            <a:schemeClr val="lt1"/>
+          </a:fontRef>
+        </p:style>
+        <p:txBody>
+          <a:bodyPr rtlCol="0" anchor="ctr"/>
+          <a:lstStyle/>
+          <a:p>
+            <a:pPr algn="ctr"/>
+            <a:r>
+              <a:rPr lang="en-US" sz="1350" dirty="0"/>
+              <a:t>Cube</a:t>
+            </a:r>
+          </a:p>
+        </p:txBody>
+      </p:sp>
+      <p:sp>
+        <p:nvSpPr>
+          <p:cNvPr id="39" name="TextBox 38">
+            <a:extLst>
+              <a:ext uri="{FF2B5EF4-FFF2-40B4-BE49-F238E27FC236}">
+                <a16:creationId xmlns:a16="http://schemas.microsoft.com/office/drawing/2014/main" id="{421D1C20-85BC-06D0-981B-6572320197B8}"/>
+              </a:ext>
+            </a:extLst>
+          </p:cNvPr>
+          <p:cNvSpPr txBox="1"/>
+          <p:nvPr/>
+        </p:nvSpPr>
+        <p:spPr>
+          <a:xfrm>
+            <a:off x="9031126" y="3792847"/>
+            <a:ext cx="993302" cy="300082"/>
+          </a:xfrm>
+          <a:prstGeom prst="rect">
+            <a:avLst/>
+          </a:prstGeom>
+          <a:noFill/>
+        </p:spPr>
+        <p:txBody>
+          <a:bodyPr wrap="square" rtlCol="0">
+            <a:spAutoFit/>
+          </a:bodyPr>
+          <a:lstStyle/>
+          <a:p>
+            <a:r>
+              <a:rPr lang="en-US" sz="1350" dirty="0"/>
+              <a:t>Upper </a:t>
+            </a:r>
+            <a:r>
+              <a:rPr lang="en-US" sz="1350" dirty="0" err="1"/>
+              <a:t>legR</a:t>
+            </a:r>
+            <a:endParaRPr lang="en-US" sz="1350" dirty="0"/>
+          </a:p>
+        </p:txBody>
+      </p:sp>
+      <p:sp>
+        <p:nvSpPr>
+          <p:cNvPr id="40" name="Rectangle 39">
+            <a:extLst>
+              <a:ext uri="{FF2B5EF4-FFF2-40B4-BE49-F238E27FC236}">
+                <a16:creationId xmlns:a16="http://schemas.microsoft.com/office/drawing/2014/main" id="{E92A359D-1583-A999-77AF-F55A43ACC023}"/>
+              </a:ext>
+            </a:extLst>
+          </p:cNvPr>
+          <p:cNvSpPr/>
+          <p:nvPr/>
+        </p:nvSpPr>
+        <p:spPr>
+          <a:xfrm>
+            <a:off x="7632453" y="3914971"/>
+            <a:ext cx="626165" cy="303144"/>
+          </a:xfrm>
+          <a:prstGeom prst="rect">
+            <a:avLst/>
+          </a:prstGeom>
+        </p:spPr>
+        <p:style>
+          <a:lnRef idx="2">
+            <a:schemeClr val="accent4">
+              <a:shade val="15000"/>
+            </a:schemeClr>
+          </a:lnRef>
+          <a:fillRef idx="1">
+            <a:schemeClr val="accent4"/>
+          </a:fillRef>
+          <a:effectRef idx="0">
+            <a:schemeClr val="accent4"/>
+          </a:effectRef>
+          <a:fontRef idx="minor">
+            <a:schemeClr val="lt1"/>
+          </a:fontRef>
+        </p:style>
+        <p:txBody>
+          <a:bodyPr rtlCol="0" anchor="ctr"/>
+          <a:lstStyle/>
+          <a:p>
+            <a:pPr algn="ctr"/>
+            <a:r>
+              <a:rPr lang="en-US" sz="1350" dirty="0"/>
+              <a:t>TSR</a:t>
+            </a:r>
+          </a:p>
+        </p:txBody>
+      </p:sp>
+      <p:sp>
+        <p:nvSpPr>
+          <p:cNvPr id="41" name="Triangle 40">
+            <a:extLst>
+              <a:ext uri="{FF2B5EF4-FFF2-40B4-BE49-F238E27FC236}">
+                <a16:creationId xmlns:a16="http://schemas.microsoft.com/office/drawing/2014/main" id="{76E1A160-CF08-466B-3D5B-F9156F5E1849}"/>
+              </a:ext>
+            </a:extLst>
+          </p:cNvPr>
+          <p:cNvSpPr/>
+          <p:nvPr/>
+        </p:nvSpPr>
+        <p:spPr>
+          <a:xfrm>
+            <a:off x="7271548" y="4465605"/>
+            <a:ext cx="1333482" cy="426140"/>
+          </a:xfrm>
+          <a:prstGeom prst="triangle">
+            <a:avLst/>
+          </a:prstGeom>
+        </p:spPr>
+        <p:style>
+          <a:lnRef idx="2">
+            <a:schemeClr val="dk1">
+              <a:shade val="15000"/>
+            </a:schemeClr>
+          </a:lnRef>
+          <a:fillRef idx="1">
+            <a:schemeClr val="dk1"/>
+          </a:fillRef>
+          <a:effectRef idx="0">
+            <a:schemeClr val="dk1"/>
+          </a:effectRef>
+          <a:fontRef idx="minor">
+            <a:schemeClr val="lt1"/>
+          </a:fontRef>
+        </p:style>
+        <p:txBody>
+          <a:bodyPr rtlCol="0" anchor="ctr"/>
+          <a:lstStyle/>
+          <a:p>
+            <a:pPr algn="ctr"/>
+            <a:r>
+              <a:rPr lang="en-US" sz="1350" dirty="0"/>
+              <a:t>Cube</a:t>
+            </a:r>
+          </a:p>
+        </p:txBody>
+      </p:sp>
+      <p:sp>
+        <p:nvSpPr>
+          <p:cNvPr id="42" name="TextBox 41">
+            <a:extLst>
+              <a:ext uri="{FF2B5EF4-FFF2-40B4-BE49-F238E27FC236}">
+                <a16:creationId xmlns:a16="http://schemas.microsoft.com/office/drawing/2014/main" id="{0F990275-72A5-35D2-F037-9D4410CADBB2}"/>
+              </a:ext>
+            </a:extLst>
+          </p:cNvPr>
+          <p:cNvSpPr txBox="1"/>
+          <p:nvPr/>
+        </p:nvSpPr>
+        <p:spPr>
+          <a:xfrm>
+            <a:off x="7505167" y="4871786"/>
+            <a:ext cx="965841" cy="300082"/>
+          </a:xfrm>
+          <a:prstGeom prst="rect">
+            <a:avLst/>
+          </a:prstGeom>
+          <a:noFill/>
+        </p:spPr>
+        <p:txBody>
+          <a:bodyPr wrap="square" rtlCol="0">
+            <a:spAutoFit/>
+          </a:bodyPr>
+          <a:lstStyle/>
+          <a:p>
+            <a:r>
+              <a:rPr lang="en-US" sz="1350" dirty="0"/>
+              <a:t>Lower </a:t>
+            </a:r>
+            <a:r>
+              <a:rPr lang="en-US" sz="1350" dirty="0" err="1"/>
+              <a:t>legL</a:t>
+            </a:r>
+            <a:endParaRPr lang="en-US" sz="1350" dirty="0"/>
+          </a:p>
+        </p:txBody>
+      </p:sp>
+      <p:sp>
+        <p:nvSpPr>
+          <p:cNvPr id="43" name="Rectangle 42">
+            <a:extLst>
+              <a:ext uri="{FF2B5EF4-FFF2-40B4-BE49-F238E27FC236}">
+                <a16:creationId xmlns:a16="http://schemas.microsoft.com/office/drawing/2014/main" id="{AA2DE15E-494E-0E85-FE19-C82539717D31}"/>
+              </a:ext>
+            </a:extLst>
+          </p:cNvPr>
+          <p:cNvSpPr/>
+          <p:nvPr/>
+        </p:nvSpPr>
+        <p:spPr>
+          <a:xfrm>
+            <a:off x="6276190" y="2902946"/>
+            <a:ext cx="626165" cy="303144"/>
+          </a:xfrm>
+          <a:prstGeom prst="rect">
+            <a:avLst/>
+          </a:prstGeom>
+        </p:spPr>
+        <p:style>
+          <a:lnRef idx="2">
+            <a:schemeClr val="accent4">
+              <a:shade val="15000"/>
+            </a:schemeClr>
+          </a:lnRef>
+          <a:fillRef idx="1">
+            <a:schemeClr val="accent4"/>
+          </a:fillRef>
+          <a:effectRef idx="0">
+            <a:schemeClr val="accent4"/>
+          </a:effectRef>
+          <a:fontRef idx="minor">
+            <a:schemeClr val="lt1"/>
+          </a:fontRef>
+        </p:style>
+        <p:txBody>
+          <a:bodyPr rtlCol="0" anchor="ctr"/>
+          <a:lstStyle/>
+          <a:p>
+            <a:pPr algn="ctr"/>
+            <a:r>
+              <a:rPr lang="en-US" sz="1350" dirty="0"/>
+              <a:t>SR</a:t>
+            </a:r>
+          </a:p>
+        </p:txBody>
+      </p:sp>
+      <p:sp>
+        <p:nvSpPr>
+          <p:cNvPr id="44" name="Triangle 43">
+            <a:extLst>
+              <a:ext uri="{FF2B5EF4-FFF2-40B4-BE49-F238E27FC236}">
+                <a16:creationId xmlns:a16="http://schemas.microsoft.com/office/drawing/2014/main" id="{7E6DD434-441C-1B43-BDA4-500294EAF798}"/>
+              </a:ext>
+            </a:extLst>
+          </p:cNvPr>
+          <p:cNvSpPr/>
+          <p:nvPr/>
+        </p:nvSpPr>
+        <p:spPr>
+          <a:xfrm>
+            <a:off x="6100999" y="3341321"/>
+            <a:ext cx="1314896" cy="426140"/>
+          </a:xfrm>
+          <a:prstGeom prst="triangle">
+            <a:avLst/>
+          </a:prstGeom>
+        </p:spPr>
+        <p:style>
+          <a:lnRef idx="2">
+            <a:schemeClr val="dk1">
+              <a:shade val="15000"/>
+            </a:schemeClr>
+          </a:lnRef>
+          <a:fillRef idx="1">
+            <a:schemeClr val="dk1"/>
+          </a:fillRef>
+          <a:effectRef idx="0">
+            <a:schemeClr val="dk1"/>
+          </a:effectRef>
+          <a:fontRef idx="minor">
+            <a:schemeClr val="lt1"/>
+          </a:fontRef>
+        </p:style>
+        <p:txBody>
+          <a:bodyPr rtlCol="0" anchor="ctr"/>
+          <a:lstStyle/>
+          <a:p>
+            <a:pPr algn="ctr"/>
+            <a:r>
+              <a:rPr lang="en-US" sz="1350" dirty="0"/>
+              <a:t>Cube</a:t>
+            </a:r>
+          </a:p>
+        </p:txBody>
+      </p:sp>
+      <p:sp>
+        <p:nvSpPr>
+          <p:cNvPr id="45" name="TextBox 44">
+            <a:extLst>
+              <a:ext uri="{FF2B5EF4-FFF2-40B4-BE49-F238E27FC236}">
+                <a16:creationId xmlns:a16="http://schemas.microsoft.com/office/drawing/2014/main" id="{8F26DB85-11C0-B346-2A0E-E88AC862205B}"/>
+              </a:ext>
+            </a:extLst>
+          </p:cNvPr>
+          <p:cNvSpPr txBox="1"/>
+          <p:nvPr/>
+        </p:nvSpPr>
+        <p:spPr>
+          <a:xfrm>
+            <a:off x="6262452" y="3798824"/>
+            <a:ext cx="972863" cy="300082"/>
+          </a:xfrm>
+          <a:prstGeom prst="rect">
+            <a:avLst/>
+          </a:prstGeom>
+          <a:noFill/>
+        </p:spPr>
+        <p:txBody>
+          <a:bodyPr wrap="square" rtlCol="0">
+            <a:spAutoFit/>
+          </a:bodyPr>
+          <a:lstStyle/>
+          <a:p>
+            <a:r>
+              <a:rPr lang="en-US" sz="1350" dirty="0"/>
+              <a:t>Upper </a:t>
+            </a:r>
+            <a:r>
+              <a:rPr lang="en-US" sz="1350" dirty="0" err="1"/>
+              <a:t>legL</a:t>
+            </a:r>
+            <a:endParaRPr lang="en-US" sz="1350" dirty="0"/>
+          </a:p>
+        </p:txBody>
+      </p:sp>
+      <p:sp>
+        <p:nvSpPr>
+          <p:cNvPr id="49" name="Rectangle 48">
+            <a:extLst>
+              <a:ext uri="{FF2B5EF4-FFF2-40B4-BE49-F238E27FC236}">
+                <a16:creationId xmlns:a16="http://schemas.microsoft.com/office/drawing/2014/main" id="{0AEC6E7D-EDFF-DCF9-36B6-7F1FE5F4747F}"/>
+              </a:ext>
+            </a:extLst>
+          </p:cNvPr>
+          <p:cNvSpPr/>
+          <p:nvPr/>
+        </p:nvSpPr>
+        <p:spPr>
+          <a:xfrm>
+            <a:off x="10413993" y="2872800"/>
+            <a:ext cx="626165" cy="303144"/>
+          </a:xfrm>
+          <a:prstGeom prst="rect">
+            <a:avLst/>
+          </a:prstGeom>
+        </p:spPr>
+        <p:style>
+          <a:lnRef idx="2">
+            <a:schemeClr val="accent4">
+              <a:shade val="15000"/>
+            </a:schemeClr>
+          </a:lnRef>
+          <a:fillRef idx="1">
+            <a:schemeClr val="accent4"/>
+          </a:fillRef>
+          <a:effectRef idx="0">
+            <a:schemeClr val="accent4"/>
+          </a:effectRef>
+          <a:fontRef idx="minor">
+            <a:schemeClr val="lt1"/>
+          </a:fontRef>
+        </p:style>
+        <p:txBody>
+          <a:bodyPr rtlCol="0" anchor="ctr"/>
+          <a:lstStyle/>
+          <a:p>
+            <a:pPr algn="ctr"/>
+            <a:r>
+              <a:rPr lang="en-US" sz="1350" dirty="0"/>
+              <a:t>TSR</a:t>
+            </a:r>
+          </a:p>
+        </p:txBody>
+      </p:sp>
+      <p:sp>
+        <p:nvSpPr>
+          <p:cNvPr id="50" name="Triangle 49">
+            <a:extLst>
+              <a:ext uri="{FF2B5EF4-FFF2-40B4-BE49-F238E27FC236}">
+                <a16:creationId xmlns:a16="http://schemas.microsoft.com/office/drawing/2014/main" id="{145F9B5D-1973-3CC6-0896-52C9D0D62922}"/>
+              </a:ext>
+            </a:extLst>
+          </p:cNvPr>
+          <p:cNvSpPr/>
+          <p:nvPr/>
+        </p:nvSpPr>
+        <p:spPr>
+          <a:xfrm>
+            <a:off x="10033742" y="4457487"/>
+            <a:ext cx="1291716" cy="426140"/>
+          </a:xfrm>
+          <a:prstGeom prst="triangle">
+            <a:avLst/>
+          </a:prstGeom>
+        </p:spPr>
+        <p:style>
+          <a:lnRef idx="2">
+            <a:schemeClr val="dk1">
+              <a:shade val="15000"/>
+            </a:schemeClr>
+          </a:lnRef>
+          <a:fillRef idx="1">
+            <a:schemeClr val="dk1"/>
+          </a:fillRef>
+          <a:effectRef idx="0">
+            <a:schemeClr val="dk1"/>
+          </a:effectRef>
+          <a:fontRef idx="minor">
+            <a:schemeClr val="lt1"/>
+          </a:fontRef>
+        </p:style>
+        <p:txBody>
+          <a:bodyPr rtlCol="0" anchor="ctr"/>
+          <a:lstStyle/>
+          <a:p>
+            <a:pPr algn="ctr"/>
+            <a:r>
+              <a:rPr lang="en-US" sz="1350" dirty="0"/>
+              <a:t>Cube</a:t>
+            </a:r>
+          </a:p>
+        </p:txBody>
+      </p:sp>
+      <p:sp>
+        <p:nvSpPr>
+          <p:cNvPr id="51" name="TextBox 50">
+            <a:extLst>
+              <a:ext uri="{FF2B5EF4-FFF2-40B4-BE49-F238E27FC236}">
+                <a16:creationId xmlns:a16="http://schemas.microsoft.com/office/drawing/2014/main" id="{9B6833F7-237A-CADD-43BF-AB0933283295}"/>
+              </a:ext>
+            </a:extLst>
+          </p:cNvPr>
+          <p:cNvSpPr txBox="1"/>
+          <p:nvPr/>
+        </p:nvSpPr>
+        <p:spPr>
+          <a:xfrm>
+            <a:off x="10299906" y="4883627"/>
+            <a:ext cx="993302" cy="300082"/>
+          </a:xfrm>
+          <a:prstGeom prst="rect">
+            <a:avLst/>
+          </a:prstGeom>
+          <a:noFill/>
+        </p:spPr>
+        <p:txBody>
+          <a:bodyPr wrap="square" rtlCol="0">
+            <a:spAutoFit/>
+          </a:bodyPr>
+          <a:lstStyle/>
+          <a:p>
+            <a:r>
+              <a:rPr lang="en-US" sz="1350" dirty="0" err="1"/>
+              <a:t>LowerlegR</a:t>
+            </a:r>
+            <a:endParaRPr lang="en-US" sz="1350" dirty="0"/>
+          </a:p>
+        </p:txBody>
+      </p:sp>
+      <p:cxnSp>
+        <p:nvCxnSpPr>
+          <p:cNvPr id="53" name="Straight Arrow Connector 52">
+            <a:extLst>
+              <a:ext uri="{FF2B5EF4-FFF2-40B4-BE49-F238E27FC236}">
+                <a16:creationId xmlns:a16="http://schemas.microsoft.com/office/drawing/2014/main" id="{6ABAB0DC-60A4-D33C-DA23-98456657597A}"/>
+              </a:ext>
+            </a:extLst>
+          </p:cNvPr>
+          <p:cNvCxnSpPr>
+            <a:stCxn id="5" idx="4"/>
+            <a:endCxn id="6" idx="0"/>
+          </p:cNvCxnSpPr>
+          <p:nvPr/>
+        </p:nvCxnSpPr>
+        <p:spPr>
+          <a:xfrm>
+            <a:off x="5816448" y="396788"/>
+            <a:ext cx="44730" cy="176549"/>
+          </a:xfrm>
+          <a:prstGeom prst="straightConnector1">
+            <a:avLst/>
+          </a:prstGeom>
+          <a:ln>
+            <a:tailEnd type="triangle"/>
+          </a:ln>
+        </p:spPr>
+        <p:style>
+          <a:lnRef idx="1">
+            <a:schemeClr val="accent1"/>
+          </a:lnRef>
+          <a:fillRef idx="0">
+            <a:schemeClr val="accent1"/>
+          </a:fillRef>
+          <a:effectRef idx="0">
+            <a:schemeClr val="accent1"/>
+          </a:effectRef>
+          <a:fontRef idx="minor">
+            <a:schemeClr val="tx1"/>
+          </a:fontRef>
+        </p:style>
+      </p:cxnSp>
+      <p:cxnSp>
+        <p:nvCxnSpPr>
+          <p:cNvPr id="54" name="Straight Arrow Connector 53">
+            <a:extLst>
+              <a:ext uri="{FF2B5EF4-FFF2-40B4-BE49-F238E27FC236}">
+                <a16:creationId xmlns:a16="http://schemas.microsoft.com/office/drawing/2014/main" id="{732E159F-AC4B-CA06-31D9-C02D157BF544}"/>
+              </a:ext>
+            </a:extLst>
+          </p:cNvPr>
+          <p:cNvCxnSpPr>
+            <a:cxnSpLocks/>
+            <a:stCxn id="6" idx="2"/>
+            <a:endCxn id="7" idx="0"/>
+          </p:cNvCxnSpPr>
+          <p:nvPr/>
+        </p:nvCxnSpPr>
+        <p:spPr>
+          <a:xfrm>
+            <a:off x="5861178" y="876481"/>
+            <a:ext cx="2187" cy="177897"/>
+          </a:xfrm>
+          <a:prstGeom prst="straightConnector1">
+            <a:avLst/>
+          </a:prstGeom>
+          <a:ln>
+            <a:tailEnd type="triangle"/>
+          </a:ln>
+        </p:spPr>
+        <p:style>
+          <a:lnRef idx="1">
+            <a:schemeClr val="accent1"/>
+          </a:lnRef>
+          <a:fillRef idx="0">
+            <a:schemeClr val="accent1"/>
+          </a:fillRef>
+          <a:effectRef idx="0">
+            <a:schemeClr val="accent1"/>
+          </a:effectRef>
+          <a:fontRef idx="minor">
+            <a:schemeClr val="tx1"/>
+          </a:fontRef>
+        </p:style>
+      </p:cxnSp>
+      <p:cxnSp>
+        <p:nvCxnSpPr>
+          <p:cNvPr id="57" name="Straight Arrow Connector 56">
+            <a:extLst>
+              <a:ext uri="{FF2B5EF4-FFF2-40B4-BE49-F238E27FC236}">
+                <a16:creationId xmlns:a16="http://schemas.microsoft.com/office/drawing/2014/main" id="{BF21FB43-7D77-4303-873B-4ACEA6CE8C1B}"/>
+              </a:ext>
+            </a:extLst>
+          </p:cNvPr>
+          <p:cNvCxnSpPr>
+            <a:cxnSpLocks/>
+            <a:stCxn id="7" idx="4"/>
+            <a:endCxn id="8" idx="0"/>
+          </p:cNvCxnSpPr>
+          <p:nvPr/>
+        </p:nvCxnSpPr>
+        <p:spPr>
+          <a:xfrm flipH="1">
+            <a:off x="2217155" y="1357522"/>
+            <a:ext cx="3646210" cy="282699"/>
+          </a:xfrm>
+          <a:prstGeom prst="straightConnector1">
+            <a:avLst/>
+          </a:prstGeom>
+          <a:ln>
+            <a:tailEnd type="triangle"/>
+          </a:ln>
+        </p:spPr>
+        <p:style>
+          <a:lnRef idx="1">
+            <a:schemeClr val="accent1"/>
+          </a:lnRef>
+          <a:fillRef idx="0">
+            <a:schemeClr val="accent1"/>
+          </a:fillRef>
+          <a:effectRef idx="0">
+            <a:schemeClr val="accent1"/>
+          </a:effectRef>
+          <a:fontRef idx="minor">
+            <a:schemeClr val="tx1"/>
+          </a:fontRef>
+        </p:style>
+      </p:cxnSp>
+      <p:cxnSp>
+        <p:nvCxnSpPr>
+          <p:cNvPr id="60" name="Straight Arrow Connector 59">
+            <a:extLst>
+              <a:ext uri="{FF2B5EF4-FFF2-40B4-BE49-F238E27FC236}">
+                <a16:creationId xmlns:a16="http://schemas.microsoft.com/office/drawing/2014/main" id="{DD2BC278-7067-A5A2-55E8-DA5C2F70F212}"/>
+              </a:ext>
+            </a:extLst>
+          </p:cNvPr>
+          <p:cNvCxnSpPr>
+            <a:cxnSpLocks/>
+            <a:stCxn id="7" idx="4"/>
+            <a:endCxn id="10" idx="0"/>
+          </p:cNvCxnSpPr>
+          <p:nvPr/>
+        </p:nvCxnSpPr>
+        <p:spPr>
+          <a:xfrm flipH="1">
+            <a:off x="3234763" y="1357522"/>
+            <a:ext cx="2628602" cy="477881"/>
+          </a:xfrm>
+          <a:prstGeom prst="straightConnector1">
+            <a:avLst/>
+          </a:prstGeom>
+          <a:ln>
+            <a:tailEnd type="triangle"/>
+          </a:ln>
+        </p:spPr>
+        <p:style>
+          <a:lnRef idx="1">
+            <a:schemeClr val="accent1"/>
+          </a:lnRef>
+          <a:fillRef idx="0">
+            <a:schemeClr val="accent1"/>
+          </a:fillRef>
+          <a:effectRef idx="0">
+            <a:schemeClr val="accent1"/>
+          </a:effectRef>
+          <a:fontRef idx="minor">
+            <a:schemeClr val="tx1"/>
+          </a:fontRef>
+        </p:style>
+      </p:cxnSp>
+      <p:cxnSp>
+        <p:nvCxnSpPr>
+          <p:cNvPr id="63" name="Straight Arrow Connector 62">
+            <a:extLst>
+              <a:ext uri="{FF2B5EF4-FFF2-40B4-BE49-F238E27FC236}">
+                <a16:creationId xmlns:a16="http://schemas.microsoft.com/office/drawing/2014/main" id="{141F48DE-1B04-7A9A-64B5-50DBDD47D8EE}"/>
+              </a:ext>
+            </a:extLst>
+          </p:cNvPr>
+          <p:cNvCxnSpPr>
+            <a:cxnSpLocks/>
+            <a:stCxn id="7" idx="4"/>
+            <a:endCxn id="11" idx="0"/>
+          </p:cNvCxnSpPr>
+          <p:nvPr/>
+        </p:nvCxnSpPr>
+        <p:spPr>
+          <a:xfrm flipH="1">
+            <a:off x="4024923" y="1357522"/>
+            <a:ext cx="1838442" cy="477881"/>
+          </a:xfrm>
+          <a:prstGeom prst="straightConnector1">
+            <a:avLst/>
+          </a:prstGeom>
+          <a:ln>
+            <a:tailEnd type="triangle"/>
+          </a:ln>
+        </p:spPr>
+        <p:style>
+          <a:lnRef idx="1">
+            <a:schemeClr val="accent1"/>
+          </a:lnRef>
+          <a:fillRef idx="0">
+            <a:schemeClr val="accent1"/>
+          </a:fillRef>
+          <a:effectRef idx="0">
+            <a:schemeClr val="accent1"/>
+          </a:effectRef>
+          <a:fontRef idx="minor">
+            <a:schemeClr val="tx1"/>
+          </a:fontRef>
+        </p:style>
+      </p:cxnSp>
+      <p:cxnSp>
+        <p:nvCxnSpPr>
+          <p:cNvPr id="69" name="Straight Arrow Connector 68">
+            <a:extLst>
+              <a:ext uri="{FF2B5EF4-FFF2-40B4-BE49-F238E27FC236}">
+                <a16:creationId xmlns:a16="http://schemas.microsoft.com/office/drawing/2014/main" id="{3B13C5D3-734C-A0F7-2FC2-17225D02A08E}"/>
+              </a:ext>
+            </a:extLst>
+          </p:cNvPr>
+          <p:cNvCxnSpPr>
+            <a:cxnSpLocks/>
+            <a:stCxn id="7" idx="4"/>
+            <a:endCxn id="33" idx="0"/>
+          </p:cNvCxnSpPr>
+          <p:nvPr/>
+        </p:nvCxnSpPr>
+        <p:spPr>
+          <a:xfrm>
+            <a:off x="5863365" y="1357522"/>
+            <a:ext cx="285312" cy="536317"/>
+          </a:xfrm>
+          <a:prstGeom prst="straightConnector1">
+            <a:avLst/>
+          </a:prstGeom>
+          <a:ln>
+            <a:tailEnd type="triangle"/>
+          </a:ln>
+        </p:spPr>
+        <p:style>
+          <a:lnRef idx="1">
+            <a:schemeClr val="accent1"/>
+          </a:lnRef>
+          <a:fillRef idx="0">
+            <a:schemeClr val="accent1"/>
+          </a:fillRef>
+          <a:effectRef idx="0">
+            <a:schemeClr val="accent1"/>
+          </a:effectRef>
+          <a:fontRef idx="minor">
+            <a:schemeClr val="tx1"/>
+          </a:fontRef>
+        </p:style>
+      </p:cxnSp>
+      <p:cxnSp>
+        <p:nvCxnSpPr>
+          <p:cNvPr id="72" name="Straight Arrow Connector 71">
+            <a:extLst>
+              <a:ext uri="{FF2B5EF4-FFF2-40B4-BE49-F238E27FC236}">
+                <a16:creationId xmlns:a16="http://schemas.microsoft.com/office/drawing/2014/main" id="{835A3B1E-4221-74A3-309F-6159BF96A47D}"/>
+              </a:ext>
+            </a:extLst>
+          </p:cNvPr>
+          <p:cNvCxnSpPr>
+            <a:cxnSpLocks/>
+            <a:stCxn id="7" idx="4"/>
+            <a:endCxn id="34" idx="0"/>
+          </p:cNvCxnSpPr>
+          <p:nvPr/>
+        </p:nvCxnSpPr>
+        <p:spPr>
+          <a:xfrm>
+            <a:off x="5863365" y="1357522"/>
+            <a:ext cx="3480844" cy="398076"/>
+          </a:xfrm>
+          <a:prstGeom prst="straightConnector1">
+            <a:avLst/>
+          </a:prstGeom>
+          <a:ln>
+            <a:tailEnd type="triangle"/>
+          </a:ln>
+        </p:spPr>
+        <p:style>
+          <a:lnRef idx="1">
+            <a:schemeClr val="accent1"/>
+          </a:lnRef>
+          <a:fillRef idx="0">
+            <a:schemeClr val="accent1"/>
+          </a:fillRef>
+          <a:effectRef idx="0">
+            <a:schemeClr val="accent1"/>
+          </a:effectRef>
+          <a:fontRef idx="minor">
+            <a:schemeClr val="tx1"/>
+          </a:fontRef>
+        </p:style>
+      </p:cxnSp>
+      <p:cxnSp>
+        <p:nvCxnSpPr>
+          <p:cNvPr id="78" name="Straight Arrow Connector 77">
+            <a:extLst>
+              <a:ext uri="{FF2B5EF4-FFF2-40B4-BE49-F238E27FC236}">
+                <a16:creationId xmlns:a16="http://schemas.microsoft.com/office/drawing/2014/main" id="{B209AA08-CC48-733F-668F-DB9F6C429C66}"/>
+              </a:ext>
+            </a:extLst>
+          </p:cNvPr>
+          <p:cNvCxnSpPr>
+            <a:cxnSpLocks/>
+            <a:stCxn id="10" idx="2"/>
+            <a:endCxn id="12" idx="0"/>
+          </p:cNvCxnSpPr>
+          <p:nvPr/>
+        </p:nvCxnSpPr>
+        <p:spPr>
+          <a:xfrm flipH="1">
+            <a:off x="3178856" y="2138547"/>
+            <a:ext cx="55907" cy="257797"/>
+          </a:xfrm>
+          <a:prstGeom prst="straightConnector1">
+            <a:avLst/>
+          </a:prstGeom>
+          <a:ln>
+            <a:tailEnd type="triangle"/>
+          </a:ln>
+        </p:spPr>
+        <p:style>
+          <a:lnRef idx="1">
+            <a:schemeClr val="accent1"/>
+          </a:lnRef>
+          <a:fillRef idx="0">
+            <a:schemeClr val="accent1"/>
+          </a:fillRef>
+          <a:effectRef idx="0">
+            <a:schemeClr val="accent1"/>
+          </a:effectRef>
+          <a:fontRef idx="minor">
+            <a:schemeClr val="tx1"/>
+          </a:fontRef>
+        </p:style>
+      </p:cxnSp>
+      <p:cxnSp>
+        <p:nvCxnSpPr>
+          <p:cNvPr id="81" name="Straight Arrow Connector 80">
+            <a:extLst>
+              <a:ext uri="{FF2B5EF4-FFF2-40B4-BE49-F238E27FC236}">
+                <a16:creationId xmlns:a16="http://schemas.microsoft.com/office/drawing/2014/main" id="{C25D9C26-B92D-1DD2-AAA4-C43AB8C271DB}"/>
+              </a:ext>
+            </a:extLst>
+          </p:cNvPr>
+          <p:cNvCxnSpPr>
+            <a:cxnSpLocks/>
+            <a:stCxn id="12" idx="4"/>
+            <a:endCxn id="14" idx="0"/>
+          </p:cNvCxnSpPr>
+          <p:nvPr/>
+        </p:nvCxnSpPr>
+        <p:spPr>
+          <a:xfrm flipH="1">
+            <a:off x="1748874" y="2699488"/>
+            <a:ext cx="1429982" cy="288910"/>
+          </a:xfrm>
+          <a:prstGeom prst="straightConnector1">
+            <a:avLst/>
+          </a:prstGeom>
+          <a:ln>
+            <a:tailEnd type="triangle"/>
+          </a:ln>
+        </p:spPr>
+        <p:style>
+          <a:lnRef idx="1">
+            <a:schemeClr val="accent1"/>
+          </a:lnRef>
+          <a:fillRef idx="0">
+            <a:schemeClr val="accent1"/>
+          </a:fillRef>
+          <a:effectRef idx="0">
+            <a:schemeClr val="accent1"/>
+          </a:effectRef>
+          <a:fontRef idx="minor">
+            <a:schemeClr val="tx1"/>
+          </a:fontRef>
+        </p:style>
+      </p:cxnSp>
+      <p:cxnSp>
+        <p:nvCxnSpPr>
+          <p:cNvPr id="85" name="Straight Arrow Connector 84">
+            <a:extLst>
+              <a:ext uri="{FF2B5EF4-FFF2-40B4-BE49-F238E27FC236}">
+                <a16:creationId xmlns:a16="http://schemas.microsoft.com/office/drawing/2014/main" id="{9C801EE0-EF03-B814-4C97-0995D95CCA2B}"/>
+              </a:ext>
+            </a:extLst>
+          </p:cNvPr>
+          <p:cNvCxnSpPr>
+            <a:cxnSpLocks/>
+            <a:stCxn id="186" idx="4"/>
+            <a:endCxn id="21" idx="0"/>
+          </p:cNvCxnSpPr>
+          <p:nvPr/>
+        </p:nvCxnSpPr>
+        <p:spPr>
+          <a:xfrm flipH="1">
+            <a:off x="2921680" y="3906842"/>
+            <a:ext cx="13232" cy="308107"/>
+          </a:xfrm>
+          <a:prstGeom prst="straightConnector1">
+            <a:avLst/>
+          </a:prstGeom>
+          <a:ln>
+            <a:tailEnd type="triangle"/>
+          </a:ln>
+        </p:spPr>
+        <p:style>
+          <a:lnRef idx="1">
+            <a:schemeClr val="accent1"/>
+          </a:lnRef>
+          <a:fillRef idx="0">
+            <a:schemeClr val="accent1"/>
+          </a:fillRef>
+          <a:effectRef idx="0">
+            <a:schemeClr val="accent1"/>
+          </a:effectRef>
+          <a:fontRef idx="minor">
+            <a:schemeClr val="tx1"/>
+          </a:fontRef>
+        </p:style>
+      </p:cxnSp>
+      <p:cxnSp>
+        <p:nvCxnSpPr>
+          <p:cNvPr id="88" name="Straight Arrow Connector 87">
+            <a:extLst>
+              <a:ext uri="{FF2B5EF4-FFF2-40B4-BE49-F238E27FC236}">
+                <a16:creationId xmlns:a16="http://schemas.microsoft.com/office/drawing/2014/main" id="{06C4EB8B-5CF2-C68B-D8EC-7BAA05BC8F11}"/>
+              </a:ext>
+            </a:extLst>
+          </p:cNvPr>
+          <p:cNvCxnSpPr>
+            <a:cxnSpLocks/>
+            <a:stCxn id="14" idx="2"/>
+            <a:endCxn id="16" idx="0"/>
+          </p:cNvCxnSpPr>
+          <p:nvPr/>
+        </p:nvCxnSpPr>
+        <p:spPr>
+          <a:xfrm flipH="1">
+            <a:off x="1565671" y="3291542"/>
+            <a:ext cx="183203" cy="48502"/>
+          </a:xfrm>
+          <a:prstGeom prst="straightConnector1">
+            <a:avLst/>
+          </a:prstGeom>
+          <a:ln>
+            <a:tailEnd type="triangle"/>
+          </a:ln>
+        </p:spPr>
+        <p:style>
+          <a:lnRef idx="1">
+            <a:schemeClr val="accent1"/>
+          </a:lnRef>
+          <a:fillRef idx="0">
+            <a:schemeClr val="accent1"/>
+          </a:fillRef>
+          <a:effectRef idx="0">
+            <a:schemeClr val="accent1"/>
+          </a:effectRef>
+          <a:fontRef idx="minor">
+            <a:schemeClr val="tx1"/>
+          </a:fontRef>
+        </p:style>
+      </p:cxnSp>
+      <p:cxnSp>
+        <p:nvCxnSpPr>
+          <p:cNvPr id="91" name="Straight Arrow Connector 90">
+            <a:extLst>
+              <a:ext uri="{FF2B5EF4-FFF2-40B4-BE49-F238E27FC236}">
+                <a16:creationId xmlns:a16="http://schemas.microsoft.com/office/drawing/2014/main" id="{468538BA-3422-B9DA-5EAA-DBB3AAE68BA7}"/>
+              </a:ext>
+            </a:extLst>
+          </p:cNvPr>
+          <p:cNvCxnSpPr>
+            <a:cxnSpLocks/>
+            <a:stCxn id="21" idx="2"/>
+            <a:endCxn id="23" idx="0"/>
+          </p:cNvCxnSpPr>
+          <p:nvPr/>
+        </p:nvCxnSpPr>
+        <p:spPr>
+          <a:xfrm>
+            <a:off x="2921680" y="4518093"/>
+            <a:ext cx="103354" cy="195488"/>
+          </a:xfrm>
+          <a:prstGeom prst="straightConnector1">
+            <a:avLst/>
+          </a:prstGeom>
+          <a:ln>
+            <a:tailEnd type="triangle"/>
+          </a:ln>
+        </p:spPr>
+        <p:style>
+          <a:lnRef idx="1">
+            <a:schemeClr val="accent1"/>
+          </a:lnRef>
+          <a:fillRef idx="0">
+            <a:schemeClr val="accent1"/>
+          </a:fillRef>
+          <a:effectRef idx="0">
+            <a:schemeClr val="accent1"/>
+          </a:effectRef>
+          <a:fontRef idx="minor">
+            <a:schemeClr val="tx1"/>
+          </a:fontRef>
+        </p:style>
+      </p:cxnSp>
+      <p:cxnSp>
+        <p:nvCxnSpPr>
+          <p:cNvPr id="94" name="Straight Arrow Connector 93">
+            <a:extLst>
+              <a:ext uri="{FF2B5EF4-FFF2-40B4-BE49-F238E27FC236}">
+                <a16:creationId xmlns:a16="http://schemas.microsoft.com/office/drawing/2014/main" id="{D8C2180F-B88E-3DAD-07B6-D81866DDD0E7}"/>
+              </a:ext>
+            </a:extLst>
+          </p:cNvPr>
+          <p:cNvCxnSpPr>
+            <a:cxnSpLocks/>
+            <a:stCxn id="11" idx="2"/>
+            <a:endCxn id="13" idx="0"/>
+          </p:cNvCxnSpPr>
+          <p:nvPr/>
+        </p:nvCxnSpPr>
+        <p:spPr>
+          <a:xfrm>
+            <a:off x="4024923" y="2138547"/>
+            <a:ext cx="408747" cy="204995"/>
+          </a:xfrm>
+          <a:prstGeom prst="straightConnector1">
+            <a:avLst/>
+          </a:prstGeom>
+          <a:ln>
+            <a:tailEnd type="triangle"/>
+          </a:ln>
+        </p:spPr>
+        <p:style>
+          <a:lnRef idx="1">
+            <a:schemeClr val="accent1"/>
+          </a:lnRef>
+          <a:fillRef idx="0">
+            <a:schemeClr val="accent1"/>
+          </a:fillRef>
+          <a:effectRef idx="0">
+            <a:schemeClr val="accent1"/>
+          </a:effectRef>
+          <a:fontRef idx="minor">
+            <a:schemeClr val="tx1"/>
+          </a:fontRef>
+        </p:style>
+      </p:cxnSp>
+      <p:cxnSp>
+        <p:nvCxnSpPr>
+          <p:cNvPr id="97" name="Straight Arrow Connector 96">
+            <a:extLst>
+              <a:ext uri="{FF2B5EF4-FFF2-40B4-BE49-F238E27FC236}">
+                <a16:creationId xmlns:a16="http://schemas.microsoft.com/office/drawing/2014/main" id="{731B039D-6D1C-4851-8A50-8909506073DA}"/>
+              </a:ext>
+            </a:extLst>
+          </p:cNvPr>
+          <p:cNvCxnSpPr>
+            <a:cxnSpLocks/>
+            <a:stCxn id="13" idx="4"/>
+            <a:endCxn id="15" idx="0"/>
+          </p:cNvCxnSpPr>
+          <p:nvPr/>
+        </p:nvCxnSpPr>
+        <p:spPr>
+          <a:xfrm flipH="1">
+            <a:off x="4040436" y="2646686"/>
+            <a:ext cx="393234" cy="276099"/>
+          </a:xfrm>
+          <a:prstGeom prst="straightConnector1">
+            <a:avLst/>
+          </a:prstGeom>
+          <a:ln>
+            <a:tailEnd type="triangle"/>
+          </a:ln>
+        </p:spPr>
+        <p:style>
+          <a:lnRef idx="1">
+            <a:schemeClr val="accent1"/>
+          </a:lnRef>
+          <a:fillRef idx="0">
+            <a:schemeClr val="accent1"/>
+          </a:fillRef>
+          <a:effectRef idx="0">
+            <a:schemeClr val="accent1"/>
+          </a:effectRef>
+          <a:fontRef idx="minor">
+            <a:schemeClr val="tx1"/>
+          </a:fontRef>
+        </p:style>
+      </p:cxnSp>
+      <p:cxnSp>
+        <p:nvCxnSpPr>
+          <p:cNvPr id="100" name="Straight Arrow Connector 99">
+            <a:extLst>
+              <a:ext uri="{FF2B5EF4-FFF2-40B4-BE49-F238E27FC236}">
+                <a16:creationId xmlns:a16="http://schemas.microsoft.com/office/drawing/2014/main" id="{69407BAF-6508-0DD7-CC79-6E7AE8595E90}"/>
+              </a:ext>
+            </a:extLst>
+          </p:cNvPr>
+          <p:cNvCxnSpPr>
+            <a:cxnSpLocks/>
+            <a:stCxn id="15" idx="2"/>
+            <a:endCxn id="17" idx="0"/>
+          </p:cNvCxnSpPr>
+          <p:nvPr/>
+        </p:nvCxnSpPr>
+        <p:spPr>
+          <a:xfrm>
+            <a:off x="4040436" y="3225929"/>
+            <a:ext cx="69606" cy="262902"/>
+          </a:xfrm>
+          <a:prstGeom prst="straightConnector1">
+            <a:avLst/>
+          </a:prstGeom>
+          <a:ln>
+            <a:tailEnd type="triangle"/>
+          </a:ln>
+        </p:spPr>
+        <p:style>
+          <a:lnRef idx="1">
+            <a:schemeClr val="accent1"/>
+          </a:lnRef>
+          <a:fillRef idx="0">
+            <a:schemeClr val="accent1"/>
+          </a:fillRef>
+          <a:effectRef idx="0">
+            <a:schemeClr val="accent1"/>
+          </a:effectRef>
+          <a:fontRef idx="minor">
+            <a:schemeClr val="tx1"/>
+          </a:fontRef>
+        </p:style>
+      </p:cxnSp>
+      <p:cxnSp>
+        <p:nvCxnSpPr>
+          <p:cNvPr id="109" name="Straight Arrow Connector 108">
+            <a:extLst>
+              <a:ext uri="{FF2B5EF4-FFF2-40B4-BE49-F238E27FC236}">
+                <a16:creationId xmlns:a16="http://schemas.microsoft.com/office/drawing/2014/main" id="{EE1BEF89-5900-6ACF-0B51-254300F3C8AB}"/>
+              </a:ext>
+            </a:extLst>
+          </p:cNvPr>
+          <p:cNvCxnSpPr>
+            <a:cxnSpLocks/>
+            <a:stCxn id="197" idx="4"/>
+            <a:endCxn id="22" idx="0"/>
+          </p:cNvCxnSpPr>
+          <p:nvPr/>
+        </p:nvCxnSpPr>
+        <p:spPr>
+          <a:xfrm flipH="1">
+            <a:off x="5091840" y="3883558"/>
+            <a:ext cx="90920" cy="263745"/>
+          </a:xfrm>
+          <a:prstGeom prst="straightConnector1">
+            <a:avLst/>
+          </a:prstGeom>
+          <a:ln>
+            <a:tailEnd type="triangle"/>
+          </a:ln>
+        </p:spPr>
+        <p:style>
+          <a:lnRef idx="1">
+            <a:schemeClr val="accent1"/>
+          </a:lnRef>
+          <a:fillRef idx="0">
+            <a:schemeClr val="accent1"/>
+          </a:fillRef>
+          <a:effectRef idx="0">
+            <a:schemeClr val="accent1"/>
+          </a:effectRef>
+          <a:fontRef idx="minor">
+            <a:schemeClr val="tx1"/>
+          </a:fontRef>
+        </p:style>
+      </p:cxnSp>
+      <p:cxnSp>
+        <p:nvCxnSpPr>
+          <p:cNvPr id="112" name="Straight Arrow Connector 111">
+            <a:extLst>
+              <a:ext uri="{FF2B5EF4-FFF2-40B4-BE49-F238E27FC236}">
+                <a16:creationId xmlns:a16="http://schemas.microsoft.com/office/drawing/2014/main" id="{0B219877-8D1D-FE9F-A3E6-7069A7D8F74E}"/>
+              </a:ext>
+            </a:extLst>
+          </p:cNvPr>
+          <p:cNvCxnSpPr>
+            <a:cxnSpLocks/>
+            <a:stCxn id="22" idx="2"/>
+            <a:endCxn id="25" idx="0"/>
+          </p:cNvCxnSpPr>
+          <p:nvPr/>
+        </p:nvCxnSpPr>
+        <p:spPr>
+          <a:xfrm>
+            <a:off x="5091840" y="4450447"/>
+            <a:ext cx="51710" cy="295281"/>
+          </a:xfrm>
+          <a:prstGeom prst="straightConnector1">
+            <a:avLst/>
+          </a:prstGeom>
+          <a:ln>
+            <a:tailEnd type="triangle"/>
+          </a:ln>
+        </p:spPr>
+        <p:style>
+          <a:lnRef idx="1">
+            <a:schemeClr val="accent1"/>
+          </a:lnRef>
+          <a:fillRef idx="0">
+            <a:schemeClr val="accent1"/>
+          </a:fillRef>
+          <a:effectRef idx="0">
+            <a:schemeClr val="accent1"/>
+          </a:effectRef>
+          <a:fontRef idx="minor">
+            <a:schemeClr val="tx1"/>
+          </a:fontRef>
+        </p:style>
+      </p:cxnSp>
+      <p:cxnSp>
+        <p:nvCxnSpPr>
+          <p:cNvPr id="122" name="Straight Arrow Connector 121">
+            <a:extLst>
+              <a:ext uri="{FF2B5EF4-FFF2-40B4-BE49-F238E27FC236}">
+                <a16:creationId xmlns:a16="http://schemas.microsoft.com/office/drawing/2014/main" id="{CC69F3C6-6E7F-2B8E-2F17-B45834A8D512}"/>
+              </a:ext>
+            </a:extLst>
+          </p:cNvPr>
+          <p:cNvCxnSpPr>
+            <a:cxnSpLocks/>
+            <a:stCxn id="33" idx="2"/>
+            <a:endCxn id="35" idx="0"/>
+          </p:cNvCxnSpPr>
+          <p:nvPr/>
+        </p:nvCxnSpPr>
+        <p:spPr>
+          <a:xfrm>
+            <a:off x="6148677" y="2196983"/>
+            <a:ext cx="337355" cy="163189"/>
+          </a:xfrm>
+          <a:prstGeom prst="straightConnector1">
+            <a:avLst/>
+          </a:prstGeom>
+          <a:ln>
+            <a:tailEnd type="triangle"/>
+          </a:ln>
+        </p:spPr>
+        <p:style>
+          <a:lnRef idx="1">
+            <a:schemeClr val="accent1"/>
+          </a:lnRef>
+          <a:fillRef idx="0">
+            <a:schemeClr val="accent1"/>
+          </a:fillRef>
+          <a:effectRef idx="0">
+            <a:schemeClr val="accent1"/>
+          </a:effectRef>
+          <a:fontRef idx="minor">
+            <a:schemeClr val="tx1"/>
+          </a:fontRef>
+        </p:style>
+      </p:cxnSp>
+      <p:cxnSp>
+        <p:nvCxnSpPr>
+          <p:cNvPr id="125" name="Straight Arrow Connector 124">
+            <a:extLst>
+              <a:ext uri="{FF2B5EF4-FFF2-40B4-BE49-F238E27FC236}">
+                <a16:creationId xmlns:a16="http://schemas.microsoft.com/office/drawing/2014/main" id="{76A628DE-2B33-8609-F35A-BFD4B505750C}"/>
+              </a:ext>
+            </a:extLst>
+          </p:cNvPr>
+          <p:cNvCxnSpPr>
+            <a:cxnSpLocks/>
+            <a:stCxn id="35" idx="4"/>
+            <a:endCxn id="43" idx="0"/>
+          </p:cNvCxnSpPr>
+          <p:nvPr/>
+        </p:nvCxnSpPr>
+        <p:spPr>
+          <a:xfrm>
+            <a:off x="6486032" y="2663316"/>
+            <a:ext cx="103241" cy="239630"/>
+          </a:xfrm>
+          <a:prstGeom prst="straightConnector1">
+            <a:avLst/>
+          </a:prstGeom>
+          <a:ln>
+            <a:tailEnd type="triangle"/>
+          </a:ln>
+        </p:spPr>
+        <p:style>
+          <a:lnRef idx="1">
+            <a:schemeClr val="accent1"/>
+          </a:lnRef>
+          <a:fillRef idx="0">
+            <a:schemeClr val="accent1"/>
+          </a:fillRef>
+          <a:effectRef idx="0">
+            <a:schemeClr val="accent1"/>
+          </a:effectRef>
+          <a:fontRef idx="minor">
+            <a:schemeClr val="tx1"/>
+          </a:fontRef>
+        </p:style>
+      </p:cxnSp>
+      <p:cxnSp>
+        <p:nvCxnSpPr>
+          <p:cNvPr id="128" name="Straight Arrow Connector 127">
+            <a:extLst>
+              <a:ext uri="{FF2B5EF4-FFF2-40B4-BE49-F238E27FC236}">
+                <a16:creationId xmlns:a16="http://schemas.microsoft.com/office/drawing/2014/main" id="{99E160C9-FAC2-6EBC-BBB8-3B0E52C79574}"/>
+              </a:ext>
+            </a:extLst>
+          </p:cNvPr>
+          <p:cNvCxnSpPr>
+            <a:cxnSpLocks/>
+            <a:stCxn id="43" idx="2"/>
+            <a:endCxn id="44" idx="0"/>
+          </p:cNvCxnSpPr>
+          <p:nvPr/>
+        </p:nvCxnSpPr>
+        <p:spPr>
+          <a:xfrm>
+            <a:off x="6589273" y="3206090"/>
+            <a:ext cx="169174" cy="135231"/>
+          </a:xfrm>
+          <a:prstGeom prst="straightConnector1">
+            <a:avLst/>
+          </a:prstGeom>
+          <a:ln>
+            <a:tailEnd type="triangle"/>
+          </a:ln>
+        </p:spPr>
+        <p:style>
+          <a:lnRef idx="1">
+            <a:schemeClr val="accent1"/>
+          </a:lnRef>
+          <a:fillRef idx="0">
+            <a:schemeClr val="accent1"/>
+          </a:fillRef>
+          <a:effectRef idx="0">
+            <a:schemeClr val="accent1"/>
+          </a:effectRef>
+          <a:fontRef idx="minor">
+            <a:schemeClr val="tx1"/>
+          </a:fontRef>
+        </p:style>
+      </p:cxnSp>
+      <p:cxnSp>
+        <p:nvCxnSpPr>
+          <p:cNvPr id="131" name="Straight Arrow Connector 130">
+            <a:extLst>
+              <a:ext uri="{FF2B5EF4-FFF2-40B4-BE49-F238E27FC236}">
+                <a16:creationId xmlns:a16="http://schemas.microsoft.com/office/drawing/2014/main" id="{DA570C9E-6352-3731-912A-6D41658447F5}"/>
+              </a:ext>
+            </a:extLst>
+          </p:cNvPr>
+          <p:cNvCxnSpPr>
+            <a:cxnSpLocks/>
+            <a:stCxn id="40" idx="2"/>
+            <a:endCxn id="41" idx="0"/>
+          </p:cNvCxnSpPr>
+          <p:nvPr/>
+        </p:nvCxnSpPr>
+        <p:spPr>
+          <a:xfrm flipH="1">
+            <a:off x="7938289" y="4218115"/>
+            <a:ext cx="7247" cy="247490"/>
+          </a:xfrm>
+          <a:prstGeom prst="straightConnector1">
+            <a:avLst/>
+          </a:prstGeom>
+          <a:ln>
+            <a:tailEnd type="triangle"/>
+          </a:ln>
+        </p:spPr>
+        <p:style>
+          <a:lnRef idx="1">
+            <a:schemeClr val="accent1"/>
+          </a:lnRef>
+          <a:fillRef idx="0">
+            <a:schemeClr val="accent1"/>
+          </a:fillRef>
+          <a:effectRef idx="0">
+            <a:schemeClr val="accent1"/>
+          </a:effectRef>
+          <a:fontRef idx="minor">
+            <a:schemeClr val="tx1"/>
+          </a:fontRef>
+        </p:style>
+      </p:cxnSp>
+      <p:cxnSp>
+        <p:nvCxnSpPr>
+          <p:cNvPr id="157" name="Straight Arrow Connector 156">
+            <a:extLst>
+              <a:ext uri="{FF2B5EF4-FFF2-40B4-BE49-F238E27FC236}">
+                <a16:creationId xmlns:a16="http://schemas.microsoft.com/office/drawing/2014/main" id="{F098F6EC-803D-68CB-A066-D6353DE87753}"/>
+              </a:ext>
+            </a:extLst>
+          </p:cNvPr>
+          <p:cNvCxnSpPr>
+            <a:cxnSpLocks/>
+            <a:stCxn id="232" idx="4"/>
+            <a:endCxn id="40" idx="0"/>
+          </p:cNvCxnSpPr>
+          <p:nvPr/>
+        </p:nvCxnSpPr>
+        <p:spPr>
+          <a:xfrm>
+            <a:off x="7931043" y="3719213"/>
+            <a:ext cx="14493" cy="195758"/>
+          </a:xfrm>
+          <a:prstGeom prst="straightConnector1">
+            <a:avLst/>
+          </a:prstGeom>
+          <a:ln>
+            <a:tailEnd type="triangle"/>
+          </a:ln>
+        </p:spPr>
+        <p:style>
+          <a:lnRef idx="1">
+            <a:schemeClr val="accent1"/>
+          </a:lnRef>
+          <a:fillRef idx="0">
+            <a:schemeClr val="accent1"/>
+          </a:fillRef>
+          <a:effectRef idx="0">
+            <a:schemeClr val="accent1"/>
+          </a:effectRef>
+          <a:fontRef idx="minor">
+            <a:schemeClr val="tx1"/>
+          </a:fontRef>
+        </p:style>
+      </p:cxnSp>
+      <p:cxnSp>
+        <p:nvCxnSpPr>
+          <p:cNvPr id="160" name="Straight Arrow Connector 159">
+            <a:extLst>
+              <a:ext uri="{FF2B5EF4-FFF2-40B4-BE49-F238E27FC236}">
+                <a16:creationId xmlns:a16="http://schemas.microsoft.com/office/drawing/2014/main" id="{0F74E446-5D34-EF33-7ED2-7D97452E1ED1}"/>
+              </a:ext>
+            </a:extLst>
+          </p:cNvPr>
+          <p:cNvCxnSpPr>
+            <a:cxnSpLocks/>
+            <a:stCxn id="34" idx="2"/>
+            <a:endCxn id="36" idx="0"/>
+          </p:cNvCxnSpPr>
+          <p:nvPr/>
+        </p:nvCxnSpPr>
+        <p:spPr>
+          <a:xfrm>
+            <a:off x="9344209" y="2058742"/>
+            <a:ext cx="12511" cy="303144"/>
+          </a:xfrm>
+          <a:prstGeom prst="straightConnector1">
+            <a:avLst/>
+          </a:prstGeom>
+          <a:ln>
+            <a:tailEnd type="triangle"/>
+          </a:ln>
+        </p:spPr>
+        <p:style>
+          <a:lnRef idx="1">
+            <a:schemeClr val="accent1"/>
+          </a:lnRef>
+          <a:fillRef idx="0">
+            <a:schemeClr val="accent1"/>
+          </a:fillRef>
+          <a:effectRef idx="0">
+            <a:schemeClr val="accent1"/>
+          </a:effectRef>
+          <a:fontRef idx="minor">
+            <a:schemeClr val="tx1"/>
+          </a:fontRef>
+        </p:style>
+      </p:cxnSp>
+      <p:cxnSp>
+        <p:nvCxnSpPr>
+          <p:cNvPr id="163" name="Straight Arrow Connector 162">
+            <a:extLst>
+              <a:ext uri="{FF2B5EF4-FFF2-40B4-BE49-F238E27FC236}">
+                <a16:creationId xmlns:a16="http://schemas.microsoft.com/office/drawing/2014/main" id="{81589F9E-BEF6-A228-4D62-CF3AAB747E76}"/>
+              </a:ext>
+            </a:extLst>
+          </p:cNvPr>
+          <p:cNvCxnSpPr>
+            <a:cxnSpLocks/>
+            <a:stCxn id="36" idx="4"/>
+            <a:endCxn id="37" idx="0"/>
+          </p:cNvCxnSpPr>
+          <p:nvPr/>
+        </p:nvCxnSpPr>
+        <p:spPr>
+          <a:xfrm>
+            <a:off x="9356720" y="2665030"/>
+            <a:ext cx="98693" cy="200936"/>
+          </a:xfrm>
+          <a:prstGeom prst="straightConnector1">
+            <a:avLst/>
+          </a:prstGeom>
+          <a:ln>
+            <a:tailEnd type="triangle"/>
+          </a:ln>
+        </p:spPr>
+        <p:style>
+          <a:lnRef idx="1">
+            <a:schemeClr val="accent1"/>
+          </a:lnRef>
+          <a:fillRef idx="0">
+            <a:schemeClr val="accent1"/>
+          </a:fillRef>
+          <a:effectRef idx="0">
+            <a:schemeClr val="accent1"/>
+          </a:effectRef>
+          <a:fontRef idx="minor">
+            <a:schemeClr val="tx1"/>
+          </a:fontRef>
+        </p:style>
+      </p:cxnSp>
+      <p:cxnSp>
+        <p:nvCxnSpPr>
+          <p:cNvPr id="166" name="Straight Arrow Connector 165">
+            <a:extLst>
+              <a:ext uri="{FF2B5EF4-FFF2-40B4-BE49-F238E27FC236}">
+                <a16:creationId xmlns:a16="http://schemas.microsoft.com/office/drawing/2014/main" id="{332F9866-658A-858B-70BA-9345CCA3FEC9}"/>
+              </a:ext>
+            </a:extLst>
+          </p:cNvPr>
+          <p:cNvCxnSpPr>
+            <a:cxnSpLocks/>
+            <a:stCxn id="37" idx="2"/>
+            <a:endCxn id="38" idx="0"/>
+          </p:cNvCxnSpPr>
+          <p:nvPr/>
+        </p:nvCxnSpPr>
+        <p:spPr>
+          <a:xfrm>
+            <a:off x="9455413" y="3169110"/>
+            <a:ext cx="81173" cy="119657"/>
+          </a:xfrm>
+          <a:prstGeom prst="straightConnector1">
+            <a:avLst/>
+          </a:prstGeom>
+          <a:ln>
+            <a:tailEnd type="triangle"/>
+          </a:ln>
+        </p:spPr>
+        <p:style>
+          <a:lnRef idx="1">
+            <a:schemeClr val="accent1"/>
+          </a:lnRef>
+          <a:fillRef idx="0">
+            <a:schemeClr val="accent1"/>
+          </a:fillRef>
+          <a:effectRef idx="0">
+            <a:schemeClr val="accent1"/>
+          </a:effectRef>
+          <a:fontRef idx="minor">
+            <a:schemeClr val="tx1"/>
+          </a:fontRef>
+        </p:style>
+      </p:cxnSp>
+      <p:cxnSp>
+        <p:nvCxnSpPr>
+          <p:cNvPr id="169" name="Straight Arrow Connector 168">
+            <a:extLst>
+              <a:ext uri="{FF2B5EF4-FFF2-40B4-BE49-F238E27FC236}">
+                <a16:creationId xmlns:a16="http://schemas.microsoft.com/office/drawing/2014/main" id="{DEA55416-D801-7BD4-5F85-CABAA6937F77}"/>
+              </a:ext>
+            </a:extLst>
+          </p:cNvPr>
+          <p:cNvCxnSpPr>
+            <a:cxnSpLocks/>
+            <a:stCxn id="36" idx="4"/>
+            <a:endCxn id="49" idx="0"/>
+          </p:cNvCxnSpPr>
+          <p:nvPr/>
+        </p:nvCxnSpPr>
+        <p:spPr>
+          <a:xfrm>
+            <a:off x="9356720" y="2665030"/>
+            <a:ext cx="1370356" cy="207770"/>
+          </a:xfrm>
+          <a:prstGeom prst="straightConnector1">
+            <a:avLst/>
+          </a:prstGeom>
+          <a:ln>
+            <a:tailEnd type="triangle"/>
+          </a:ln>
+        </p:spPr>
+        <p:style>
+          <a:lnRef idx="1">
+            <a:schemeClr val="accent1"/>
+          </a:lnRef>
+          <a:fillRef idx="0">
+            <a:schemeClr val="accent1"/>
+          </a:fillRef>
+          <a:effectRef idx="0">
+            <a:schemeClr val="accent1"/>
+          </a:effectRef>
+          <a:fontRef idx="minor">
+            <a:schemeClr val="tx1"/>
+          </a:fontRef>
+        </p:style>
+      </p:cxnSp>
+      <p:cxnSp>
+        <p:nvCxnSpPr>
+          <p:cNvPr id="172" name="Straight Arrow Connector 171">
+            <a:extLst>
+              <a:ext uri="{FF2B5EF4-FFF2-40B4-BE49-F238E27FC236}">
+                <a16:creationId xmlns:a16="http://schemas.microsoft.com/office/drawing/2014/main" id="{04A03F66-A6FC-30DC-8DE7-15D7847936B1}"/>
+              </a:ext>
+            </a:extLst>
+          </p:cNvPr>
+          <p:cNvCxnSpPr>
+            <a:cxnSpLocks/>
+            <a:stCxn id="49" idx="2"/>
+            <a:endCxn id="280" idx="0"/>
+          </p:cNvCxnSpPr>
+          <p:nvPr/>
+        </p:nvCxnSpPr>
+        <p:spPr>
+          <a:xfrm flipH="1">
+            <a:off x="10703338" y="3175944"/>
+            <a:ext cx="23738" cy="439436"/>
+          </a:xfrm>
+          <a:prstGeom prst="straightConnector1">
+            <a:avLst/>
+          </a:prstGeom>
+          <a:ln>
+            <a:tailEnd type="triangle"/>
+          </a:ln>
+        </p:spPr>
+        <p:style>
+          <a:lnRef idx="1">
+            <a:schemeClr val="accent1"/>
+          </a:lnRef>
+          <a:fillRef idx="0">
+            <a:schemeClr val="accent1"/>
+          </a:fillRef>
+          <a:effectRef idx="0">
+            <a:schemeClr val="accent1"/>
+          </a:effectRef>
+          <a:fontRef idx="minor">
+            <a:schemeClr val="tx1"/>
+          </a:fontRef>
+        </p:style>
+      </p:cxnSp>
+      <p:sp>
+        <p:nvSpPr>
+          <p:cNvPr id="176" name="TextBox 175">
+            <a:extLst>
+              <a:ext uri="{FF2B5EF4-FFF2-40B4-BE49-F238E27FC236}">
+                <a16:creationId xmlns:a16="http://schemas.microsoft.com/office/drawing/2014/main" id="{323F9C01-ECED-7B68-CFBA-953B00C02183}"/>
+              </a:ext>
+            </a:extLst>
+          </p:cNvPr>
+          <p:cNvSpPr txBox="1"/>
+          <p:nvPr/>
+        </p:nvSpPr>
+        <p:spPr>
+          <a:xfrm>
+            <a:off x="145550" y="93644"/>
+            <a:ext cx="1603324" cy="1546577"/>
+          </a:xfrm>
+          <a:prstGeom prst="rect">
+            <a:avLst/>
+          </a:prstGeom>
+          <a:noFill/>
+        </p:spPr>
+        <p:txBody>
+          <a:bodyPr wrap="none" rtlCol="0">
+            <a:spAutoFit/>
+          </a:bodyPr>
+          <a:lstStyle/>
+          <a:p>
+            <a:r>
+              <a:rPr lang="en-US" sz="1350" dirty="0" err="1"/>
+              <a:t>shoL</a:t>
+            </a:r>
+            <a:r>
+              <a:rPr lang="en-US" sz="1350" dirty="0"/>
+              <a:t>: left shoulder</a:t>
+            </a:r>
+          </a:p>
+          <a:p>
+            <a:r>
+              <a:rPr lang="en-US" sz="1350" dirty="0" err="1"/>
+              <a:t>shoR</a:t>
+            </a:r>
+            <a:r>
+              <a:rPr lang="en-US" sz="1350" dirty="0"/>
+              <a:t>: right shoulder</a:t>
+            </a:r>
+          </a:p>
+          <a:p>
+            <a:r>
+              <a:rPr lang="en-US" sz="1350" dirty="0"/>
+              <a:t>T: translate</a:t>
+            </a:r>
+          </a:p>
+          <a:p>
+            <a:r>
+              <a:rPr lang="en-US" sz="1350" dirty="0"/>
+              <a:t>R: rotate</a:t>
+            </a:r>
+          </a:p>
+          <a:p>
+            <a:r>
+              <a:rPr lang="en-US" sz="1350" dirty="0"/>
+              <a:t>S: Scale</a:t>
+            </a:r>
+          </a:p>
+          <a:p>
+            <a:r>
+              <a:rPr lang="en-US" sz="1350" dirty="0" err="1"/>
+              <a:t>PelvisL</a:t>
+            </a:r>
+            <a:r>
+              <a:rPr lang="en-US" sz="1350" dirty="0"/>
+              <a:t>: left pelvis</a:t>
+            </a:r>
+          </a:p>
+          <a:p>
+            <a:r>
+              <a:rPr lang="en-US" sz="1350" dirty="0" err="1"/>
+              <a:t>PelvisR</a:t>
+            </a:r>
+            <a:r>
+              <a:rPr lang="en-US" sz="1350" dirty="0"/>
+              <a:t>: right pelvis</a:t>
+            </a:r>
+          </a:p>
+        </p:txBody>
+      </p:sp>
+      <p:sp>
+        <p:nvSpPr>
+          <p:cNvPr id="186" name="Oval 185">
+            <a:extLst>
+              <a:ext uri="{FF2B5EF4-FFF2-40B4-BE49-F238E27FC236}">
+                <a16:creationId xmlns:a16="http://schemas.microsoft.com/office/drawing/2014/main" id="{BA9EFD6C-5548-07C8-5EC4-E68136BAED4A}"/>
+              </a:ext>
+            </a:extLst>
+          </p:cNvPr>
+          <p:cNvSpPr/>
+          <p:nvPr/>
+        </p:nvSpPr>
+        <p:spPr>
+          <a:xfrm>
+            <a:off x="2268171" y="3603698"/>
+            <a:ext cx="1333482" cy="303144"/>
+          </a:xfrm>
+          <a:prstGeom prst="ellipse">
+            <a:avLst/>
+          </a:prstGeom>
+        </p:spPr>
+        <p:style>
+          <a:lnRef idx="2">
+            <a:schemeClr val="accent1">
+              <a:shade val="15000"/>
+            </a:schemeClr>
+          </a:lnRef>
+          <a:fillRef idx="1">
+            <a:schemeClr val="accent1"/>
+          </a:fillRef>
+          <a:effectRef idx="0">
+            <a:schemeClr val="accent1"/>
+          </a:effectRef>
+          <a:fontRef idx="minor">
+            <a:schemeClr val="lt1"/>
+          </a:fontRef>
+        </p:style>
+        <p:txBody>
+          <a:bodyPr rtlCol="0" anchor="ctr"/>
+          <a:lstStyle/>
+          <a:p>
+            <a:pPr algn="ctr"/>
+            <a:r>
+              <a:rPr lang="en-US" sz="1350" dirty="0" err="1"/>
+              <a:t>ElbowL</a:t>
+            </a:r>
+            <a:endParaRPr lang="en-US" sz="1350" dirty="0"/>
+          </a:p>
+        </p:txBody>
+      </p:sp>
+      <p:cxnSp>
+        <p:nvCxnSpPr>
+          <p:cNvPr id="187" name="Straight Arrow Connector 186">
+            <a:extLst>
+              <a:ext uri="{FF2B5EF4-FFF2-40B4-BE49-F238E27FC236}">
+                <a16:creationId xmlns:a16="http://schemas.microsoft.com/office/drawing/2014/main" id="{BF463324-3494-29AA-43D0-C9D334AA1904}"/>
+              </a:ext>
+            </a:extLst>
+          </p:cNvPr>
+          <p:cNvCxnSpPr>
+            <a:cxnSpLocks/>
+            <a:stCxn id="12" idx="4"/>
+            <a:endCxn id="247" idx="0"/>
+          </p:cNvCxnSpPr>
+          <p:nvPr/>
+        </p:nvCxnSpPr>
+        <p:spPr>
+          <a:xfrm flipH="1">
+            <a:off x="2968497" y="2699488"/>
+            <a:ext cx="210359" cy="362546"/>
+          </a:xfrm>
+          <a:prstGeom prst="straightConnector1">
+            <a:avLst/>
+          </a:prstGeom>
+          <a:ln>
+            <a:tailEnd type="triangle"/>
+          </a:ln>
+        </p:spPr>
+        <p:style>
+          <a:lnRef idx="1">
+            <a:schemeClr val="accent1"/>
+          </a:lnRef>
+          <a:fillRef idx="0">
+            <a:schemeClr val="accent1"/>
+          </a:fillRef>
+          <a:effectRef idx="0">
+            <a:schemeClr val="accent1"/>
+          </a:effectRef>
+          <a:fontRef idx="minor">
+            <a:schemeClr val="tx1"/>
+          </a:fontRef>
+        </p:style>
+      </p:cxnSp>
+      <p:sp>
+        <p:nvSpPr>
+          <p:cNvPr id="197" name="Oval 196">
+            <a:extLst>
+              <a:ext uri="{FF2B5EF4-FFF2-40B4-BE49-F238E27FC236}">
+                <a16:creationId xmlns:a16="http://schemas.microsoft.com/office/drawing/2014/main" id="{CAF6654C-3AB1-024B-189A-3A1280623202}"/>
+              </a:ext>
+            </a:extLst>
+          </p:cNvPr>
+          <p:cNvSpPr/>
+          <p:nvPr/>
+        </p:nvSpPr>
+        <p:spPr>
+          <a:xfrm>
+            <a:off x="4658580" y="3580414"/>
+            <a:ext cx="1048360" cy="303144"/>
+          </a:xfrm>
+          <a:prstGeom prst="ellipse">
+            <a:avLst/>
+          </a:prstGeom>
+        </p:spPr>
+        <p:style>
+          <a:lnRef idx="2">
+            <a:schemeClr val="accent1">
+              <a:shade val="15000"/>
+            </a:schemeClr>
+          </a:lnRef>
+          <a:fillRef idx="1">
+            <a:schemeClr val="accent1"/>
+          </a:fillRef>
+          <a:effectRef idx="0">
+            <a:schemeClr val="accent1"/>
+          </a:effectRef>
+          <a:fontRef idx="minor">
+            <a:schemeClr val="lt1"/>
+          </a:fontRef>
+        </p:style>
+        <p:txBody>
+          <a:bodyPr rtlCol="0" anchor="ctr"/>
+          <a:lstStyle/>
+          <a:p>
+            <a:pPr algn="ctr"/>
+            <a:r>
+              <a:rPr lang="en-US" sz="1350" dirty="0" err="1"/>
+              <a:t>ElbowR</a:t>
+            </a:r>
+            <a:endParaRPr lang="en-US" sz="1350" dirty="0"/>
+          </a:p>
+        </p:txBody>
+      </p:sp>
+      <p:cxnSp>
+        <p:nvCxnSpPr>
+          <p:cNvPr id="206" name="Straight Arrow Connector 205">
+            <a:extLst>
+              <a:ext uri="{FF2B5EF4-FFF2-40B4-BE49-F238E27FC236}">
+                <a16:creationId xmlns:a16="http://schemas.microsoft.com/office/drawing/2014/main" id="{13A158FF-A06E-7B93-413B-6FA22855E865}"/>
+              </a:ext>
+            </a:extLst>
+          </p:cNvPr>
+          <p:cNvCxnSpPr>
+            <a:cxnSpLocks/>
+            <a:stCxn id="13" idx="4"/>
+            <a:endCxn id="258" idx="0"/>
+          </p:cNvCxnSpPr>
+          <p:nvPr/>
+        </p:nvCxnSpPr>
+        <p:spPr>
+          <a:xfrm>
+            <a:off x="4433670" y="2646686"/>
+            <a:ext cx="405195" cy="322125"/>
+          </a:xfrm>
+          <a:prstGeom prst="straightConnector1">
+            <a:avLst/>
+          </a:prstGeom>
+          <a:ln>
+            <a:tailEnd type="triangle"/>
+          </a:ln>
+        </p:spPr>
+        <p:style>
+          <a:lnRef idx="1">
+            <a:schemeClr val="accent1"/>
+          </a:lnRef>
+          <a:fillRef idx="0">
+            <a:schemeClr val="accent1"/>
+          </a:fillRef>
+          <a:effectRef idx="0">
+            <a:schemeClr val="accent1"/>
+          </a:effectRef>
+          <a:fontRef idx="minor">
+            <a:schemeClr val="tx1"/>
+          </a:fontRef>
+        </p:style>
+      </p:cxnSp>
+      <p:sp>
+        <p:nvSpPr>
+          <p:cNvPr id="232" name="Oval 231">
+            <a:extLst>
+              <a:ext uri="{FF2B5EF4-FFF2-40B4-BE49-F238E27FC236}">
+                <a16:creationId xmlns:a16="http://schemas.microsoft.com/office/drawing/2014/main" id="{4AF9747E-6CF4-C4B2-3F98-1E3CC6BCD436}"/>
+              </a:ext>
+            </a:extLst>
+          </p:cNvPr>
+          <p:cNvSpPr/>
+          <p:nvPr/>
+        </p:nvSpPr>
+        <p:spPr>
+          <a:xfrm>
+            <a:off x="7485856" y="3416069"/>
+            <a:ext cx="890373" cy="303144"/>
+          </a:xfrm>
+          <a:prstGeom prst="ellipse">
+            <a:avLst/>
+          </a:prstGeom>
+        </p:spPr>
+        <p:style>
+          <a:lnRef idx="2">
+            <a:schemeClr val="accent1">
+              <a:shade val="15000"/>
+            </a:schemeClr>
+          </a:lnRef>
+          <a:fillRef idx="1">
+            <a:schemeClr val="accent1"/>
+          </a:fillRef>
+          <a:effectRef idx="0">
+            <a:schemeClr val="accent1"/>
+          </a:effectRef>
+          <a:fontRef idx="minor">
+            <a:schemeClr val="lt1"/>
+          </a:fontRef>
+        </p:style>
+        <p:txBody>
+          <a:bodyPr rtlCol="0" anchor="ctr"/>
+          <a:lstStyle/>
+          <a:p>
+            <a:pPr algn="ctr"/>
+            <a:r>
+              <a:rPr lang="en-US" sz="1350" dirty="0" err="1"/>
+              <a:t>KneeL</a:t>
+            </a:r>
+            <a:endParaRPr lang="en-US" sz="1350" dirty="0"/>
+          </a:p>
+        </p:txBody>
+      </p:sp>
+      <p:cxnSp>
+        <p:nvCxnSpPr>
+          <p:cNvPr id="238" name="Straight Arrow Connector 237">
+            <a:extLst>
+              <a:ext uri="{FF2B5EF4-FFF2-40B4-BE49-F238E27FC236}">
+                <a16:creationId xmlns:a16="http://schemas.microsoft.com/office/drawing/2014/main" id="{68ADCC3B-82C1-9519-AFF6-AEAE5F1D4674}"/>
+              </a:ext>
+            </a:extLst>
+          </p:cNvPr>
+          <p:cNvCxnSpPr>
+            <a:cxnSpLocks/>
+            <a:stCxn id="263" idx="2"/>
+            <a:endCxn id="232" idx="0"/>
+          </p:cNvCxnSpPr>
+          <p:nvPr/>
+        </p:nvCxnSpPr>
+        <p:spPr>
+          <a:xfrm>
+            <a:off x="7575762" y="3147087"/>
+            <a:ext cx="355281" cy="268982"/>
+          </a:xfrm>
+          <a:prstGeom prst="straightConnector1">
+            <a:avLst/>
+          </a:prstGeom>
+          <a:ln>
+            <a:tailEnd type="triangle"/>
+          </a:ln>
+        </p:spPr>
+        <p:style>
+          <a:lnRef idx="1">
+            <a:schemeClr val="accent1"/>
+          </a:lnRef>
+          <a:fillRef idx="0">
+            <a:schemeClr val="accent1"/>
+          </a:fillRef>
+          <a:effectRef idx="0">
+            <a:schemeClr val="accent1"/>
+          </a:effectRef>
+          <a:fontRef idx="minor">
+            <a:schemeClr val="tx1"/>
+          </a:fontRef>
+        </p:style>
+      </p:cxnSp>
+      <p:sp>
+        <p:nvSpPr>
+          <p:cNvPr id="247" name="Rectangle 246">
+            <a:extLst>
+              <a:ext uri="{FF2B5EF4-FFF2-40B4-BE49-F238E27FC236}">
+                <a16:creationId xmlns:a16="http://schemas.microsoft.com/office/drawing/2014/main" id="{F6AB428F-4450-62EA-60AE-5F4AD3FD7AA7}"/>
+              </a:ext>
+            </a:extLst>
+          </p:cNvPr>
+          <p:cNvSpPr/>
+          <p:nvPr/>
+        </p:nvSpPr>
+        <p:spPr>
+          <a:xfrm>
+            <a:off x="2655414" y="3062034"/>
+            <a:ext cx="626165" cy="303144"/>
+          </a:xfrm>
+          <a:prstGeom prst="rect">
+            <a:avLst/>
+          </a:prstGeom>
+        </p:spPr>
+        <p:style>
+          <a:lnRef idx="2">
+            <a:schemeClr val="accent4">
+              <a:shade val="15000"/>
+            </a:schemeClr>
+          </a:lnRef>
+          <a:fillRef idx="1">
+            <a:schemeClr val="accent4"/>
+          </a:fillRef>
+          <a:effectRef idx="0">
+            <a:schemeClr val="accent4"/>
+          </a:effectRef>
+          <a:fontRef idx="minor">
+            <a:schemeClr val="lt1"/>
+          </a:fontRef>
+        </p:style>
+        <p:txBody>
+          <a:bodyPr rtlCol="0" anchor="ctr"/>
+          <a:lstStyle/>
+          <a:p>
+            <a:pPr algn="ctr"/>
+            <a:r>
+              <a:rPr lang="en-US" sz="1350" dirty="0"/>
+              <a:t>TSR</a:t>
+            </a:r>
+          </a:p>
+        </p:txBody>
+      </p:sp>
+      <p:cxnSp>
+        <p:nvCxnSpPr>
+          <p:cNvPr id="249" name="Straight Arrow Connector 248">
+            <a:extLst>
+              <a:ext uri="{FF2B5EF4-FFF2-40B4-BE49-F238E27FC236}">
+                <a16:creationId xmlns:a16="http://schemas.microsoft.com/office/drawing/2014/main" id="{0DC0C14D-0475-EAFB-C20D-26808CB58D21}"/>
+              </a:ext>
+            </a:extLst>
+          </p:cNvPr>
+          <p:cNvCxnSpPr>
+            <a:cxnSpLocks/>
+            <a:stCxn id="247" idx="2"/>
+            <a:endCxn id="186" idx="0"/>
+          </p:cNvCxnSpPr>
+          <p:nvPr/>
+        </p:nvCxnSpPr>
+        <p:spPr>
+          <a:xfrm flipH="1">
+            <a:off x="2934912" y="3365178"/>
+            <a:ext cx="33585" cy="238520"/>
+          </a:xfrm>
+          <a:prstGeom prst="straightConnector1">
+            <a:avLst/>
+          </a:prstGeom>
+          <a:ln>
+            <a:tailEnd type="triangle"/>
+          </a:ln>
+        </p:spPr>
+        <p:style>
+          <a:lnRef idx="1">
+            <a:schemeClr val="accent1"/>
+          </a:lnRef>
+          <a:fillRef idx="0">
+            <a:schemeClr val="accent1"/>
+          </a:fillRef>
+          <a:effectRef idx="0">
+            <a:schemeClr val="accent1"/>
+          </a:effectRef>
+          <a:fontRef idx="minor">
+            <a:schemeClr val="tx1"/>
+          </a:fontRef>
+        </p:style>
+      </p:cxnSp>
+      <p:sp>
+        <p:nvSpPr>
+          <p:cNvPr id="258" name="Rectangle 257">
+            <a:extLst>
+              <a:ext uri="{FF2B5EF4-FFF2-40B4-BE49-F238E27FC236}">
+                <a16:creationId xmlns:a16="http://schemas.microsoft.com/office/drawing/2014/main" id="{F2D11F62-8F1E-340F-C32B-796CFB93A25F}"/>
+              </a:ext>
+            </a:extLst>
+          </p:cNvPr>
+          <p:cNvSpPr/>
+          <p:nvPr/>
+        </p:nvSpPr>
+        <p:spPr>
+          <a:xfrm>
+            <a:off x="4525782" y="2968811"/>
+            <a:ext cx="626165" cy="303144"/>
+          </a:xfrm>
+          <a:prstGeom prst="rect">
+            <a:avLst/>
+          </a:prstGeom>
+        </p:spPr>
+        <p:style>
+          <a:lnRef idx="2">
+            <a:schemeClr val="accent4">
+              <a:shade val="15000"/>
+            </a:schemeClr>
+          </a:lnRef>
+          <a:fillRef idx="1">
+            <a:schemeClr val="accent4"/>
+          </a:fillRef>
+          <a:effectRef idx="0">
+            <a:schemeClr val="accent4"/>
+          </a:effectRef>
+          <a:fontRef idx="minor">
+            <a:schemeClr val="lt1"/>
+          </a:fontRef>
+        </p:style>
+        <p:txBody>
+          <a:bodyPr rtlCol="0" anchor="ctr"/>
+          <a:lstStyle/>
+          <a:p>
+            <a:pPr algn="ctr"/>
+            <a:r>
+              <a:rPr lang="en-US" sz="1350" dirty="0"/>
+              <a:t>TSR</a:t>
+            </a:r>
+          </a:p>
+        </p:txBody>
+      </p:sp>
+      <p:cxnSp>
+        <p:nvCxnSpPr>
+          <p:cNvPr id="260" name="Straight Arrow Connector 259">
+            <a:extLst>
+              <a:ext uri="{FF2B5EF4-FFF2-40B4-BE49-F238E27FC236}">
+                <a16:creationId xmlns:a16="http://schemas.microsoft.com/office/drawing/2014/main" id="{5030E0EE-F375-F567-19BF-340D5A1B4B8B}"/>
+              </a:ext>
+            </a:extLst>
+          </p:cNvPr>
+          <p:cNvCxnSpPr>
+            <a:cxnSpLocks/>
+            <a:stCxn id="258" idx="2"/>
+            <a:endCxn id="197" idx="0"/>
+          </p:cNvCxnSpPr>
+          <p:nvPr/>
+        </p:nvCxnSpPr>
+        <p:spPr>
+          <a:xfrm>
+            <a:off x="4838865" y="3271955"/>
+            <a:ext cx="343895" cy="308459"/>
+          </a:xfrm>
+          <a:prstGeom prst="straightConnector1">
+            <a:avLst/>
+          </a:prstGeom>
+          <a:ln>
+            <a:tailEnd type="triangle"/>
+          </a:ln>
+        </p:spPr>
+        <p:style>
+          <a:lnRef idx="1">
+            <a:schemeClr val="accent1"/>
+          </a:lnRef>
+          <a:fillRef idx="0">
+            <a:schemeClr val="accent1"/>
+          </a:fillRef>
+          <a:effectRef idx="0">
+            <a:schemeClr val="accent1"/>
+          </a:effectRef>
+          <a:fontRef idx="minor">
+            <a:schemeClr val="tx1"/>
+          </a:fontRef>
+        </p:style>
+      </p:cxnSp>
+      <p:sp>
+        <p:nvSpPr>
+          <p:cNvPr id="263" name="Rectangle 262">
+            <a:extLst>
+              <a:ext uri="{FF2B5EF4-FFF2-40B4-BE49-F238E27FC236}">
+                <a16:creationId xmlns:a16="http://schemas.microsoft.com/office/drawing/2014/main" id="{95217EA1-9894-84D1-B7B6-CF8395EC77C5}"/>
+              </a:ext>
+            </a:extLst>
+          </p:cNvPr>
+          <p:cNvSpPr/>
+          <p:nvPr/>
+        </p:nvSpPr>
+        <p:spPr>
+          <a:xfrm>
+            <a:off x="7262679" y="2843943"/>
+            <a:ext cx="626165" cy="303144"/>
+          </a:xfrm>
+          <a:prstGeom prst="rect">
+            <a:avLst/>
+          </a:prstGeom>
+        </p:spPr>
+        <p:style>
+          <a:lnRef idx="2">
+            <a:schemeClr val="accent4">
+              <a:shade val="15000"/>
+            </a:schemeClr>
+          </a:lnRef>
+          <a:fillRef idx="1">
+            <a:schemeClr val="accent4"/>
+          </a:fillRef>
+          <a:effectRef idx="0">
+            <a:schemeClr val="accent4"/>
+          </a:effectRef>
+          <a:fontRef idx="minor">
+            <a:schemeClr val="lt1"/>
+          </a:fontRef>
+        </p:style>
+        <p:txBody>
+          <a:bodyPr rtlCol="0" anchor="ctr"/>
+          <a:lstStyle/>
+          <a:p>
+            <a:pPr algn="ctr"/>
+            <a:r>
+              <a:rPr lang="en-US" sz="1350" dirty="0"/>
+              <a:t>TSR</a:t>
+            </a:r>
+          </a:p>
+        </p:txBody>
+      </p:sp>
+      <p:cxnSp>
+        <p:nvCxnSpPr>
+          <p:cNvPr id="265" name="Straight Arrow Connector 264">
+            <a:extLst>
+              <a:ext uri="{FF2B5EF4-FFF2-40B4-BE49-F238E27FC236}">
+                <a16:creationId xmlns:a16="http://schemas.microsoft.com/office/drawing/2014/main" id="{788C9BA1-9614-BBE8-C696-28D137286456}"/>
+              </a:ext>
+            </a:extLst>
+          </p:cNvPr>
+          <p:cNvCxnSpPr>
+            <a:cxnSpLocks/>
+            <a:stCxn id="35" idx="4"/>
+            <a:endCxn id="263" idx="0"/>
+          </p:cNvCxnSpPr>
+          <p:nvPr/>
+        </p:nvCxnSpPr>
+        <p:spPr>
+          <a:xfrm>
+            <a:off x="6486032" y="2663316"/>
+            <a:ext cx="1089730" cy="180627"/>
+          </a:xfrm>
+          <a:prstGeom prst="straightConnector1">
+            <a:avLst/>
+          </a:prstGeom>
+          <a:ln>
+            <a:tailEnd type="triangle"/>
+          </a:ln>
+        </p:spPr>
+        <p:style>
+          <a:lnRef idx="1">
+            <a:schemeClr val="accent1"/>
+          </a:lnRef>
+          <a:fillRef idx="0">
+            <a:schemeClr val="accent1"/>
+          </a:fillRef>
+          <a:effectRef idx="0">
+            <a:schemeClr val="accent1"/>
+          </a:effectRef>
+          <a:fontRef idx="minor">
+            <a:schemeClr val="tx1"/>
+          </a:fontRef>
+        </p:style>
+      </p:cxnSp>
+      <p:sp>
+        <p:nvSpPr>
+          <p:cNvPr id="280" name="Oval 279">
+            <a:extLst>
+              <a:ext uri="{FF2B5EF4-FFF2-40B4-BE49-F238E27FC236}">
+                <a16:creationId xmlns:a16="http://schemas.microsoft.com/office/drawing/2014/main" id="{210E721B-E777-498D-0688-1150B7A96076}"/>
+              </a:ext>
+            </a:extLst>
+          </p:cNvPr>
+          <p:cNvSpPr/>
+          <p:nvPr/>
+        </p:nvSpPr>
+        <p:spPr>
+          <a:xfrm>
+            <a:off x="10258151" y="3615380"/>
+            <a:ext cx="890373" cy="303144"/>
+          </a:xfrm>
+          <a:prstGeom prst="ellipse">
+            <a:avLst/>
+          </a:prstGeom>
+        </p:spPr>
+        <p:style>
+          <a:lnRef idx="2">
+            <a:schemeClr val="accent1">
+              <a:shade val="15000"/>
+            </a:schemeClr>
+          </a:lnRef>
+          <a:fillRef idx="1">
+            <a:schemeClr val="accent1"/>
+          </a:fillRef>
+          <a:effectRef idx="0">
+            <a:schemeClr val="accent1"/>
+          </a:effectRef>
+          <a:fontRef idx="minor">
+            <a:schemeClr val="lt1"/>
+          </a:fontRef>
+        </p:style>
+        <p:txBody>
+          <a:bodyPr rtlCol="0" anchor="ctr"/>
+          <a:lstStyle/>
+          <a:p>
+            <a:pPr algn="ctr"/>
+            <a:r>
+              <a:rPr lang="en-US" sz="1350" dirty="0" err="1"/>
+              <a:t>KneeL</a:t>
+            </a:r>
+            <a:endParaRPr lang="en-US" sz="1350" dirty="0"/>
+          </a:p>
+        </p:txBody>
+      </p:sp>
+      <p:cxnSp>
+        <p:nvCxnSpPr>
+          <p:cNvPr id="287" name="Straight Arrow Connector 286">
+            <a:extLst>
+              <a:ext uri="{FF2B5EF4-FFF2-40B4-BE49-F238E27FC236}">
+                <a16:creationId xmlns:a16="http://schemas.microsoft.com/office/drawing/2014/main" id="{DE74083B-CBBF-F90D-8FF1-45166D3C11C4}"/>
+              </a:ext>
+            </a:extLst>
+          </p:cNvPr>
+          <p:cNvCxnSpPr>
+            <a:cxnSpLocks/>
+            <a:stCxn id="280" idx="4"/>
+            <a:endCxn id="50" idx="0"/>
+          </p:cNvCxnSpPr>
+          <p:nvPr/>
+        </p:nvCxnSpPr>
+        <p:spPr>
+          <a:xfrm flipH="1">
+            <a:off x="10679600" y="3918524"/>
+            <a:ext cx="23738" cy="538963"/>
+          </a:xfrm>
+          <a:prstGeom prst="straightConnector1">
+            <a:avLst/>
+          </a:prstGeom>
+          <a:ln>
+            <a:tailEnd type="triangle"/>
+          </a:ln>
+        </p:spPr>
+        <p:style>
+          <a:lnRef idx="1">
+            <a:schemeClr val="accent1"/>
+          </a:lnRef>
+          <a:fillRef idx="0">
+            <a:schemeClr val="accent1"/>
+          </a:fillRef>
+          <a:effectRef idx="0">
+            <a:schemeClr val="accent1"/>
+          </a:effectRef>
+          <a:fontRef idx="minor">
+            <a:schemeClr val="tx1"/>
+          </a:fontRef>
+        </p:style>
+      </p:cxnSp>
+      <p:cxnSp>
+        <p:nvCxnSpPr>
+          <p:cNvPr id="2" name="Straight Arrow Connector 1">
+            <a:extLst>
+              <a:ext uri="{FF2B5EF4-FFF2-40B4-BE49-F238E27FC236}">
+                <a16:creationId xmlns:a16="http://schemas.microsoft.com/office/drawing/2014/main" id="{06F024D7-FA1B-5AF7-95CF-DE427CE54827}"/>
+              </a:ext>
+            </a:extLst>
+          </p:cNvPr>
+          <p:cNvCxnSpPr>
+            <a:cxnSpLocks/>
+            <a:stCxn id="8" idx="2"/>
+            <a:endCxn id="9" idx="0"/>
+          </p:cNvCxnSpPr>
+          <p:nvPr/>
+        </p:nvCxnSpPr>
+        <p:spPr>
+          <a:xfrm flipH="1">
+            <a:off x="2128663" y="1845216"/>
+            <a:ext cx="88492" cy="195488"/>
+          </a:xfrm>
+          <a:prstGeom prst="straightConnector1">
+            <a:avLst/>
+          </a:prstGeom>
+          <a:ln>
+            <a:tailEnd type="triangle"/>
+          </a:ln>
+        </p:spPr>
+        <p:style>
+          <a:lnRef idx="1">
+            <a:schemeClr val="accent1"/>
+          </a:lnRef>
+          <a:fillRef idx="0">
+            <a:schemeClr val="accent1"/>
+          </a:fillRef>
+          <a:effectRef idx="0">
+            <a:schemeClr val="accent1"/>
+          </a:effectRef>
+          <a:fontRef idx="minor">
+            <a:schemeClr val="tx1"/>
+          </a:fontRef>
+        </p:style>
+      </p:cxnSp>
+    </p:spTree>
+    <p:extLst>
+      <p:ext uri="{BB962C8B-B14F-4D97-AF65-F5344CB8AC3E}">
+        <p14:creationId xmlns:p14="http://schemas.microsoft.com/office/powerpoint/2010/main" val="430902398"/>
+      </p:ext>
+    </p:extLst>
+  </p:cSld>
+  <p:clrMapOvr>
+    <a:masterClrMapping/>
+  </p:clrMapOvr>
+</p:sld>
+</file>
+
 <file path=ppt/theme/theme1.xml><?xml version="1.0" encoding="utf-8"?>
 <a:theme xmlns:a="http://schemas.openxmlformats.org/drawingml/2006/main" name="Office Theme">
   <a:themeElements>
